--- a/MainEvents/Map.pptx
+++ b/MainEvents/Map.pptx
@@ -3,8 +3,8 @@
 <p:presentation xmlns:a="http://schemas.openxmlformats.org/drawingml/2006/main" xmlns:r="http://schemas.openxmlformats.org/officeDocument/2006/relationships" xmlns:p="http://schemas.openxmlformats.org/presentationml/2006/main" strictFirstAndLastChars="0" embedTrueTypeFonts="1" saveSubsetFonts="1" autoCompressPictures="0">
   <p:sldMasterIdLst>
     <p:sldMasterId id="2147483679" r:id="rId1"/>
-    <p:sldMasterId id="2147483693" r:id="rId2"/>
-    <p:sldMasterId id="2147483705" r:id="rId3"/>
+    <p:sldMasterId id="2147483717" r:id="rId2"/>
+    <p:sldMasterId id="2147483729" r:id="rId3"/>
   </p:sldMasterIdLst>
   <p:notesMasterIdLst>
     <p:notesMasterId r:id="rId7"/>
@@ -14,7 +14,7 @@
     <p:sldId id="307" r:id="rId5"/>
     <p:sldId id="256" r:id="rId6"/>
   </p:sldIdLst>
-  <p:sldSz cx="18288000" cy="18288000"/>
+  <p:sldSz cx="18288000" cy="13716000"/>
   <p:notesSz cx="6858000" cy="9144000"/>
   <p:embeddedFontLst>
     <p:embeddedFont>
@@ -273,7 +273,7 @@
   <p:extLst>
     <p:ext uri="{EFAFB233-063F-42B5-8137-9DF3F51BA10A}">
       <p15:sldGuideLst xmlns:p15="http://schemas.microsoft.com/office/powerpoint/2012/main">
-        <p15:guide id="1" orient="horz" pos="5760" userDrawn="1">
+        <p15:guide id="1" orient="horz" pos="4320" userDrawn="1">
           <p15:clr>
             <a:srgbClr val="9AA0A6"/>
           </p15:clr>
@@ -323,8 +323,8 @@
         </p:nvSpPr>
         <p:spPr>
           <a:xfrm>
-            <a:off x="1714500" y="685800"/>
-            <a:ext cx="3429000" cy="3429000"/>
+            <a:off x="1143000" y="685800"/>
+            <a:ext cx="4572000" cy="3429000"/>
           </a:xfrm>
           <a:custGeom>
             <a:avLst/>
@@ -757,7 +757,12 @@
             <p:ph type="sldImg"/>
           </p:nvPr>
         </p:nvSpPr>
-        <p:spPr/>
+        <p:spPr>
+          <a:xfrm>
+            <a:off x="1143000" y="685800"/>
+            <a:ext cx="4572000" cy="3429000"/>
+          </a:xfrm>
+        </p:spPr>
       </p:sp>
       <p:sp>
         <p:nvSpPr>
@@ -820,8 +825,8 @@
         </p:nvSpPr>
         <p:spPr>
           <a:xfrm>
-            <a:off x="1714500" y="685800"/>
-            <a:ext cx="3429000" cy="3429000"/>
+            <a:off x="1143000" y="685800"/>
+            <a:ext cx="4572000" cy="3429000"/>
           </a:xfrm>
           <a:custGeom>
             <a:avLst/>
@@ -937,8 +942,8 @@
         </p:nvSpPr>
         <p:spPr>
           <a:xfrm>
-            <a:off x="1837200" y="10049956"/>
-            <a:ext cx="14613600" cy="3317333"/>
+            <a:off x="1837200" y="7537467"/>
+            <a:ext cx="14613600" cy="2488000"/>
           </a:xfrm>
           <a:prstGeom prst="rect">
             <a:avLst/>
@@ -1074,8 +1079,8 @@
         </p:nvSpPr>
         <p:spPr>
           <a:xfrm>
-            <a:off x="4800000" y="13547798"/>
-            <a:ext cx="8688000" cy="1691733"/>
+            <a:off x="4800000" y="10160849"/>
+            <a:ext cx="8688000" cy="1268800"/>
           </a:xfrm>
           <a:prstGeom prst="rect">
             <a:avLst/>
@@ -1230,8 +1235,8 @@
         </p:nvSpPr>
         <p:spPr>
           <a:xfrm>
-            <a:off x="-604200" y="-8186134"/>
-            <a:ext cx="19496400" cy="34660267"/>
+            <a:off x="-604200" y="-6139600"/>
+            <a:ext cx="19496400" cy="25995200"/>
           </a:xfrm>
           <a:prstGeom prst="ellipse">
             <a:avLst/>
@@ -1279,8 +1284,8 @@
         </p:nvSpPr>
         <p:spPr>
           <a:xfrm>
-            <a:off x="1348554" y="-4714571"/>
-            <a:ext cx="15591000" cy="27717333"/>
+            <a:off x="1348554" y="-3535928"/>
+            <a:ext cx="15591000" cy="20788000"/>
           </a:xfrm>
           <a:prstGeom prst="ellipse">
             <a:avLst/>
@@ -1436,7 +1441,7 @@
     </p:spTree>
     <p:extLst>
       <p:ext uri="{BB962C8B-B14F-4D97-AF65-F5344CB8AC3E}">
-        <p14:creationId xmlns:p14="http://schemas.microsoft.com/office/powerpoint/2010/main" val="1091049233"/>
+        <p14:creationId xmlns:p14="http://schemas.microsoft.com/office/powerpoint/2010/main" val="3817677832"/>
       </p:ext>
     </p:extLst>
   </p:cSld>
@@ -1531,7 +1536,7 @@
     </p:spTree>
     <p:extLst>
       <p:ext uri="{BB962C8B-B14F-4D97-AF65-F5344CB8AC3E}">
-        <p14:creationId xmlns:p14="http://schemas.microsoft.com/office/powerpoint/2010/main" val="2852791067"/>
+        <p14:creationId xmlns:p14="http://schemas.microsoft.com/office/powerpoint/2010/main" val="3705322753"/>
       </p:ext>
     </p:extLst>
   </p:cSld>
@@ -1570,8 +1575,8 @@
         </p:nvSpPr>
         <p:spPr>
           <a:xfrm>
-            <a:off x="1259682" y="1219200"/>
-            <a:ext cx="5898356" cy="4267200"/>
+            <a:off x="1259682" y="914400"/>
+            <a:ext cx="5898356" cy="3200400"/>
           </a:xfrm>
         </p:spPr>
         <p:txBody>
@@ -1602,8 +1607,8 @@
         </p:nvSpPr>
         <p:spPr>
           <a:xfrm>
-            <a:off x="7774782" y="2633138"/>
-            <a:ext cx="9258300" cy="12996333"/>
+            <a:off x="7774782" y="1974853"/>
+            <a:ext cx="9258300" cy="9747250"/>
           </a:xfrm>
         </p:spPr>
         <p:txBody>
@@ -1687,8 +1692,8 @@
         </p:nvSpPr>
         <p:spPr>
           <a:xfrm>
-            <a:off x="1259682" y="5486400"/>
-            <a:ext cx="5898356" cy="10164235"/>
+            <a:off x="1259682" y="4114800"/>
+            <a:ext cx="5898356" cy="7623176"/>
           </a:xfrm>
         </p:spPr>
         <p:txBody>
@@ -1808,7 +1813,7 @@
     </p:spTree>
     <p:extLst>
       <p:ext uri="{BB962C8B-B14F-4D97-AF65-F5344CB8AC3E}">
-        <p14:creationId xmlns:p14="http://schemas.microsoft.com/office/powerpoint/2010/main" val="2804804409"/>
+        <p14:creationId xmlns:p14="http://schemas.microsoft.com/office/powerpoint/2010/main" val="840100304"/>
       </p:ext>
     </p:extLst>
   </p:cSld>
@@ -1847,8 +1852,8 @@
         </p:nvSpPr>
         <p:spPr>
           <a:xfrm>
-            <a:off x="1259682" y="1219200"/>
-            <a:ext cx="5898356" cy="4267200"/>
+            <a:off x="1259682" y="914400"/>
+            <a:ext cx="5898356" cy="3200400"/>
           </a:xfrm>
         </p:spPr>
         <p:txBody>
@@ -1879,8 +1884,8 @@
         </p:nvSpPr>
         <p:spPr>
           <a:xfrm>
-            <a:off x="7774782" y="2633138"/>
-            <a:ext cx="9258300" cy="12996333"/>
+            <a:off x="7774782" y="1974853"/>
+            <a:ext cx="9258300" cy="9747250"/>
           </a:xfrm>
         </p:spPr>
         <p:txBody>
@@ -1944,8 +1949,8 @@
         </p:nvSpPr>
         <p:spPr>
           <a:xfrm>
-            <a:off x="1259682" y="5486400"/>
-            <a:ext cx="5898356" cy="10164235"/>
+            <a:off x="1259682" y="4114800"/>
+            <a:ext cx="5898356" cy="7623176"/>
           </a:xfrm>
         </p:spPr>
         <p:txBody>
@@ -2065,7 +2070,7 @@
     </p:spTree>
     <p:extLst>
       <p:ext uri="{BB962C8B-B14F-4D97-AF65-F5344CB8AC3E}">
-        <p14:creationId xmlns:p14="http://schemas.microsoft.com/office/powerpoint/2010/main" val="1314988816"/>
+        <p14:creationId xmlns:p14="http://schemas.microsoft.com/office/powerpoint/2010/main" val="1542904165"/>
       </p:ext>
     </p:extLst>
   </p:cSld>
@@ -2235,7 +2240,7 @@
     </p:spTree>
     <p:extLst>
       <p:ext uri="{BB962C8B-B14F-4D97-AF65-F5344CB8AC3E}">
-        <p14:creationId xmlns:p14="http://schemas.microsoft.com/office/powerpoint/2010/main" val="3760592609"/>
+        <p14:creationId xmlns:p14="http://schemas.microsoft.com/office/powerpoint/2010/main" val="2135286031"/>
       </p:ext>
     </p:extLst>
   </p:cSld>
@@ -2274,8 +2279,8 @@
         </p:nvSpPr>
         <p:spPr>
           <a:xfrm>
-            <a:off x="13087351" y="973667"/>
-            <a:ext cx="3943350" cy="15498235"/>
+            <a:off x="13087351" y="730250"/>
+            <a:ext cx="3943350" cy="11623676"/>
           </a:xfrm>
         </p:spPr>
         <p:txBody>
@@ -2302,8 +2307,8 @@
         </p:nvSpPr>
         <p:spPr>
           <a:xfrm>
-            <a:off x="1257301" y="973667"/>
-            <a:ext cx="11601450" cy="15498235"/>
+            <a:off x="1257301" y="730250"/>
+            <a:ext cx="11601450" cy="11623676"/>
           </a:xfrm>
         </p:spPr>
         <p:txBody>
@@ -2415,7 +2420,7 @@
     </p:spTree>
     <p:extLst>
       <p:ext uri="{BB962C8B-B14F-4D97-AF65-F5344CB8AC3E}">
-        <p14:creationId xmlns:p14="http://schemas.microsoft.com/office/powerpoint/2010/main" val="1507062716"/>
+        <p14:creationId xmlns:p14="http://schemas.microsoft.com/office/powerpoint/2010/main" val="566558361"/>
       </p:ext>
     </p:extLst>
   </p:cSld>
@@ -2454,8 +2459,8 @@
         </p:nvSpPr>
         <p:spPr>
           <a:xfrm>
-            <a:off x="1371600" y="2992968"/>
-            <a:ext cx="15544800" cy="6366933"/>
+            <a:off x="1371600" y="2244726"/>
+            <a:ext cx="15544800" cy="4775200"/>
           </a:xfrm>
         </p:spPr>
         <p:txBody>
@@ -2486,8 +2491,8 @@
         </p:nvSpPr>
         <p:spPr>
           <a:xfrm>
-            <a:off x="2286000" y="9605435"/>
-            <a:ext cx="13716000" cy="4415365"/>
+            <a:off x="2286000" y="7204076"/>
+            <a:ext cx="13716000" cy="3311524"/>
           </a:xfrm>
         </p:spPr>
         <p:txBody>
@@ -2607,7 +2612,7 @@
     </p:spTree>
     <p:extLst>
       <p:ext uri="{BB962C8B-B14F-4D97-AF65-F5344CB8AC3E}">
-        <p14:creationId xmlns:p14="http://schemas.microsoft.com/office/powerpoint/2010/main" val="2513544972"/>
+        <p14:creationId xmlns:p14="http://schemas.microsoft.com/office/powerpoint/2010/main" val="3398813181"/>
       </p:ext>
     </p:extLst>
   </p:cSld>
@@ -2777,7 +2782,7 @@
     </p:spTree>
     <p:extLst>
       <p:ext uri="{BB962C8B-B14F-4D97-AF65-F5344CB8AC3E}">
-        <p14:creationId xmlns:p14="http://schemas.microsoft.com/office/powerpoint/2010/main" val="3941384683"/>
+        <p14:creationId xmlns:p14="http://schemas.microsoft.com/office/powerpoint/2010/main" val="903825062"/>
       </p:ext>
     </p:extLst>
   </p:cSld>
@@ -2816,8 +2821,8 @@
         </p:nvSpPr>
         <p:spPr>
           <a:xfrm>
-            <a:off x="1247776" y="4559305"/>
-            <a:ext cx="15773400" cy="7607299"/>
+            <a:off x="1247776" y="3419479"/>
+            <a:ext cx="15773400" cy="5705474"/>
           </a:xfrm>
         </p:spPr>
         <p:txBody>
@@ -2848,8 +2853,8 @@
         </p:nvSpPr>
         <p:spPr>
           <a:xfrm>
-            <a:off x="1247776" y="12238572"/>
-            <a:ext cx="15773400" cy="4000499"/>
+            <a:off x="1247776" y="9178929"/>
+            <a:ext cx="15773400" cy="3000374"/>
           </a:xfrm>
         </p:spPr>
         <p:txBody>
@@ -3021,7 +3026,7 @@
     </p:spTree>
     <p:extLst>
       <p:ext uri="{BB962C8B-B14F-4D97-AF65-F5344CB8AC3E}">
-        <p14:creationId xmlns:p14="http://schemas.microsoft.com/office/powerpoint/2010/main" val="1969932477"/>
+        <p14:creationId xmlns:p14="http://schemas.microsoft.com/office/powerpoint/2010/main" val="2850771988"/>
       </p:ext>
     </p:extLst>
   </p:cSld>
@@ -3083,8 +3088,8 @@
         </p:nvSpPr>
         <p:spPr>
           <a:xfrm>
-            <a:off x="1257300" y="4868333"/>
-            <a:ext cx="7772400" cy="11603568"/>
+            <a:off x="1257300" y="3651250"/>
+            <a:ext cx="7772400" cy="8702676"/>
           </a:xfrm>
         </p:spPr>
         <p:txBody>
@@ -3140,8 +3145,8 @@
         </p:nvSpPr>
         <p:spPr>
           <a:xfrm>
-            <a:off x="9258300" y="4868333"/>
-            <a:ext cx="7772400" cy="11603568"/>
+            <a:off x="9258300" y="3651250"/>
+            <a:ext cx="7772400" cy="8702676"/>
           </a:xfrm>
         </p:spPr>
         <p:txBody>
@@ -3253,7 +3258,7 @@
     </p:spTree>
     <p:extLst>
       <p:ext uri="{BB962C8B-B14F-4D97-AF65-F5344CB8AC3E}">
-        <p14:creationId xmlns:p14="http://schemas.microsoft.com/office/powerpoint/2010/main" val="307273419"/>
+        <p14:creationId xmlns:p14="http://schemas.microsoft.com/office/powerpoint/2010/main" val="3279716848"/>
       </p:ext>
     </p:extLst>
   </p:cSld>
@@ -3325,8 +3330,8 @@
         </p:nvSpPr>
         <p:spPr>
           <a:xfrm>
-            <a:off x="1259682" y="973671"/>
-            <a:ext cx="15773400" cy="3534835"/>
+            <a:off x="1259682" y="730253"/>
+            <a:ext cx="15773400" cy="2651126"/>
           </a:xfrm>
         </p:spPr>
         <p:txBody>
@@ -3353,8 +3358,8 @@
         </p:nvSpPr>
         <p:spPr>
           <a:xfrm>
-            <a:off x="1259684" y="4483101"/>
-            <a:ext cx="7736680" cy="2197099"/>
+            <a:off x="1259684" y="3362326"/>
+            <a:ext cx="7736680" cy="1647824"/>
           </a:xfrm>
         </p:spPr>
         <p:txBody>
@@ -3418,8 +3423,8 @@
         </p:nvSpPr>
         <p:spPr>
           <a:xfrm>
-            <a:off x="1259684" y="6680200"/>
-            <a:ext cx="7736680" cy="9825568"/>
+            <a:off x="1259684" y="5010150"/>
+            <a:ext cx="7736680" cy="7369176"/>
           </a:xfrm>
         </p:spPr>
         <p:txBody>
@@ -3475,8 +3480,8 @@
         </p:nvSpPr>
         <p:spPr>
           <a:xfrm>
-            <a:off x="9258301" y="4483101"/>
-            <a:ext cx="7774782" cy="2197099"/>
+            <a:off x="9258301" y="3362326"/>
+            <a:ext cx="7774782" cy="1647824"/>
           </a:xfrm>
         </p:spPr>
         <p:txBody>
@@ -3540,8 +3545,8 @@
         </p:nvSpPr>
         <p:spPr>
           <a:xfrm>
-            <a:off x="9258301" y="6680200"/>
-            <a:ext cx="7774782" cy="9825568"/>
+            <a:off x="9258301" y="5010150"/>
+            <a:ext cx="7774782" cy="7369176"/>
           </a:xfrm>
         </p:spPr>
         <p:txBody>
@@ -3653,7 +3658,7 @@
     </p:spTree>
     <p:extLst>
       <p:ext uri="{BB962C8B-B14F-4D97-AF65-F5344CB8AC3E}">
-        <p14:creationId xmlns:p14="http://schemas.microsoft.com/office/powerpoint/2010/main" val="1907928727"/>
+        <p14:creationId xmlns:p14="http://schemas.microsoft.com/office/powerpoint/2010/main" val="4029037113"/>
       </p:ext>
     </p:extLst>
   </p:cSld>
@@ -3771,7 +3776,7 @@
     </p:spTree>
     <p:extLst>
       <p:ext uri="{BB962C8B-B14F-4D97-AF65-F5344CB8AC3E}">
-        <p14:creationId xmlns:p14="http://schemas.microsoft.com/office/powerpoint/2010/main" val="408643598"/>
+        <p14:creationId xmlns:p14="http://schemas.microsoft.com/office/powerpoint/2010/main" val="1564152608"/>
       </p:ext>
     </p:extLst>
   </p:cSld>
@@ -3866,7 +3871,7 @@
     </p:spTree>
     <p:extLst>
       <p:ext uri="{BB962C8B-B14F-4D97-AF65-F5344CB8AC3E}">
-        <p14:creationId xmlns:p14="http://schemas.microsoft.com/office/powerpoint/2010/main" val="311485399"/>
+        <p14:creationId xmlns:p14="http://schemas.microsoft.com/office/powerpoint/2010/main" val="4089850042"/>
       </p:ext>
     </p:extLst>
   </p:cSld>
@@ -3905,8 +3910,8 @@
         </p:nvSpPr>
         <p:spPr>
           <a:xfrm>
-            <a:off x="1259682" y="1219200"/>
-            <a:ext cx="5898356" cy="4267200"/>
+            <a:off x="1259682" y="914400"/>
+            <a:ext cx="5898356" cy="3200400"/>
           </a:xfrm>
         </p:spPr>
         <p:txBody>
@@ -3937,8 +3942,8 @@
         </p:nvSpPr>
         <p:spPr>
           <a:xfrm>
-            <a:off x="7774782" y="2633138"/>
-            <a:ext cx="9258300" cy="12996333"/>
+            <a:off x="7774782" y="1974853"/>
+            <a:ext cx="9258300" cy="9747250"/>
           </a:xfrm>
         </p:spPr>
         <p:txBody>
@@ -4022,8 +4027,8 @@
         </p:nvSpPr>
         <p:spPr>
           <a:xfrm>
-            <a:off x="1259682" y="5486400"/>
-            <a:ext cx="5898356" cy="10164235"/>
+            <a:off x="1259682" y="4114800"/>
+            <a:ext cx="5898356" cy="7623176"/>
           </a:xfrm>
         </p:spPr>
         <p:txBody>
@@ -4143,7 +4148,7 @@
     </p:spTree>
     <p:extLst>
       <p:ext uri="{BB962C8B-B14F-4D97-AF65-F5344CB8AC3E}">
-        <p14:creationId xmlns:p14="http://schemas.microsoft.com/office/powerpoint/2010/main" val="4277243230"/>
+        <p14:creationId xmlns:p14="http://schemas.microsoft.com/office/powerpoint/2010/main" val="2558724573"/>
       </p:ext>
     </p:extLst>
   </p:cSld>
@@ -4182,8 +4187,8 @@
         </p:nvSpPr>
         <p:spPr>
           <a:xfrm>
-            <a:off x="1259682" y="1219200"/>
-            <a:ext cx="5898356" cy="4267200"/>
+            <a:off x="1259682" y="914400"/>
+            <a:ext cx="5898356" cy="3200400"/>
           </a:xfrm>
         </p:spPr>
         <p:txBody>
@@ -4214,8 +4219,8 @@
         </p:nvSpPr>
         <p:spPr>
           <a:xfrm>
-            <a:off x="7774782" y="2633138"/>
-            <a:ext cx="9258300" cy="12996333"/>
+            <a:off x="7774782" y="1974853"/>
+            <a:ext cx="9258300" cy="9747250"/>
           </a:xfrm>
         </p:spPr>
         <p:txBody>
@@ -4279,8 +4284,8 @@
         </p:nvSpPr>
         <p:spPr>
           <a:xfrm>
-            <a:off x="1259682" y="5486400"/>
-            <a:ext cx="5898356" cy="10164235"/>
+            <a:off x="1259682" y="4114800"/>
+            <a:ext cx="5898356" cy="7623176"/>
           </a:xfrm>
         </p:spPr>
         <p:txBody>
@@ -4400,7 +4405,7 @@
     </p:spTree>
     <p:extLst>
       <p:ext uri="{BB962C8B-B14F-4D97-AF65-F5344CB8AC3E}">
-        <p14:creationId xmlns:p14="http://schemas.microsoft.com/office/powerpoint/2010/main" val="1175048202"/>
+        <p14:creationId xmlns:p14="http://schemas.microsoft.com/office/powerpoint/2010/main" val="1945442779"/>
       </p:ext>
     </p:extLst>
   </p:cSld>
@@ -4570,7 +4575,7 @@
     </p:spTree>
     <p:extLst>
       <p:ext uri="{BB962C8B-B14F-4D97-AF65-F5344CB8AC3E}">
-        <p14:creationId xmlns:p14="http://schemas.microsoft.com/office/powerpoint/2010/main" val="2967883448"/>
+        <p14:creationId xmlns:p14="http://schemas.microsoft.com/office/powerpoint/2010/main" val="1914060828"/>
       </p:ext>
     </p:extLst>
   </p:cSld>
@@ -4609,8 +4614,8 @@
         </p:nvSpPr>
         <p:spPr>
           <a:xfrm>
-            <a:off x="13087351" y="973667"/>
-            <a:ext cx="3943350" cy="15498235"/>
+            <a:off x="13087351" y="730250"/>
+            <a:ext cx="3943350" cy="11623676"/>
           </a:xfrm>
         </p:spPr>
         <p:txBody>
@@ -4637,8 +4642,8 @@
         </p:nvSpPr>
         <p:spPr>
           <a:xfrm>
-            <a:off x="1257301" y="973667"/>
-            <a:ext cx="11601450" cy="15498235"/>
+            <a:off x="1257301" y="730250"/>
+            <a:ext cx="11601450" cy="11623676"/>
           </a:xfrm>
         </p:spPr>
         <p:txBody>
@@ -4750,7 +4755,7 @@
     </p:spTree>
     <p:extLst>
       <p:ext uri="{BB962C8B-B14F-4D97-AF65-F5344CB8AC3E}">
-        <p14:creationId xmlns:p14="http://schemas.microsoft.com/office/powerpoint/2010/main" val="3518330454"/>
+        <p14:creationId xmlns:p14="http://schemas.microsoft.com/office/powerpoint/2010/main" val="7089919"/>
       </p:ext>
     </p:extLst>
   </p:cSld>
@@ -4798,8 +4803,8 @@
         </p:nvSpPr>
         <p:spPr>
           <a:xfrm>
-            <a:off x="2332238" y="-2052732"/>
-            <a:ext cx="13623600" cy="24219733"/>
+            <a:off x="2332238" y="-1539549"/>
+            <a:ext cx="13623600" cy="18164800"/>
           </a:xfrm>
           <a:prstGeom prst="ellipse">
             <a:avLst/>
@@ -4847,8 +4852,8 @@
         </p:nvSpPr>
         <p:spPr>
           <a:xfrm>
-            <a:off x="625900" y="-5086222"/>
-            <a:ext cx="17036400" cy="30286933"/>
+            <a:off x="625900" y="-3814666"/>
+            <a:ext cx="17036400" cy="22715200"/>
           </a:xfrm>
           <a:prstGeom prst="ellipse">
             <a:avLst/>
@@ -4921,8 +4926,8 @@
         </p:nvGrpSpPr>
         <p:grpSpPr>
           <a:xfrm>
-            <a:off x="14609676" y="-5469600"/>
-            <a:ext cx="7875600" cy="14001067"/>
+            <a:off x="14609676" y="-4102200"/>
+            <a:ext cx="7875600" cy="10500800"/>
             <a:chOff x="312950" y="-1430500"/>
             <a:chExt cx="3937800" cy="3937800"/>
           </a:xfrm>
@@ -5034,8 +5039,8 @@
         </p:nvGrpSpPr>
         <p:grpSpPr>
           <a:xfrm>
-            <a:off x="-4197274" y="-5469600"/>
-            <a:ext cx="7875600" cy="14001067"/>
+            <a:off x="-4197274" y="-4102200"/>
+            <a:ext cx="7875600" cy="10500800"/>
             <a:chOff x="312950" y="-1430500"/>
             <a:chExt cx="3937800" cy="3937800"/>
           </a:xfrm>
@@ -5147,8 +5152,8 @@
         </p:nvSpPr>
         <p:spPr>
           <a:xfrm>
-            <a:off x="1640400" y="15804533"/>
-            <a:ext cx="15007200" cy="810667"/>
+            <a:off x="1640400" y="11853400"/>
+            <a:ext cx="15007200" cy="608000"/>
           </a:xfrm>
           <a:prstGeom prst="roundRect">
             <a:avLst>
@@ -5227,8 +5232,8 @@
         </p:nvSpPr>
         <p:spPr>
           <a:xfrm>
-            <a:off x="1371600" y="2992968"/>
-            <a:ext cx="15544800" cy="6366933"/>
+            <a:off x="1371600" y="2244726"/>
+            <a:ext cx="15544800" cy="4775200"/>
           </a:xfrm>
         </p:spPr>
         <p:txBody>
@@ -5259,8 +5264,8 @@
         </p:nvSpPr>
         <p:spPr>
           <a:xfrm>
-            <a:off x="2286000" y="9605435"/>
-            <a:ext cx="13716000" cy="4415365"/>
+            <a:off x="2286000" y="7204076"/>
+            <a:ext cx="13716000" cy="3311524"/>
           </a:xfrm>
         </p:spPr>
         <p:txBody>
@@ -5380,7 +5385,7 @@
     </p:spTree>
     <p:extLst>
       <p:ext uri="{BB962C8B-B14F-4D97-AF65-F5344CB8AC3E}">
-        <p14:creationId xmlns:p14="http://schemas.microsoft.com/office/powerpoint/2010/main" val="2842395588"/>
+        <p14:creationId xmlns:p14="http://schemas.microsoft.com/office/powerpoint/2010/main" val="1941947906"/>
       </p:ext>
     </p:extLst>
   </p:cSld>
@@ -5550,7 +5555,7 @@
     </p:spTree>
     <p:extLst>
       <p:ext uri="{BB962C8B-B14F-4D97-AF65-F5344CB8AC3E}">
-        <p14:creationId xmlns:p14="http://schemas.microsoft.com/office/powerpoint/2010/main" val="3999219917"/>
+        <p14:creationId xmlns:p14="http://schemas.microsoft.com/office/powerpoint/2010/main" val="2736635839"/>
       </p:ext>
     </p:extLst>
   </p:cSld>
@@ -5589,8 +5594,8 @@
         </p:nvSpPr>
         <p:spPr>
           <a:xfrm>
-            <a:off x="1247776" y="4559305"/>
-            <a:ext cx="15773400" cy="7607299"/>
+            <a:off x="1247776" y="3419479"/>
+            <a:ext cx="15773400" cy="5705474"/>
           </a:xfrm>
         </p:spPr>
         <p:txBody>
@@ -5621,8 +5626,8 @@
         </p:nvSpPr>
         <p:spPr>
           <a:xfrm>
-            <a:off x="1247776" y="12238572"/>
-            <a:ext cx="15773400" cy="4000499"/>
+            <a:off x="1247776" y="9178929"/>
+            <a:ext cx="15773400" cy="3000374"/>
           </a:xfrm>
         </p:spPr>
         <p:txBody>
@@ -5794,7 +5799,7 @@
     </p:spTree>
     <p:extLst>
       <p:ext uri="{BB962C8B-B14F-4D97-AF65-F5344CB8AC3E}">
-        <p14:creationId xmlns:p14="http://schemas.microsoft.com/office/powerpoint/2010/main" val="3747731224"/>
+        <p14:creationId xmlns:p14="http://schemas.microsoft.com/office/powerpoint/2010/main" val="1284934543"/>
       </p:ext>
     </p:extLst>
   </p:cSld>
@@ -5856,8 +5861,8 @@
         </p:nvSpPr>
         <p:spPr>
           <a:xfrm>
-            <a:off x="1257300" y="4868333"/>
-            <a:ext cx="7772400" cy="11603568"/>
+            <a:off x="1257300" y="3651250"/>
+            <a:ext cx="7772400" cy="8702676"/>
           </a:xfrm>
         </p:spPr>
         <p:txBody>
@@ -5913,8 +5918,8 @@
         </p:nvSpPr>
         <p:spPr>
           <a:xfrm>
-            <a:off x="9258300" y="4868333"/>
-            <a:ext cx="7772400" cy="11603568"/>
+            <a:off x="9258300" y="3651250"/>
+            <a:ext cx="7772400" cy="8702676"/>
           </a:xfrm>
         </p:spPr>
         <p:txBody>
@@ -6026,7 +6031,7 @@
     </p:spTree>
     <p:extLst>
       <p:ext uri="{BB962C8B-B14F-4D97-AF65-F5344CB8AC3E}">
-        <p14:creationId xmlns:p14="http://schemas.microsoft.com/office/powerpoint/2010/main" val="760537773"/>
+        <p14:creationId xmlns:p14="http://schemas.microsoft.com/office/powerpoint/2010/main" val="1968795773"/>
       </p:ext>
     </p:extLst>
   </p:cSld>
@@ -6065,8 +6070,8 @@
         </p:nvSpPr>
         <p:spPr>
           <a:xfrm>
-            <a:off x="1259682" y="973671"/>
-            <a:ext cx="15773400" cy="3534835"/>
+            <a:off x="1259682" y="730253"/>
+            <a:ext cx="15773400" cy="2651126"/>
           </a:xfrm>
         </p:spPr>
         <p:txBody>
@@ -6093,8 +6098,8 @@
         </p:nvSpPr>
         <p:spPr>
           <a:xfrm>
-            <a:off x="1259684" y="4483101"/>
-            <a:ext cx="7736680" cy="2197099"/>
+            <a:off x="1259684" y="3362326"/>
+            <a:ext cx="7736680" cy="1647824"/>
           </a:xfrm>
         </p:spPr>
         <p:txBody>
@@ -6158,8 +6163,8 @@
         </p:nvSpPr>
         <p:spPr>
           <a:xfrm>
-            <a:off x="1259684" y="6680200"/>
-            <a:ext cx="7736680" cy="9825568"/>
+            <a:off x="1259684" y="5010150"/>
+            <a:ext cx="7736680" cy="7369176"/>
           </a:xfrm>
         </p:spPr>
         <p:txBody>
@@ -6215,8 +6220,8 @@
         </p:nvSpPr>
         <p:spPr>
           <a:xfrm>
-            <a:off x="9258301" y="4483101"/>
-            <a:ext cx="7774782" cy="2197099"/>
+            <a:off x="9258301" y="3362326"/>
+            <a:ext cx="7774782" cy="1647824"/>
           </a:xfrm>
         </p:spPr>
         <p:txBody>
@@ -6280,8 +6285,8 @@
         </p:nvSpPr>
         <p:spPr>
           <a:xfrm>
-            <a:off x="9258301" y="6680200"/>
-            <a:ext cx="7774782" cy="9825568"/>
+            <a:off x="9258301" y="5010150"/>
+            <a:ext cx="7774782" cy="7369176"/>
           </a:xfrm>
         </p:spPr>
         <p:txBody>
@@ -6393,7 +6398,7 @@
     </p:spTree>
     <p:extLst>
       <p:ext uri="{BB962C8B-B14F-4D97-AF65-F5344CB8AC3E}">
-        <p14:creationId xmlns:p14="http://schemas.microsoft.com/office/powerpoint/2010/main" val="1649841190"/>
+        <p14:creationId xmlns:p14="http://schemas.microsoft.com/office/powerpoint/2010/main" val="2159432442"/>
       </p:ext>
     </p:extLst>
   </p:cSld>
@@ -6445,8 +6450,8 @@
         </p:nvSpPr>
         <p:spPr>
           <a:xfrm>
-            <a:off x="623400" y="1582311"/>
-            <a:ext cx="17041200" cy="2036267"/>
+            <a:off x="623400" y="1186734"/>
+            <a:ext cx="17041200" cy="1527200"/>
           </a:xfrm>
           <a:prstGeom prst="rect">
             <a:avLst/>
@@ -6691,8 +6696,8 @@
         </p:nvSpPr>
         <p:spPr>
           <a:xfrm>
-            <a:off x="623400" y="4097689"/>
-            <a:ext cx="17041200" cy="12147200"/>
+            <a:off x="623400" y="3073267"/>
+            <a:ext cx="17041200" cy="9110400"/>
           </a:xfrm>
           <a:prstGeom prst="rect">
             <a:avLst/>
@@ -7683,8 +7688,8 @@
         </p:nvSpPr>
         <p:spPr>
           <a:xfrm>
-            <a:off x="1257300" y="973671"/>
-            <a:ext cx="15773400" cy="3534835"/>
+            <a:off x="1257300" y="730253"/>
+            <a:ext cx="15773400" cy="2651126"/>
           </a:xfrm>
           <a:prstGeom prst="rect">
             <a:avLst/>
@@ -7716,8 +7721,8 @@
         </p:nvSpPr>
         <p:spPr>
           <a:xfrm>
-            <a:off x="1257300" y="4868333"/>
-            <a:ext cx="15773400" cy="11603568"/>
+            <a:off x="1257300" y="3651250"/>
+            <a:ext cx="15773400" cy="8702676"/>
           </a:xfrm>
           <a:prstGeom prst="rect">
             <a:avLst/>
@@ -7778,8 +7783,8 @@
         </p:nvSpPr>
         <p:spPr>
           <a:xfrm>
-            <a:off x="1257300" y="16950271"/>
-            <a:ext cx="4114800" cy="973667"/>
+            <a:off x="1257300" y="12712703"/>
+            <a:ext cx="4114800" cy="730250"/>
           </a:xfrm>
           <a:prstGeom prst="rect">
             <a:avLst/>
@@ -7819,8 +7824,8 @@
         </p:nvSpPr>
         <p:spPr>
           <a:xfrm>
-            <a:off x="6057900" y="16950271"/>
-            <a:ext cx="6172200" cy="973667"/>
+            <a:off x="6057900" y="12712703"/>
+            <a:ext cx="6172200" cy="730250"/>
           </a:xfrm>
           <a:prstGeom prst="rect">
             <a:avLst/>
@@ -7856,8 +7861,8 @@
         </p:nvSpPr>
         <p:spPr>
           <a:xfrm>
-            <a:off x="12915900" y="16950271"/>
-            <a:ext cx="4114800" cy="973667"/>
+            <a:off x="12915900" y="12712703"/>
+            <a:ext cx="4114800" cy="730250"/>
           </a:xfrm>
           <a:prstGeom prst="rect">
             <a:avLst/>
@@ -7888,23 +7893,23 @@
     </p:spTree>
     <p:extLst>
       <p:ext uri="{BB962C8B-B14F-4D97-AF65-F5344CB8AC3E}">
-        <p14:creationId xmlns:p14="http://schemas.microsoft.com/office/powerpoint/2010/main" val="124419572"/>
+        <p14:creationId xmlns:p14="http://schemas.microsoft.com/office/powerpoint/2010/main" val="2408099048"/>
       </p:ext>
     </p:extLst>
   </p:cSld>
   <p:clrMap bg1="lt1" tx1="dk1" bg2="lt2" tx2="dk2" accent1="accent1" accent2="accent2" accent3="accent3" accent4="accent4" accent5="accent5" accent6="accent6" hlink="hlink" folHlink="folHlink"/>
   <p:sldLayoutIdLst>
-    <p:sldLayoutId id="2147483694" r:id="rId1"/>
-    <p:sldLayoutId id="2147483695" r:id="rId2"/>
-    <p:sldLayoutId id="2147483696" r:id="rId3"/>
-    <p:sldLayoutId id="2147483697" r:id="rId4"/>
-    <p:sldLayoutId id="2147483698" r:id="rId5"/>
-    <p:sldLayoutId id="2147483699" r:id="rId6"/>
-    <p:sldLayoutId id="2147483700" r:id="rId7"/>
-    <p:sldLayoutId id="2147483701" r:id="rId8"/>
-    <p:sldLayoutId id="2147483702" r:id="rId9"/>
-    <p:sldLayoutId id="2147483703" r:id="rId10"/>
-    <p:sldLayoutId id="2147483704" r:id="rId11"/>
+    <p:sldLayoutId id="2147483718" r:id="rId1"/>
+    <p:sldLayoutId id="2147483719" r:id="rId2"/>
+    <p:sldLayoutId id="2147483720" r:id="rId3"/>
+    <p:sldLayoutId id="2147483721" r:id="rId4"/>
+    <p:sldLayoutId id="2147483722" r:id="rId5"/>
+    <p:sldLayoutId id="2147483723" r:id="rId6"/>
+    <p:sldLayoutId id="2147483724" r:id="rId7"/>
+    <p:sldLayoutId id="2147483725" r:id="rId8"/>
+    <p:sldLayoutId id="2147483726" r:id="rId9"/>
+    <p:sldLayoutId id="2147483727" r:id="rId10"/>
+    <p:sldLayoutId id="2147483728" r:id="rId11"/>
   </p:sldLayoutIdLst>
   <p:hf hdr="0" ftr="0" dt="0"/>
   <p:txStyles>
@@ -8224,8 +8229,8 @@
         </p:nvSpPr>
         <p:spPr>
           <a:xfrm>
-            <a:off x="1257300" y="973671"/>
-            <a:ext cx="15773400" cy="3534835"/>
+            <a:off x="1257300" y="730253"/>
+            <a:ext cx="15773400" cy="2651126"/>
           </a:xfrm>
           <a:prstGeom prst="rect">
             <a:avLst/>
@@ -8257,8 +8262,8 @@
         </p:nvSpPr>
         <p:spPr>
           <a:xfrm>
-            <a:off x="1257300" y="4868333"/>
-            <a:ext cx="15773400" cy="11603568"/>
+            <a:off x="1257300" y="3651250"/>
+            <a:ext cx="15773400" cy="8702676"/>
           </a:xfrm>
           <a:prstGeom prst="rect">
             <a:avLst/>
@@ -8319,8 +8324,8 @@
         </p:nvSpPr>
         <p:spPr>
           <a:xfrm>
-            <a:off x="1257300" y="16950271"/>
-            <a:ext cx="4114800" cy="973667"/>
+            <a:off x="1257300" y="12712703"/>
+            <a:ext cx="4114800" cy="730250"/>
           </a:xfrm>
           <a:prstGeom prst="rect">
             <a:avLst/>
@@ -8340,11 +8345,11 @@
             </a:lvl1pPr>
           </a:lstStyle>
           <a:p>
-            <a:fld id="{864DD136-2D4D-487D-88CA-EF10B8895367}" type="datetimeFigureOut">
-              <a:rPr lang="en-US" smtClean="0"/>
+            <a:fld id="{C764DE79-268F-4C1A-8933-263129D2AF90}" type="datetimeFigureOut">
+              <a:rPr lang="en-US" dirty="0"/>
               <a:t>1/4/2023</a:t>
             </a:fld>
-            <a:endParaRPr lang="en-US"/>
+            <a:endParaRPr lang="en-US" dirty="0"/>
           </a:p>
         </p:txBody>
       </p:sp>
@@ -8360,8 +8365,8 @@
         </p:nvSpPr>
         <p:spPr>
           <a:xfrm>
-            <a:off x="6057900" y="16950271"/>
-            <a:ext cx="6172200" cy="973667"/>
+            <a:off x="6057900" y="12712703"/>
+            <a:ext cx="6172200" cy="730250"/>
           </a:xfrm>
           <a:prstGeom prst="rect">
             <a:avLst/>
@@ -8381,7 +8386,7 @@
             </a:lvl1pPr>
           </a:lstStyle>
           <a:p>
-            <a:endParaRPr lang="en-US"/>
+            <a:endParaRPr lang="en-US" dirty="0"/>
           </a:p>
         </p:txBody>
       </p:sp>
@@ -8397,8 +8402,8 @@
         </p:nvSpPr>
         <p:spPr>
           <a:xfrm>
-            <a:off x="12915900" y="16950271"/>
-            <a:ext cx="4114800" cy="973667"/>
+            <a:off x="12915900" y="12712703"/>
+            <a:ext cx="4114800" cy="730250"/>
           </a:xfrm>
           <a:prstGeom prst="rect">
             <a:avLst/>
@@ -8418,35 +8423,36 @@
             </a:lvl1pPr>
           </a:lstStyle>
           <a:p>
-            <a:fld id="{46F0A474-F23B-4874-AFE6-402D0D70943B}" type="slidenum">
-              <a:rPr lang="en-US" smtClean="0"/>
+            <a:fld id="{48F63A3B-78C7-47BE-AE5E-E10140E04643}" type="slidenum">
+              <a:rPr lang="en-US" dirty="0"/>
               <a:t>‹#›</a:t>
             </a:fld>
-            <a:endParaRPr lang="en-US"/>
+            <a:endParaRPr lang="en-US" dirty="0"/>
           </a:p>
         </p:txBody>
       </p:sp>
     </p:spTree>
     <p:extLst>
       <p:ext uri="{BB962C8B-B14F-4D97-AF65-F5344CB8AC3E}">
-        <p14:creationId xmlns:p14="http://schemas.microsoft.com/office/powerpoint/2010/main" val="2864560143"/>
+        <p14:creationId xmlns:p14="http://schemas.microsoft.com/office/powerpoint/2010/main" val="1655001256"/>
       </p:ext>
     </p:extLst>
   </p:cSld>
   <p:clrMap bg1="lt1" tx1="dk1" bg2="lt2" tx2="dk2" accent1="accent1" accent2="accent2" accent3="accent3" accent4="accent4" accent5="accent5" accent6="accent6" hlink="hlink" folHlink="folHlink"/>
   <p:sldLayoutIdLst>
-    <p:sldLayoutId id="2147483706" r:id="rId1"/>
-    <p:sldLayoutId id="2147483707" r:id="rId2"/>
-    <p:sldLayoutId id="2147483708" r:id="rId3"/>
-    <p:sldLayoutId id="2147483709" r:id="rId4"/>
-    <p:sldLayoutId id="2147483710" r:id="rId5"/>
-    <p:sldLayoutId id="2147483711" r:id="rId6"/>
-    <p:sldLayoutId id="2147483712" r:id="rId7"/>
-    <p:sldLayoutId id="2147483713" r:id="rId8"/>
-    <p:sldLayoutId id="2147483714" r:id="rId9"/>
-    <p:sldLayoutId id="2147483715" r:id="rId10"/>
-    <p:sldLayoutId id="2147483716" r:id="rId11"/>
+    <p:sldLayoutId id="2147483730" r:id="rId1"/>
+    <p:sldLayoutId id="2147483731" r:id="rId2"/>
+    <p:sldLayoutId id="2147483732" r:id="rId3"/>
+    <p:sldLayoutId id="2147483733" r:id="rId4"/>
+    <p:sldLayoutId id="2147483734" r:id="rId5"/>
+    <p:sldLayoutId id="2147483735" r:id="rId6"/>
+    <p:sldLayoutId id="2147483736" r:id="rId7"/>
+    <p:sldLayoutId id="2147483737" r:id="rId8"/>
+    <p:sldLayoutId id="2147483738" r:id="rId9"/>
+    <p:sldLayoutId id="2147483739" r:id="rId10"/>
+    <p:sldLayoutId id="2147483740" r:id="rId11"/>
   </p:sldLayoutIdLst>
+  <p:hf hdr="0" ftr="0" dt="0"/>
   <p:txStyles>
     <p:titleStyle>
       <a:lvl1pPr algn="l" defTabSz="1828800" rtl="0" eaLnBrk="1" latinLnBrk="0" hangingPunct="1">
@@ -8775,7 +8781,7 @@
         </p:blipFill>
         <p:spPr>
           <a:xfrm>
-            <a:off x="4151781" y="5286377"/>
+            <a:off x="4151781" y="3000377"/>
             <a:ext cx="9984442" cy="7715250"/>
           </a:xfrm>
           <a:prstGeom prst="rect">
@@ -8797,7 +8803,7 @@
         </p:nvSpPr>
         <p:spPr>
           <a:xfrm>
-            <a:off x="4236245" y="9294021"/>
+            <a:off x="4236245" y="7008021"/>
             <a:ext cx="3836194" cy="3461146"/>
           </a:xfrm>
           <a:prstGeom prst="rect">
@@ -8856,7 +8862,7 @@
         </p:nvSpPr>
         <p:spPr>
           <a:xfrm>
-            <a:off x="13162359" y="6390085"/>
+            <a:off x="13162359" y="4104085"/>
             <a:ext cx="653654" cy="375046"/>
           </a:xfrm>
           <a:prstGeom prst="rect">
@@ -8915,7 +8921,7 @@
         </p:nvSpPr>
         <p:spPr>
           <a:xfrm>
-            <a:off x="13162361" y="6765133"/>
+            <a:off x="13162361" y="4479133"/>
             <a:ext cx="700802" cy="375046"/>
           </a:xfrm>
           <a:prstGeom prst="rect">
@@ -8974,7 +8980,7 @@
         </p:nvSpPr>
         <p:spPr>
           <a:xfrm>
-            <a:off x="13162361" y="7035167"/>
+            <a:off x="13162361" y="4749167"/>
             <a:ext cx="700802" cy="375046"/>
           </a:xfrm>
           <a:prstGeom prst="rect">
@@ -9033,7 +9039,7 @@
         </p:nvSpPr>
         <p:spPr>
           <a:xfrm>
-            <a:off x="12669443" y="5586412"/>
+            <a:off x="12669443" y="3300412"/>
             <a:ext cx="443626" cy="342900"/>
           </a:xfrm>
           <a:prstGeom prst="rect">
@@ -9092,7 +9098,7 @@
         </p:nvSpPr>
         <p:spPr>
           <a:xfrm>
-            <a:off x="11876485" y="6460809"/>
+            <a:off x="11876485" y="4174809"/>
             <a:ext cx="730806" cy="544354"/>
           </a:xfrm>
           <a:prstGeom prst="rect">
@@ -9151,7 +9157,7 @@
         </p:nvSpPr>
         <p:spPr>
           <a:xfrm>
-            <a:off x="11859490" y="6447561"/>
+            <a:off x="11859490" y="4161561"/>
             <a:ext cx="770660" cy="587606"/>
           </a:xfrm>
           <a:prstGeom prst="rect">
@@ -9212,7 +9218,7 @@
         </p:nvSpPr>
         <p:spPr>
           <a:xfrm>
-            <a:off x="12654397" y="5568640"/>
+            <a:off x="12654397" y="3282640"/>
             <a:ext cx="476250" cy="376692"/>
           </a:xfrm>
           <a:prstGeom prst="rect">
@@ -9273,7 +9279,7 @@
         </p:nvSpPr>
         <p:spPr>
           <a:xfrm>
-            <a:off x="12892520" y="8598027"/>
+            <a:off x="12892520" y="6312027"/>
             <a:ext cx="740124" cy="623754"/>
           </a:xfrm>
           <a:prstGeom prst="rect">
@@ -9334,7 +9340,7 @@
         </p:nvSpPr>
         <p:spPr>
           <a:xfrm>
-            <a:off x="12892520" y="9221781"/>
+            <a:off x="12892520" y="6935781"/>
             <a:ext cx="740124" cy="623754"/>
           </a:xfrm>
           <a:prstGeom prst="rect">
@@ -9395,7 +9401,7 @@
         </p:nvSpPr>
         <p:spPr>
           <a:xfrm>
-            <a:off x="12372945" y="10180228"/>
+            <a:off x="12372945" y="7894228"/>
             <a:ext cx="499466" cy="489260"/>
           </a:xfrm>
           <a:prstGeom prst="rect">
@@ -9456,7 +9462,7 @@
         </p:nvSpPr>
         <p:spPr>
           <a:xfrm>
-            <a:off x="10052318" y="10734885"/>
+            <a:off x="10052318" y="8448885"/>
             <a:ext cx="575384" cy="583014"/>
           </a:xfrm>
           <a:prstGeom prst="rect">
@@ -9517,7 +9523,7 @@
         </p:nvSpPr>
         <p:spPr>
           <a:xfrm>
-            <a:off x="10052319" y="8598026"/>
+            <a:off x="10052319" y="6312026"/>
             <a:ext cx="449746" cy="433248"/>
           </a:xfrm>
           <a:prstGeom prst="rect">
@@ -9578,7 +9584,7 @@
         </p:nvSpPr>
         <p:spPr>
           <a:xfrm>
-            <a:off x="10291722" y="12132158"/>
+            <a:off x="10291722" y="9846158"/>
             <a:ext cx="483452" cy="194904"/>
           </a:xfrm>
           <a:prstGeom prst="rect">
@@ -9637,7 +9643,7 @@
         </p:nvSpPr>
         <p:spPr>
           <a:xfrm>
-            <a:off x="11217312" y="12148270"/>
+            <a:off x="11217312" y="9862270"/>
             <a:ext cx="985812" cy="194904"/>
           </a:xfrm>
           <a:prstGeom prst="rect">
@@ -9696,7 +9702,7 @@
         </p:nvSpPr>
         <p:spPr>
           <a:xfrm>
-            <a:off x="11876485" y="12248944"/>
+            <a:off x="11876485" y="9962944"/>
             <a:ext cx="126474" cy="156236"/>
           </a:xfrm>
           <a:prstGeom prst="rect">
@@ -9755,7 +9761,7 @@
         </p:nvSpPr>
         <p:spPr>
           <a:xfrm>
-            <a:off x="10452257" y="9845534"/>
+            <a:off x="10452257" y="7559534"/>
             <a:ext cx="1218206" cy="194904"/>
           </a:xfrm>
           <a:prstGeom prst="rect">
@@ -9814,7 +9820,7 @@
         </p:nvSpPr>
         <p:spPr>
           <a:xfrm>
-            <a:off x="11217312" y="7558910"/>
+            <a:off x="11217312" y="5272910"/>
             <a:ext cx="611660" cy="294364"/>
           </a:xfrm>
           <a:prstGeom prst="rect">
@@ -9873,7 +9879,7 @@
         </p:nvSpPr>
         <p:spPr>
           <a:xfrm>
-            <a:off x="11898082" y="7610007"/>
+            <a:off x="11898082" y="5324007"/>
             <a:ext cx="640122" cy="374150"/>
           </a:xfrm>
           <a:prstGeom prst="rect">
@@ -9932,7 +9938,7 @@
         </p:nvSpPr>
         <p:spPr>
           <a:xfrm>
-            <a:off x="12832855" y="7853275"/>
+            <a:off x="12832855" y="5567275"/>
             <a:ext cx="515690" cy="304006"/>
           </a:xfrm>
           <a:prstGeom prst="rect">
@@ -9993,7 +9999,7 @@
         </p:nvSpPr>
         <p:spPr>
           <a:xfrm>
-            <a:off x="10594038" y="11579157"/>
+            <a:off x="10594038" y="9293157"/>
             <a:ext cx="985812" cy="374150"/>
           </a:xfrm>
           <a:prstGeom prst="rect">
@@ -10052,7 +10058,7 @@
         </p:nvSpPr>
         <p:spPr>
           <a:xfrm>
-            <a:off x="11194528" y="8615647"/>
+            <a:off x="11194528" y="6329647"/>
             <a:ext cx="611660" cy="304006"/>
           </a:xfrm>
           <a:prstGeom prst="rect">
@@ -10111,7 +10117,7 @@
         </p:nvSpPr>
         <p:spPr>
           <a:xfrm>
-            <a:off x="8876250" y="10830877"/>
+            <a:off x="8876250" y="8544877"/>
             <a:ext cx="611660" cy="304006"/>
           </a:xfrm>
           <a:prstGeom prst="rect">
@@ -10170,7 +10176,7 @@
         </p:nvSpPr>
         <p:spPr>
           <a:xfrm>
-            <a:off x="13013295" y="9977111"/>
+            <a:off x="13013295" y="7691111"/>
             <a:ext cx="557962" cy="267010"/>
           </a:xfrm>
           <a:prstGeom prst="rect">
@@ -10229,7 +10235,7 @@
         </p:nvSpPr>
         <p:spPr>
           <a:xfrm>
-            <a:off x="12730959" y="11134882"/>
+            <a:off x="12730959" y="8848882"/>
             <a:ext cx="515690" cy="136664"/>
           </a:xfrm>
           <a:prstGeom prst="rect">
@@ -10288,7 +10294,7 @@
         </p:nvSpPr>
         <p:spPr>
           <a:xfrm>
-            <a:off x="9827444" y="7268888"/>
+            <a:off x="9827444" y="4982888"/>
             <a:ext cx="947728" cy="433248"/>
           </a:xfrm>
           <a:prstGeom prst="rect">
@@ -10347,7 +10353,7 @@
         </p:nvSpPr>
         <p:spPr>
           <a:xfrm>
-            <a:off x="11111845" y="10612158"/>
+            <a:off x="11111845" y="8326158"/>
             <a:ext cx="515690" cy="705740"/>
           </a:xfrm>
           <a:prstGeom prst="rect">
@@ -10408,7 +10414,7 @@
         </p:nvSpPr>
         <p:spPr>
           <a:xfrm>
-            <a:off x="10904765" y="6379029"/>
+            <a:off x="10904765" y="4093029"/>
             <a:ext cx="289762" cy="719818"/>
           </a:xfrm>
           <a:prstGeom prst="rect">
@@ -10469,7 +10475,7 @@
         </p:nvSpPr>
         <p:spPr>
           <a:xfrm>
-            <a:off x="11194529" y="6453197"/>
+            <a:off x="11194529" y="4167197"/>
             <a:ext cx="475934" cy="570294"/>
           </a:xfrm>
           <a:prstGeom prst="rect">
@@ -10530,7 +10536,7 @@
         </p:nvSpPr>
         <p:spPr>
           <a:xfrm>
-            <a:off x="11002136" y="6474281"/>
+            <a:off x="11002136" y="4188281"/>
             <a:ext cx="308632" cy="530882"/>
           </a:xfrm>
           <a:prstGeom prst="rect">
@@ -10591,7 +10597,7 @@
         </p:nvSpPr>
         <p:spPr>
           <a:xfrm>
-            <a:off x="12970885" y="9845534"/>
+            <a:off x="12970885" y="7559534"/>
             <a:ext cx="251926" cy="582092"/>
           </a:xfrm>
           <a:prstGeom prst="rect">
@@ -10696,7 +10702,7 @@
         </p:blipFill>
         <p:spPr>
           <a:xfrm>
-            <a:off x="268940" y="2286000"/>
+            <a:off x="268941" y="0"/>
             <a:ext cx="17750119" cy="13716000"/>
           </a:xfrm>
           <a:prstGeom prst="rect">
@@ -10718,7 +10724,7 @@
         </p:nvSpPr>
         <p:spPr>
           <a:xfrm>
-            <a:off x="13297398" y="14696751"/>
+            <a:off x="13297398" y="12410751"/>
             <a:ext cx="659950" cy="787028"/>
           </a:xfrm>
           <a:prstGeom prst="rect">
@@ -10737,34 +10743,14 @@
           <a:bodyPr rtlCol="0" anchor="ctr"/>
           <a:lstStyle/>
           <a:p>
-            <a:pPr marL="0" marR="0" lvl="0" indent="0" algn="ctr" defTabSz="914400" eaLnBrk="1" fontAlgn="auto" latinLnBrk="0" hangingPunct="1">
-              <a:lnSpc>
-                <a:spcPct val="100000"/>
-              </a:lnSpc>
-              <a:spcBef>
-                <a:spcPts val="0"/>
-              </a:spcBef>
-              <a:spcAft>
-                <a:spcPts val="0"/>
-              </a:spcAft>
+            <a:pPr algn="ctr">
               <a:buClrTx/>
-              <a:buSzTx/>
-              <a:buFontTx/>
-              <a:buNone/>
-              <a:tabLst/>
               <a:defRPr/>
             </a:pPr>
-            <a:endParaRPr kumimoji="0" lang="en-US" sz="1800" b="0" i="0" u="none" strike="noStrike" kern="0" cap="none" spc="0" normalizeH="0" baseline="0" noProof="0">
-              <a:ln>
-                <a:noFill/>
-              </a:ln>
+            <a:endParaRPr lang="en-US" sz="1800">
               <a:solidFill>
                 <a:srgbClr val="FFE183"/>
               </a:solidFill>
-              <a:effectLst/>
-              <a:uLnTx/>
-              <a:uFillTx/>
-              <a:latin typeface="Arial"/>
               <a:ea typeface="+mn-ea"/>
               <a:cs typeface="+mn-cs"/>
             </a:endParaRPr>
@@ -10785,7 +10771,7 @@
         </p:nvSpPr>
         <p:spPr>
           <a:xfrm>
-            <a:off x="419100" y="9410700"/>
+            <a:off x="419100" y="7124700"/>
             <a:ext cx="6819900" cy="6153150"/>
           </a:xfrm>
           <a:prstGeom prst="rect">
@@ -10818,36 +10804,15 @@
           <a:bodyPr rtlCol="0" anchor="ctr"/>
           <a:lstStyle/>
           <a:p>
-            <a:pPr marL="0" marR="0" lvl="0" indent="0" algn="ctr" defTabSz="457200" rtl="0" eaLnBrk="1" fontAlgn="auto" latinLnBrk="0" hangingPunct="1">
-              <a:lnSpc>
-                <a:spcPct val="100000"/>
-              </a:lnSpc>
-              <a:spcBef>
-                <a:spcPts val="0"/>
-              </a:spcBef>
-              <a:spcAft>
-                <a:spcPts val="0"/>
-              </a:spcAft>
+            <a:pPr algn="ctr" defTabSz="457200">
               <a:buClrTx/>
-              <a:buSzTx/>
-              <a:buFontTx/>
-              <a:buNone/>
-              <a:tabLst/>
               <a:defRPr/>
             </a:pPr>
-            <a:endParaRPr kumimoji="0" lang="en-US" sz="1800" b="0" i="0" u="none" strike="noStrike" kern="1200" cap="none" spc="0" normalizeH="0" baseline="0" noProof="0">
-              <a:ln>
-                <a:noFill/>
-              </a:ln>
+            <a:endParaRPr lang="en-US" sz="1800" kern="1200">
               <a:solidFill>
                 <a:prstClr val="white"/>
               </a:solidFill>
-              <a:effectLst/>
-              <a:uLnTx/>
-              <a:uFillTx/>
               <a:latin typeface="Calibri" panose="020F0502020204030204"/>
-              <a:ea typeface="+mn-ea"/>
-              <a:cs typeface="+mn-cs"/>
             </a:endParaRPr>
           </a:p>
         </p:txBody>
@@ -10866,7 +10831,7 @@
         </p:nvSpPr>
         <p:spPr>
           <a:xfrm>
-            <a:off x="16287750" y="4248150"/>
+            <a:off x="16287750" y="1962150"/>
             <a:ext cx="1162050" cy="666750"/>
           </a:xfrm>
           <a:prstGeom prst="rect">
@@ -10899,36 +10864,15 @@
           <a:bodyPr rtlCol="0" anchor="ctr"/>
           <a:lstStyle/>
           <a:p>
-            <a:pPr marL="0" marR="0" lvl="0" indent="0" algn="ctr" defTabSz="457200" rtl="0" eaLnBrk="1" fontAlgn="auto" latinLnBrk="0" hangingPunct="1">
-              <a:lnSpc>
-                <a:spcPct val="100000"/>
-              </a:lnSpc>
-              <a:spcBef>
-                <a:spcPts val="0"/>
-              </a:spcBef>
-              <a:spcAft>
-                <a:spcPts val="0"/>
-              </a:spcAft>
+            <a:pPr algn="ctr" defTabSz="457200">
               <a:buClrTx/>
-              <a:buSzTx/>
-              <a:buFontTx/>
-              <a:buNone/>
-              <a:tabLst/>
               <a:defRPr/>
             </a:pPr>
-            <a:endParaRPr kumimoji="0" lang="en-US" sz="1800" b="0" i="0" u="none" strike="noStrike" kern="1200" cap="none" spc="0" normalizeH="0" baseline="0" noProof="0">
-              <a:ln>
-                <a:noFill/>
-              </a:ln>
+            <a:endParaRPr lang="en-US" sz="1800" kern="1200">
               <a:solidFill>
                 <a:prstClr val="white"/>
               </a:solidFill>
-              <a:effectLst/>
-              <a:uLnTx/>
-              <a:uFillTx/>
               <a:latin typeface="Calibri" panose="020F0502020204030204"/>
-              <a:ea typeface="+mn-ea"/>
-              <a:cs typeface="+mn-cs"/>
             </a:endParaRPr>
           </a:p>
         </p:txBody>
@@ -10947,7 +10891,7 @@
         </p:nvSpPr>
         <p:spPr>
           <a:xfrm>
-            <a:off x="16287750" y="4914900"/>
+            <a:off x="16287750" y="2628900"/>
             <a:ext cx="1245870" cy="666750"/>
           </a:xfrm>
           <a:prstGeom prst="rect">
@@ -10980,36 +10924,15 @@
           <a:bodyPr rtlCol="0" anchor="ctr"/>
           <a:lstStyle/>
           <a:p>
-            <a:pPr marL="0" marR="0" lvl="0" indent="0" algn="ctr" defTabSz="457200" rtl="0" eaLnBrk="1" fontAlgn="auto" latinLnBrk="0" hangingPunct="1">
-              <a:lnSpc>
-                <a:spcPct val="100000"/>
-              </a:lnSpc>
-              <a:spcBef>
-                <a:spcPts val="0"/>
-              </a:spcBef>
-              <a:spcAft>
-                <a:spcPts val="0"/>
-              </a:spcAft>
+            <a:pPr algn="ctr" defTabSz="457200">
               <a:buClrTx/>
-              <a:buSzTx/>
-              <a:buFontTx/>
-              <a:buNone/>
-              <a:tabLst/>
               <a:defRPr/>
             </a:pPr>
-            <a:endParaRPr kumimoji="0" lang="en-US" sz="1800" b="0" i="0" u="none" strike="noStrike" kern="1200" cap="none" spc="0" normalizeH="0" baseline="0" noProof="0">
-              <a:ln>
-                <a:noFill/>
-              </a:ln>
+            <a:endParaRPr lang="en-US" sz="1800" kern="1200">
               <a:solidFill>
                 <a:prstClr val="white"/>
               </a:solidFill>
-              <a:effectLst/>
-              <a:uLnTx/>
-              <a:uFillTx/>
               <a:latin typeface="Calibri" panose="020F0502020204030204"/>
-              <a:ea typeface="+mn-ea"/>
-              <a:cs typeface="+mn-cs"/>
             </a:endParaRPr>
           </a:p>
         </p:txBody>
@@ -11028,7 +10951,7 @@
         </p:nvSpPr>
         <p:spPr>
           <a:xfrm>
-            <a:off x="16287750" y="5394960"/>
+            <a:off x="16287750" y="3108960"/>
             <a:ext cx="1245870" cy="666750"/>
           </a:xfrm>
           <a:prstGeom prst="rect">
@@ -11061,36 +10984,15 @@
           <a:bodyPr rtlCol="0" anchor="ctr"/>
           <a:lstStyle/>
           <a:p>
-            <a:pPr marL="0" marR="0" lvl="0" indent="0" algn="ctr" defTabSz="457200" rtl="0" eaLnBrk="1" fontAlgn="auto" latinLnBrk="0" hangingPunct="1">
-              <a:lnSpc>
-                <a:spcPct val="100000"/>
-              </a:lnSpc>
-              <a:spcBef>
-                <a:spcPts val="0"/>
-              </a:spcBef>
-              <a:spcAft>
-                <a:spcPts val="0"/>
-              </a:spcAft>
+            <a:pPr algn="ctr" defTabSz="457200">
               <a:buClrTx/>
-              <a:buSzTx/>
-              <a:buFontTx/>
-              <a:buNone/>
-              <a:tabLst/>
               <a:defRPr/>
             </a:pPr>
-            <a:endParaRPr kumimoji="0" lang="en-US" sz="1800" b="0" i="0" u="none" strike="noStrike" kern="1200" cap="none" spc="0" normalizeH="0" baseline="0" noProof="0">
-              <a:ln>
-                <a:noFill/>
-              </a:ln>
+            <a:endParaRPr lang="en-US" sz="1800" kern="1200">
               <a:solidFill>
                 <a:prstClr val="white"/>
               </a:solidFill>
-              <a:effectLst/>
-              <a:uLnTx/>
-              <a:uFillTx/>
               <a:latin typeface="Calibri" panose="020F0502020204030204"/>
-              <a:ea typeface="+mn-ea"/>
-              <a:cs typeface="+mn-cs"/>
             </a:endParaRPr>
           </a:p>
         </p:txBody>
@@ -11109,7 +11011,7 @@
         </p:nvSpPr>
         <p:spPr>
           <a:xfrm>
-            <a:off x="15411450" y="2819400"/>
+            <a:off x="15411450" y="533400"/>
             <a:ext cx="788670" cy="609600"/>
           </a:xfrm>
           <a:prstGeom prst="rect">
@@ -11142,36 +11044,15 @@
           <a:bodyPr rtlCol="0" anchor="ctr"/>
           <a:lstStyle/>
           <a:p>
-            <a:pPr marL="0" marR="0" lvl="0" indent="0" algn="ctr" defTabSz="457200" rtl="0" eaLnBrk="1" fontAlgn="auto" latinLnBrk="0" hangingPunct="1">
-              <a:lnSpc>
-                <a:spcPct val="100000"/>
-              </a:lnSpc>
-              <a:spcBef>
-                <a:spcPts val="0"/>
-              </a:spcBef>
-              <a:spcAft>
-                <a:spcPts val="0"/>
-              </a:spcAft>
+            <a:pPr algn="ctr" defTabSz="457200">
               <a:buClrTx/>
-              <a:buSzTx/>
-              <a:buFontTx/>
-              <a:buNone/>
-              <a:tabLst/>
               <a:defRPr/>
             </a:pPr>
-            <a:endParaRPr kumimoji="0" lang="en-US" sz="1800" b="0" i="0" u="none" strike="noStrike" kern="1200" cap="none" spc="0" normalizeH="0" baseline="0" noProof="0">
-              <a:ln>
-                <a:noFill/>
-              </a:ln>
+            <a:endParaRPr lang="en-US" sz="1800" kern="1200">
               <a:solidFill>
                 <a:prstClr val="white"/>
               </a:solidFill>
-              <a:effectLst/>
-              <a:uLnTx/>
-              <a:uFillTx/>
               <a:latin typeface="Calibri" panose="020F0502020204030204"/>
-              <a:ea typeface="+mn-ea"/>
-              <a:cs typeface="+mn-cs"/>
             </a:endParaRPr>
           </a:p>
         </p:txBody>
@@ -11190,7 +11071,7 @@
         </p:nvSpPr>
         <p:spPr>
           <a:xfrm>
-            <a:off x="14001750" y="4373880"/>
+            <a:off x="14001750" y="2087880"/>
             <a:ext cx="1299210" cy="967740"/>
           </a:xfrm>
           <a:prstGeom prst="rect">
@@ -11223,36 +11104,15 @@
           <a:bodyPr rtlCol="0" anchor="ctr"/>
           <a:lstStyle/>
           <a:p>
-            <a:pPr marL="0" marR="0" lvl="0" indent="0" algn="ctr" defTabSz="457200" rtl="0" eaLnBrk="1" fontAlgn="auto" latinLnBrk="0" hangingPunct="1">
-              <a:lnSpc>
-                <a:spcPct val="100000"/>
-              </a:lnSpc>
-              <a:spcBef>
-                <a:spcPts val="0"/>
-              </a:spcBef>
-              <a:spcAft>
-                <a:spcPts val="0"/>
-              </a:spcAft>
+            <a:pPr algn="ctr" defTabSz="457200">
               <a:buClrTx/>
-              <a:buSzTx/>
-              <a:buFontTx/>
-              <a:buNone/>
-              <a:tabLst/>
               <a:defRPr/>
             </a:pPr>
-            <a:endParaRPr kumimoji="0" lang="en-US" sz="1800" b="0" i="0" u="none" strike="noStrike" kern="1200" cap="none" spc="0" normalizeH="0" baseline="0" noProof="0">
-              <a:ln>
-                <a:noFill/>
-              </a:ln>
+            <a:endParaRPr lang="en-US" sz="1800" kern="1200">
               <a:solidFill>
                 <a:prstClr val="white"/>
               </a:solidFill>
-              <a:effectLst/>
-              <a:uLnTx/>
-              <a:uFillTx/>
               <a:latin typeface="Calibri" panose="020F0502020204030204"/>
-              <a:ea typeface="+mn-ea"/>
-              <a:cs typeface="+mn-cs"/>
             </a:endParaRPr>
           </a:p>
         </p:txBody>
@@ -11271,7 +11131,7 @@
         </p:nvSpPr>
         <p:spPr>
           <a:xfrm>
-            <a:off x="13971539" y="4350327"/>
+            <a:off x="13971540" y="2064328"/>
             <a:ext cx="1370061" cy="1044633"/>
           </a:xfrm>
           <a:prstGeom prst="rect">
@@ -11306,36 +11166,15 @@
           <a:bodyPr rtlCol="0" anchor="ctr"/>
           <a:lstStyle/>
           <a:p>
-            <a:pPr marL="0" marR="0" lvl="0" indent="0" algn="ctr" defTabSz="457200" rtl="0" eaLnBrk="1" fontAlgn="auto" latinLnBrk="0" hangingPunct="1">
-              <a:lnSpc>
-                <a:spcPct val="100000"/>
-              </a:lnSpc>
-              <a:spcBef>
-                <a:spcPts val="0"/>
-              </a:spcBef>
-              <a:spcAft>
-                <a:spcPts val="0"/>
-              </a:spcAft>
+            <a:pPr algn="ctr" defTabSz="457200">
               <a:buClrTx/>
-              <a:buSzTx/>
-              <a:buFontTx/>
-              <a:buNone/>
-              <a:tabLst/>
               <a:defRPr/>
             </a:pPr>
-            <a:endParaRPr kumimoji="0" lang="en-US" sz="1800" b="0" i="0" u="none" strike="noStrike" kern="1200" cap="none" spc="0" normalizeH="0" baseline="0" noProof="0">
-              <a:ln>
-                <a:noFill/>
-              </a:ln>
+            <a:endParaRPr lang="en-US" sz="1800" kern="1200">
               <a:solidFill>
                 <a:prstClr val="white"/>
               </a:solidFill>
-              <a:effectLst/>
-              <a:uLnTx/>
-              <a:uFillTx/>
               <a:latin typeface="Calibri" panose="020F0502020204030204"/>
-              <a:ea typeface="+mn-ea"/>
-              <a:cs typeface="+mn-cs"/>
             </a:endParaRPr>
           </a:p>
         </p:txBody>
@@ -11354,7 +11193,7 @@
         </p:nvSpPr>
         <p:spPr>
           <a:xfrm>
-            <a:off x="15384703" y="2787805"/>
+            <a:off x="15384703" y="501805"/>
             <a:ext cx="846668" cy="669674"/>
           </a:xfrm>
           <a:prstGeom prst="rect">
@@ -11389,36 +11228,15 @@
           <a:bodyPr rtlCol="0" anchor="ctr"/>
           <a:lstStyle/>
           <a:p>
-            <a:pPr marL="0" marR="0" lvl="0" indent="0" algn="ctr" defTabSz="457200" rtl="0" eaLnBrk="1" fontAlgn="auto" latinLnBrk="0" hangingPunct="1">
-              <a:lnSpc>
-                <a:spcPct val="100000"/>
-              </a:lnSpc>
-              <a:spcBef>
-                <a:spcPts val="0"/>
-              </a:spcBef>
-              <a:spcAft>
-                <a:spcPts val="0"/>
-              </a:spcAft>
+            <a:pPr algn="ctr" defTabSz="457200">
               <a:buClrTx/>
-              <a:buSzTx/>
-              <a:buFontTx/>
-              <a:buNone/>
-              <a:tabLst/>
               <a:defRPr/>
             </a:pPr>
-            <a:endParaRPr kumimoji="0" lang="en-US" sz="1800" b="0" i="0" u="none" strike="noStrike" kern="1200" cap="none" spc="0" normalizeH="0" baseline="0" noProof="0">
-              <a:ln>
-                <a:noFill/>
-              </a:ln>
+            <a:endParaRPr lang="en-US" sz="1800" kern="1200">
               <a:solidFill>
                 <a:prstClr val="white"/>
               </a:solidFill>
-              <a:effectLst/>
-              <a:uLnTx/>
-              <a:uFillTx/>
               <a:latin typeface="Calibri" panose="020F0502020204030204"/>
-              <a:ea typeface="+mn-ea"/>
-              <a:cs typeface="+mn-cs"/>
             </a:endParaRPr>
           </a:p>
         </p:txBody>
@@ -11437,7 +11255,7 @@
         </p:nvSpPr>
         <p:spPr>
           <a:xfrm>
-            <a:off x="15808037" y="8173378"/>
+            <a:off x="15808037" y="5887379"/>
             <a:ext cx="1315776" cy="1108897"/>
           </a:xfrm>
           <a:prstGeom prst="rect">
@@ -11472,36 +11290,15 @@
           <a:bodyPr rtlCol="0" anchor="ctr"/>
           <a:lstStyle/>
           <a:p>
-            <a:pPr marL="0" marR="0" lvl="0" indent="0" algn="ctr" defTabSz="457200" rtl="0" eaLnBrk="1" fontAlgn="auto" latinLnBrk="0" hangingPunct="1">
-              <a:lnSpc>
-                <a:spcPct val="100000"/>
-              </a:lnSpc>
-              <a:spcBef>
-                <a:spcPts val="0"/>
-              </a:spcBef>
-              <a:spcAft>
-                <a:spcPts val="0"/>
-              </a:spcAft>
+            <a:pPr algn="ctr" defTabSz="457200">
               <a:buClrTx/>
-              <a:buSzTx/>
-              <a:buFontTx/>
-              <a:buNone/>
-              <a:tabLst/>
               <a:defRPr/>
             </a:pPr>
-            <a:endParaRPr kumimoji="0" lang="en-US" sz="1800" b="0" i="0" u="none" strike="noStrike" kern="1200" cap="none" spc="0" normalizeH="0" baseline="0" noProof="0">
-              <a:ln>
-                <a:noFill/>
-              </a:ln>
+            <a:endParaRPr lang="en-US" sz="1800" kern="1200">
               <a:solidFill>
                 <a:prstClr val="white"/>
               </a:solidFill>
-              <a:effectLst/>
-              <a:uLnTx/>
-              <a:uFillTx/>
               <a:latin typeface="Calibri" panose="020F0502020204030204"/>
-              <a:ea typeface="+mn-ea"/>
-              <a:cs typeface="+mn-cs"/>
             </a:endParaRPr>
           </a:p>
         </p:txBody>
@@ -11520,7 +11317,7 @@
         </p:nvSpPr>
         <p:spPr>
           <a:xfrm>
-            <a:off x="15808037" y="9282275"/>
+            <a:off x="15808037" y="6996276"/>
             <a:ext cx="1315776" cy="1108897"/>
           </a:xfrm>
           <a:prstGeom prst="rect">
@@ -11555,36 +11352,15 @@
           <a:bodyPr rtlCol="0" anchor="ctr"/>
           <a:lstStyle/>
           <a:p>
-            <a:pPr marL="0" marR="0" lvl="0" indent="0" algn="ctr" defTabSz="457200" rtl="0" eaLnBrk="1" fontAlgn="auto" latinLnBrk="0" hangingPunct="1">
-              <a:lnSpc>
-                <a:spcPct val="100000"/>
-              </a:lnSpc>
-              <a:spcBef>
-                <a:spcPts val="0"/>
-              </a:spcBef>
-              <a:spcAft>
-                <a:spcPts val="0"/>
-              </a:spcAft>
+            <a:pPr algn="ctr" defTabSz="457200">
               <a:buClrTx/>
-              <a:buSzTx/>
-              <a:buFontTx/>
-              <a:buNone/>
-              <a:tabLst/>
               <a:defRPr/>
             </a:pPr>
-            <a:endParaRPr kumimoji="0" lang="en-US" sz="1800" b="0" i="0" u="none" strike="noStrike" kern="1200" cap="none" spc="0" normalizeH="0" baseline="0" noProof="0">
-              <a:ln>
-                <a:noFill/>
-              </a:ln>
+            <a:endParaRPr lang="en-US" sz="1800" kern="1200">
               <a:solidFill>
                 <a:prstClr val="white"/>
               </a:solidFill>
-              <a:effectLst/>
-              <a:uLnTx/>
-              <a:uFillTx/>
               <a:latin typeface="Calibri" panose="020F0502020204030204"/>
-              <a:ea typeface="+mn-ea"/>
-              <a:cs typeface="+mn-cs"/>
             </a:endParaRPr>
           </a:p>
         </p:txBody>
@@ -11603,7 +11379,7 @@
         </p:nvSpPr>
         <p:spPr>
           <a:xfrm>
-            <a:off x="14884343" y="10986182"/>
+            <a:off x="14884344" y="8700182"/>
             <a:ext cx="887941" cy="869796"/>
           </a:xfrm>
           <a:prstGeom prst="rect">
@@ -11638,36 +11414,15 @@
           <a:bodyPr rtlCol="0" anchor="ctr"/>
           <a:lstStyle/>
           <a:p>
-            <a:pPr marL="0" marR="0" lvl="0" indent="0" algn="ctr" defTabSz="457200" rtl="0" eaLnBrk="1" fontAlgn="auto" latinLnBrk="0" hangingPunct="1">
-              <a:lnSpc>
-                <a:spcPct val="100000"/>
-              </a:lnSpc>
-              <a:spcBef>
-                <a:spcPts val="0"/>
-              </a:spcBef>
-              <a:spcAft>
-                <a:spcPts val="0"/>
-              </a:spcAft>
+            <a:pPr algn="ctr" defTabSz="457200">
               <a:buClrTx/>
-              <a:buSzTx/>
-              <a:buFontTx/>
-              <a:buNone/>
-              <a:tabLst/>
               <a:defRPr/>
             </a:pPr>
-            <a:endParaRPr kumimoji="0" lang="en-US" sz="1800" b="0" i="0" u="none" strike="noStrike" kern="1200" cap="none" spc="0" normalizeH="0" baseline="0" noProof="0">
-              <a:ln>
-                <a:noFill/>
-              </a:ln>
+            <a:endParaRPr lang="en-US" sz="1800" kern="1200">
               <a:solidFill>
                 <a:prstClr val="white"/>
               </a:solidFill>
-              <a:effectLst/>
-              <a:uLnTx/>
-              <a:uFillTx/>
               <a:latin typeface="Calibri" panose="020F0502020204030204"/>
-              <a:ea typeface="+mn-ea"/>
-              <a:cs typeface="+mn-cs"/>
             </a:endParaRPr>
           </a:p>
         </p:txBody>
@@ -11686,7 +11441,7 @@
         </p:nvSpPr>
         <p:spPr>
           <a:xfrm>
-            <a:off x="10758787" y="11972238"/>
+            <a:off x="10758788" y="9686238"/>
             <a:ext cx="1022905" cy="1036470"/>
           </a:xfrm>
           <a:prstGeom prst="rect">
@@ -11721,36 +11476,15 @@
           <a:bodyPr rtlCol="0" anchor="ctr"/>
           <a:lstStyle/>
           <a:p>
-            <a:pPr marL="0" marR="0" lvl="0" indent="0" algn="ctr" defTabSz="457200" rtl="0" eaLnBrk="1" fontAlgn="auto" latinLnBrk="0" hangingPunct="1">
-              <a:lnSpc>
-                <a:spcPct val="100000"/>
-              </a:lnSpc>
-              <a:spcBef>
-                <a:spcPts val="0"/>
-              </a:spcBef>
-              <a:spcAft>
-                <a:spcPts val="0"/>
-              </a:spcAft>
+            <a:pPr algn="ctr" defTabSz="457200">
               <a:buClrTx/>
-              <a:buSzTx/>
-              <a:buFontTx/>
-              <a:buNone/>
-              <a:tabLst/>
               <a:defRPr/>
             </a:pPr>
-            <a:endParaRPr kumimoji="0" lang="en-US" sz="1800" b="0" i="0" u="none" strike="noStrike" kern="1200" cap="none" spc="0" normalizeH="0" baseline="0" noProof="0">
-              <a:ln>
-                <a:noFill/>
-              </a:ln>
+            <a:endParaRPr lang="en-US" sz="1800" kern="1200">
               <a:solidFill>
                 <a:prstClr val="white"/>
               </a:solidFill>
-              <a:effectLst/>
-              <a:uLnTx/>
-              <a:uFillTx/>
               <a:latin typeface="Calibri" panose="020F0502020204030204"/>
-              <a:ea typeface="+mn-ea"/>
-              <a:cs typeface="+mn-cs"/>
             </a:endParaRPr>
           </a:p>
         </p:txBody>
@@ -11769,7 +11503,7 @@
         </p:nvSpPr>
         <p:spPr>
           <a:xfrm>
-            <a:off x="10758788" y="8173378"/>
+            <a:off x="10758789" y="5887378"/>
             <a:ext cx="799549" cy="770220"/>
           </a:xfrm>
           <a:prstGeom prst="rect">
@@ -11804,36 +11538,15 @@
           <a:bodyPr rtlCol="0" anchor="ctr"/>
           <a:lstStyle/>
           <a:p>
-            <a:pPr marL="0" marR="0" lvl="0" indent="0" algn="ctr" defTabSz="457200" rtl="0" eaLnBrk="1" fontAlgn="auto" latinLnBrk="0" hangingPunct="1">
-              <a:lnSpc>
-                <a:spcPct val="100000"/>
-              </a:lnSpc>
-              <a:spcBef>
-                <a:spcPts val="0"/>
-              </a:spcBef>
-              <a:spcAft>
-                <a:spcPts val="0"/>
-              </a:spcAft>
+            <a:pPr algn="ctr" defTabSz="457200">
               <a:buClrTx/>
-              <a:buSzTx/>
-              <a:buFontTx/>
-              <a:buNone/>
-              <a:tabLst/>
               <a:defRPr/>
             </a:pPr>
-            <a:endParaRPr kumimoji="0" lang="en-US" sz="1800" b="0" i="0" u="none" strike="noStrike" kern="1200" cap="none" spc="0" normalizeH="0" baseline="0" noProof="0">
-              <a:ln>
-                <a:noFill/>
-              </a:ln>
+            <a:endParaRPr lang="en-US" sz="1800" kern="1200">
               <a:solidFill>
                 <a:prstClr val="white"/>
               </a:solidFill>
-              <a:effectLst/>
-              <a:uLnTx/>
-              <a:uFillTx/>
               <a:latin typeface="Calibri" panose="020F0502020204030204"/>
-              <a:ea typeface="+mn-ea"/>
-              <a:cs typeface="+mn-cs"/>
             </a:endParaRPr>
           </a:p>
         </p:txBody>
@@ -11852,7 +11565,7 @@
         </p:nvSpPr>
         <p:spPr>
           <a:xfrm>
-            <a:off x="11184393" y="14456282"/>
+            <a:off x="11184394" y="12170282"/>
             <a:ext cx="859469" cy="346496"/>
           </a:xfrm>
           <a:prstGeom prst="rect">
@@ -11885,36 +11598,15 @@
           <a:bodyPr rtlCol="0" anchor="ctr"/>
           <a:lstStyle/>
           <a:p>
-            <a:pPr marL="0" marR="0" lvl="0" indent="0" algn="ctr" defTabSz="457200" rtl="0" eaLnBrk="1" fontAlgn="auto" latinLnBrk="0" hangingPunct="1">
-              <a:lnSpc>
-                <a:spcPct val="100000"/>
-              </a:lnSpc>
-              <a:spcBef>
-                <a:spcPts val="0"/>
-              </a:spcBef>
-              <a:spcAft>
-                <a:spcPts val="0"/>
-              </a:spcAft>
+            <a:pPr algn="ctr" defTabSz="457200">
               <a:buClrTx/>
-              <a:buSzTx/>
-              <a:buFontTx/>
-              <a:buNone/>
-              <a:tabLst/>
               <a:defRPr/>
             </a:pPr>
-            <a:endParaRPr kumimoji="0" lang="en-US" sz="1800" b="0" i="0" u="none" strike="noStrike" kern="1200" cap="none" spc="0" normalizeH="0" baseline="0" noProof="0">
-              <a:ln>
-                <a:noFill/>
-              </a:ln>
+            <a:endParaRPr lang="en-US" sz="1800" kern="1200">
               <a:solidFill>
                 <a:prstClr val="white"/>
               </a:solidFill>
-              <a:effectLst/>
-              <a:uLnTx/>
-              <a:uFillTx/>
               <a:latin typeface="Calibri" panose="020F0502020204030204"/>
-              <a:ea typeface="+mn-ea"/>
-              <a:cs typeface="+mn-cs"/>
             </a:endParaRPr>
           </a:p>
         </p:txBody>
@@ -11933,7 +11625,7 @@
         </p:nvSpPr>
         <p:spPr>
           <a:xfrm>
-            <a:off x="12829887" y="14484924"/>
+            <a:off x="12829888" y="12198924"/>
             <a:ext cx="1752555" cy="346496"/>
           </a:xfrm>
           <a:prstGeom prst="rect">
@@ -11966,36 +11658,15 @@
           <a:bodyPr rtlCol="0" anchor="ctr"/>
           <a:lstStyle/>
           <a:p>
-            <a:pPr marL="0" marR="0" lvl="0" indent="0" algn="ctr" defTabSz="457200" rtl="0" eaLnBrk="1" fontAlgn="auto" latinLnBrk="0" hangingPunct="1">
-              <a:lnSpc>
-                <a:spcPct val="100000"/>
-              </a:lnSpc>
-              <a:spcBef>
-                <a:spcPts val="0"/>
-              </a:spcBef>
-              <a:spcAft>
-                <a:spcPts val="0"/>
-              </a:spcAft>
+            <a:pPr algn="ctr" defTabSz="457200">
               <a:buClrTx/>
-              <a:buSzTx/>
-              <a:buFontTx/>
-              <a:buNone/>
-              <a:tabLst/>
               <a:defRPr/>
             </a:pPr>
-            <a:endParaRPr kumimoji="0" lang="en-US" sz="1800" b="0" i="0" u="none" strike="noStrike" kern="1200" cap="none" spc="0" normalizeH="0" baseline="0" noProof="0">
-              <a:ln>
-                <a:noFill/>
-              </a:ln>
+            <a:endParaRPr lang="en-US" sz="1800" kern="1200">
               <a:solidFill>
                 <a:prstClr val="white"/>
               </a:solidFill>
-              <a:effectLst/>
-              <a:uLnTx/>
-              <a:uFillTx/>
               <a:latin typeface="Calibri" panose="020F0502020204030204"/>
-              <a:ea typeface="+mn-ea"/>
-              <a:cs typeface="+mn-cs"/>
             </a:endParaRPr>
           </a:p>
         </p:txBody>
@@ -12014,7 +11685,7 @@
         </p:nvSpPr>
         <p:spPr>
           <a:xfrm>
-            <a:off x="14001750" y="14663901"/>
+            <a:off x="14001750" y="12377902"/>
             <a:ext cx="224842" cy="277753"/>
           </a:xfrm>
           <a:prstGeom prst="rect">
@@ -12047,36 +11718,15 @@
           <a:bodyPr rtlCol="0" anchor="ctr"/>
           <a:lstStyle/>
           <a:p>
-            <a:pPr marL="0" marR="0" lvl="0" indent="0" algn="ctr" defTabSz="457200" rtl="0" eaLnBrk="1" fontAlgn="auto" latinLnBrk="0" hangingPunct="1">
-              <a:lnSpc>
-                <a:spcPct val="100000"/>
-              </a:lnSpc>
-              <a:spcBef>
-                <a:spcPts val="0"/>
-              </a:spcBef>
-              <a:spcAft>
-                <a:spcPts val="0"/>
-              </a:spcAft>
+            <a:pPr algn="ctr" defTabSz="457200">
               <a:buClrTx/>
-              <a:buSzTx/>
-              <a:buFontTx/>
-              <a:buNone/>
-              <a:tabLst/>
               <a:defRPr/>
             </a:pPr>
-            <a:endParaRPr kumimoji="0" lang="en-US" sz="1800" b="0" i="0" u="none" strike="noStrike" kern="1200" cap="none" spc="0" normalizeH="0" baseline="0" noProof="0">
-              <a:ln>
-                <a:noFill/>
-              </a:ln>
+            <a:endParaRPr lang="en-US" sz="1800" kern="1200">
               <a:solidFill>
                 <a:prstClr val="white"/>
               </a:solidFill>
-              <a:effectLst/>
-              <a:uLnTx/>
-              <a:uFillTx/>
               <a:latin typeface="Calibri" panose="020F0502020204030204"/>
-              <a:ea typeface="+mn-ea"/>
-              <a:cs typeface="+mn-cs"/>
             </a:endParaRPr>
           </a:p>
         </p:txBody>
@@ -12095,7 +11745,7 @@
         </p:nvSpPr>
         <p:spPr>
           <a:xfrm>
-            <a:off x="11469788" y="10391172"/>
+            <a:off x="11469789" y="8105172"/>
             <a:ext cx="2165699" cy="346496"/>
           </a:xfrm>
           <a:prstGeom prst="rect">
@@ -12128,36 +11778,15 @@
           <a:bodyPr rtlCol="0" anchor="ctr"/>
           <a:lstStyle/>
           <a:p>
-            <a:pPr marL="0" marR="0" lvl="0" indent="0" algn="ctr" defTabSz="457200" rtl="0" eaLnBrk="1" fontAlgn="auto" latinLnBrk="0" hangingPunct="1">
-              <a:lnSpc>
-                <a:spcPct val="100000"/>
-              </a:lnSpc>
-              <a:spcBef>
-                <a:spcPts val="0"/>
-              </a:spcBef>
-              <a:spcAft>
-                <a:spcPts val="0"/>
-              </a:spcAft>
+            <a:pPr algn="ctr" defTabSz="457200">
               <a:buClrTx/>
-              <a:buSzTx/>
-              <a:buFontTx/>
-              <a:buNone/>
-              <a:tabLst/>
               <a:defRPr/>
             </a:pPr>
-            <a:endParaRPr kumimoji="0" lang="en-US" sz="1800" b="0" i="0" u="none" strike="noStrike" kern="1200" cap="none" spc="0" normalizeH="0" baseline="0" noProof="0">
-              <a:ln>
-                <a:noFill/>
-              </a:ln>
+            <a:endParaRPr lang="en-US" sz="1800" kern="1200">
               <a:solidFill>
                 <a:prstClr val="white"/>
               </a:solidFill>
-              <a:effectLst/>
-              <a:uLnTx/>
-              <a:uFillTx/>
               <a:latin typeface="Calibri" panose="020F0502020204030204"/>
-              <a:ea typeface="+mn-ea"/>
-              <a:cs typeface="+mn-cs"/>
             </a:endParaRPr>
           </a:p>
         </p:txBody>
@@ -12176,7 +11805,7 @@
         </p:nvSpPr>
         <p:spPr>
           <a:xfrm>
-            <a:off x="12829888" y="6326062"/>
+            <a:off x="12829888" y="4040062"/>
             <a:ext cx="1087396" cy="523312"/>
           </a:xfrm>
           <a:prstGeom prst="rect">
@@ -12209,36 +11838,15 @@
           <a:bodyPr rtlCol="0" anchor="ctr"/>
           <a:lstStyle/>
           <a:p>
-            <a:pPr marL="0" marR="0" lvl="0" indent="0" algn="ctr" defTabSz="457200" rtl="0" eaLnBrk="1" fontAlgn="auto" latinLnBrk="0" hangingPunct="1">
-              <a:lnSpc>
-                <a:spcPct val="100000"/>
-              </a:lnSpc>
-              <a:spcBef>
-                <a:spcPts val="0"/>
-              </a:spcBef>
-              <a:spcAft>
-                <a:spcPts val="0"/>
-              </a:spcAft>
+            <a:pPr algn="ctr" defTabSz="457200">
               <a:buClrTx/>
-              <a:buSzTx/>
-              <a:buFontTx/>
-              <a:buNone/>
-              <a:tabLst/>
               <a:defRPr/>
             </a:pPr>
-            <a:endParaRPr kumimoji="0" lang="en-US" sz="1800" b="0" i="0" u="none" strike="noStrike" kern="1200" cap="none" spc="0" normalizeH="0" baseline="0" noProof="0">
-              <a:ln>
-                <a:noFill/>
-              </a:ln>
+            <a:endParaRPr lang="en-US" sz="1800" kern="1200">
               <a:solidFill>
                 <a:prstClr val="white"/>
               </a:solidFill>
-              <a:effectLst/>
-              <a:uLnTx/>
-              <a:uFillTx/>
               <a:latin typeface="Calibri" panose="020F0502020204030204"/>
-              <a:ea typeface="+mn-ea"/>
-              <a:cs typeface="+mn-cs"/>
             </a:endParaRPr>
           </a:p>
         </p:txBody>
@@ -12257,7 +11865,7 @@
         </p:nvSpPr>
         <p:spPr>
           <a:xfrm>
-            <a:off x="14038744" y="6326062"/>
+            <a:off x="14038744" y="4040062"/>
             <a:ext cx="1137996" cy="665156"/>
           </a:xfrm>
           <a:prstGeom prst="rect">
@@ -12290,36 +11898,15 @@
           <a:bodyPr rtlCol="0" anchor="ctr"/>
           <a:lstStyle/>
           <a:p>
-            <a:pPr marL="0" marR="0" lvl="0" indent="0" algn="ctr" defTabSz="457200" rtl="0" eaLnBrk="1" fontAlgn="auto" latinLnBrk="0" hangingPunct="1">
-              <a:lnSpc>
-                <a:spcPct val="100000"/>
-              </a:lnSpc>
-              <a:spcBef>
-                <a:spcPts val="0"/>
-              </a:spcBef>
-              <a:spcAft>
-                <a:spcPts val="0"/>
-              </a:spcAft>
+            <a:pPr algn="ctr" defTabSz="457200">
               <a:buClrTx/>
-              <a:buSzTx/>
-              <a:buFontTx/>
-              <a:buNone/>
-              <a:tabLst/>
               <a:defRPr/>
             </a:pPr>
-            <a:endParaRPr kumimoji="0" lang="en-US" sz="1800" b="0" i="0" u="none" strike="noStrike" kern="1200" cap="none" spc="0" normalizeH="0" baseline="0" noProof="0">
-              <a:ln>
-                <a:noFill/>
-              </a:ln>
+            <a:endParaRPr lang="en-US" sz="1800" kern="1200">
               <a:solidFill>
                 <a:prstClr val="white"/>
               </a:solidFill>
-              <a:effectLst/>
-              <a:uLnTx/>
-              <a:uFillTx/>
               <a:latin typeface="Calibri" panose="020F0502020204030204"/>
-              <a:ea typeface="+mn-ea"/>
-              <a:cs typeface="+mn-cs"/>
             </a:endParaRPr>
           </a:p>
         </p:txBody>
@@ -12338,7 +11925,7 @@
         </p:nvSpPr>
         <p:spPr>
           <a:xfrm>
-            <a:off x="11721844" y="13473165"/>
+            <a:off x="11721845" y="11187165"/>
             <a:ext cx="1752555" cy="665156"/>
           </a:xfrm>
           <a:prstGeom prst="rect">
@@ -12371,36 +11958,15 @@
           <a:bodyPr rtlCol="0" anchor="ctr"/>
           <a:lstStyle/>
           <a:p>
-            <a:pPr marL="0" marR="0" lvl="0" indent="0" algn="ctr" defTabSz="457200" rtl="0" eaLnBrk="1" fontAlgn="auto" latinLnBrk="0" hangingPunct="1">
-              <a:lnSpc>
-                <a:spcPct val="100000"/>
-              </a:lnSpc>
-              <a:spcBef>
-                <a:spcPts val="0"/>
-              </a:spcBef>
-              <a:spcAft>
-                <a:spcPts val="0"/>
-              </a:spcAft>
+            <a:pPr algn="ctr" defTabSz="457200">
               <a:buClrTx/>
-              <a:buSzTx/>
-              <a:buFontTx/>
-              <a:buNone/>
-              <a:tabLst/>
               <a:defRPr/>
             </a:pPr>
-            <a:endParaRPr kumimoji="0" lang="en-US" sz="1800" b="0" i="0" u="none" strike="noStrike" kern="1200" cap="none" spc="0" normalizeH="0" baseline="0" noProof="0">
-              <a:ln>
-                <a:noFill/>
-              </a:ln>
+            <a:endParaRPr lang="en-US" sz="1800" kern="1200">
               <a:solidFill>
                 <a:prstClr val="white"/>
               </a:solidFill>
-              <a:effectLst/>
-              <a:uLnTx/>
-              <a:uFillTx/>
               <a:latin typeface="Calibri" panose="020F0502020204030204"/>
-              <a:ea typeface="+mn-ea"/>
-              <a:cs typeface="+mn-cs"/>
             </a:endParaRPr>
           </a:p>
         </p:txBody>
@@ -12419,7 +11985,7 @@
         </p:nvSpPr>
         <p:spPr>
           <a:xfrm>
-            <a:off x="12789381" y="8204705"/>
+            <a:off x="12789382" y="5918705"/>
             <a:ext cx="1087397" cy="540454"/>
           </a:xfrm>
           <a:prstGeom prst="rect">
@@ -12452,36 +12018,15 @@
           <a:bodyPr rtlCol="0" anchor="ctr"/>
           <a:lstStyle/>
           <a:p>
-            <a:pPr marL="0" marR="0" lvl="0" indent="0" algn="ctr" defTabSz="457200" rtl="0" eaLnBrk="1" fontAlgn="auto" latinLnBrk="0" hangingPunct="1">
-              <a:lnSpc>
-                <a:spcPct val="100000"/>
-              </a:lnSpc>
-              <a:spcBef>
-                <a:spcPts val="0"/>
-              </a:spcBef>
-              <a:spcAft>
-                <a:spcPts val="0"/>
-              </a:spcAft>
+            <a:pPr algn="ctr" defTabSz="457200">
               <a:buClrTx/>
-              <a:buSzTx/>
-              <a:buFontTx/>
-              <a:buNone/>
-              <a:tabLst/>
               <a:defRPr/>
             </a:pPr>
-            <a:endParaRPr kumimoji="0" lang="en-US" sz="1800" b="0" i="0" u="none" strike="noStrike" kern="1200" cap="none" spc="0" normalizeH="0" baseline="0" noProof="0">
-              <a:ln>
-                <a:noFill/>
-              </a:ln>
+            <a:endParaRPr lang="en-US" sz="1800" kern="1200">
               <a:solidFill>
                 <a:prstClr val="white"/>
               </a:solidFill>
-              <a:effectLst/>
-              <a:uLnTx/>
-              <a:uFillTx/>
               <a:latin typeface="Calibri" panose="020F0502020204030204"/>
-              <a:ea typeface="+mn-ea"/>
-              <a:cs typeface="+mn-cs"/>
             </a:endParaRPr>
           </a:p>
         </p:txBody>
@@ -12500,7 +12045,7 @@
         </p:nvSpPr>
         <p:spPr>
           <a:xfrm>
-            <a:off x="8667998" y="12142892"/>
+            <a:off x="8667999" y="9856892"/>
             <a:ext cx="1087397" cy="540454"/>
           </a:xfrm>
           <a:prstGeom prst="rect">
@@ -12533,36 +12078,15 @@
           <a:bodyPr rtlCol="0" anchor="ctr"/>
           <a:lstStyle/>
           <a:p>
-            <a:pPr marL="0" marR="0" lvl="0" indent="0" algn="ctr" defTabSz="457200" rtl="0" eaLnBrk="1" fontAlgn="auto" latinLnBrk="0" hangingPunct="1">
-              <a:lnSpc>
-                <a:spcPct val="100000"/>
-              </a:lnSpc>
-              <a:spcBef>
-                <a:spcPts val="0"/>
-              </a:spcBef>
-              <a:spcAft>
-                <a:spcPts val="0"/>
-              </a:spcAft>
+            <a:pPr algn="ctr" defTabSz="457200">
               <a:buClrTx/>
-              <a:buSzTx/>
-              <a:buFontTx/>
-              <a:buNone/>
-              <a:tabLst/>
               <a:defRPr/>
             </a:pPr>
-            <a:endParaRPr kumimoji="0" lang="en-US" sz="1800" b="0" i="0" u="none" strike="noStrike" kern="1200" cap="none" spc="0" normalizeH="0" baseline="0" noProof="0">
-              <a:ln>
-                <a:noFill/>
-              </a:ln>
+            <a:endParaRPr lang="en-US" sz="1800" kern="1200">
               <a:solidFill>
                 <a:prstClr val="white"/>
               </a:solidFill>
-              <a:effectLst/>
-              <a:uLnTx/>
-              <a:uFillTx/>
               <a:latin typeface="Calibri" panose="020F0502020204030204"/>
-              <a:ea typeface="+mn-ea"/>
-              <a:cs typeface="+mn-cs"/>
             </a:endParaRPr>
           </a:p>
         </p:txBody>
@@ -12581,7 +12105,7 @@
         </p:nvSpPr>
         <p:spPr>
           <a:xfrm>
-            <a:off x="16008811" y="10624028"/>
+            <a:off x="16008812" y="8338028"/>
             <a:ext cx="991933" cy="474684"/>
           </a:xfrm>
           <a:prstGeom prst="rect">
@@ -12614,36 +12138,15 @@
           <a:bodyPr rtlCol="0" anchor="ctr"/>
           <a:lstStyle/>
           <a:p>
-            <a:pPr marL="0" marR="0" lvl="0" indent="0" algn="ctr" defTabSz="457200" rtl="0" eaLnBrk="1" fontAlgn="auto" latinLnBrk="0" hangingPunct="1">
-              <a:lnSpc>
-                <a:spcPct val="100000"/>
-              </a:lnSpc>
-              <a:spcBef>
-                <a:spcPts val="0"/>
-              </a:spcBef>
-              <a:spcAft>
-                <a:spcPts val="0"/>
-              </a:spcAft>
+            <a:pPr algn="ctr" defTabSz="457200">
               <a:buClrTx/>
-              <a:buSzTx/>
-              <a:buFontTx/>
-              <a:buNone/>
-              <a:tabLst/>
               <a:defRPr/>
             </a:pPr>
-            <a:endParaRPr kumimoji="0" lang="en-US" sz="1800" b="0" i="0" u="none" strike="noStrike" kern="1200" cap="none" spc="0" normalizeH="0" baseline="0" noProof="0">
-              <a:ln>
-                <a:noFill/>
-              </a:ln>
+            <a:endParaRPr lang="en-US" sz="1800" kern="1200">
               <a:solidFill>
                 <a:prstClr val="white"/>
               </a:solidFill>
-              <a:effectLst/>
-              <a:uLnTx/>
-              <a:uFillTx/>
               <a:latin typeface="Calibri" panose="020F0502020204030204"/>
-              <a:ea typeface="+mn-ea"/>
-              <a:cs typeface="+mn-cs"/>
             </a:endParaRPr>
           </a:p>
         </p:txBody>
@@ -12662,7 +12165,7 @@
         </p:nvSpPr>
         <p:spPr>
           <a:xfrm>
-            <a:off x="15520815" y="12683346"/>
+            <a:off x="15520816" y="10397347"/>
             <a:ext cx="916783" cy="242959"/>
           </a:xfrm>
           <a:prstGeom prst="rect">
@@ -12695,36 +12198,15 @@
           <a:bodyPr rtlCol="0" anchor="ctr"/>
           <a:lstStyle/>
           <a:p>
-            <a:pPr marL="0" marR="0" lvl="0" indent="0" algn="ctr" defTabSz="457200" rtl="0" eaLnBrk="1" fontAlgn="auto" latinLnBrk="0" hangingPunct="1">
-              <a:lnSpc>
-                <a:spcPct val="100000"/>
-              </a:lnSpc>
-              <a:spcBef>
-                <a:spcPts val="0"/>
-              </a:spcBef>
-              <a:spcAft>
-                <a:spcPts val="0"/>
-              </a:spcAft>
+            <a:pPr algn="ctr" defTabSz="457200">
               <a:buClrTx/>
-              <a:buSzTx/>
-              <a:buFontTx/>
-              <a:buNone/>
-              <a:tabLst/>
               <a:defRPr/>
             </a:pPr>
-            <a:endParaRPr kumimoji="0" lang="en-US" sz="1800" b="0" i="0" u="none" strike="noStrike" kern="1200" cap="none" spc="0" normalizeH="0" baseline="0" noProof="0">
-              <a:ln>
-                <a:noFill/>
-              </a:ln>
+            <a:endParaRPr lang="en-US" sz="1800" kern="1200">
               <a:solidFill>
                 <a:prstClr val="white"/>
               </a:solidFill>
-              <a:effectLst/>
-              <a:uLnTx/>
-              <a:uFillTx/>
               <a:latin typeface="Calibri" panose="020F0502020204030204"/>
-              <a:ea typeface="+mn-ea"/>
-              <a:cs typeface="+mn-cs"/>
             </a:endParaRPr>
           </a:p>
         </p:txBody>
@@ -12743,7 +12225,7 @@
         </p:nvSpPr>
         <p:spPr>
           <a:xfrm>
-            <a:off x="10359012" y="5810467"/>
+            <a:off x="10359012" y="3524467"/>
             <a:ext cx="1684850" cy="770220"/>
           </a:xfrm>
           <a:prstGeom prst="rect">
@@ -12776,36 +12258,15 @@
           <a:bodyPr rtlCol="0" anchor="ctr"/>
           <a:lstStyle/>
           <a:p>
-            <a:pPr marL="0" marR="0" lvl="0" indent="0" algn="ctr" defTabSz="457200" rtl="0" eaLnBrk="1" fontAlgn="auto" latinLnBrk="0" hangingPunct="1">
-              <a:lnSpc>
-                <a:spcPct val="100000"/>
-              </a:lnSpc>
-              <a:spcBef>
-                <a:spcPts val="0"/>
-              </a:spcBef>
-              <a:spcAft>
-                <a:spcPts val="0"/>
-              </a:spcAft>
+            <a:pPr algn="ctr" defTabSz="457200">
               <a:buClrTx/>
-              <a:buSzTx/>
-              <a:buFontTx/>
-              <a:buNone/>
-              <a:tabLst/>
               <a:defRPr/>
             </a:pPr>
-            <a:endParaRPr kumimoji="0" lang="en-US" sz="1800" b="0" i="0" u="none" strike="noStrike" kern="1200" cap="none" spc="0" normalizeH="0" baseline="0" noProof="0">
-              <a:ln>
-                <a:noFill/>
-              </a:ln>
+            <a:endParaRPr lang="en-US" sz="1800" kern="1200">
               <a:solidFill>
                 <a:prstClr val="white"/>
               </a:solidFill>
-              <a:effectLst/>
-              <a:uLnTx/>
-              <a:uFillTx/>
               <a:latin typeface="Calibri" panose="020F0502020204030204"/>
-              <a:ea typeface="+mn-ea"/>
-              <a:cs typeface="+mn-cs"/>
             </a:endParaRPr>
           </a:p>
         </p:txBody>
@@ -12824,7 +12285,7 @@
         </p:nvSpPr>
         <p:spPr>
           <a:xfrm>
-            <a:off x="12642388" y="11754058"/>
+            <a:off x="12642389" y="9468058"/>
             <a:ext cx="916783" cy="1254650"/>
           </a:xfrm>
           <a:prstGeom prst="rect">
@@ -12859,36 +12320,15 @@
           <a:bodyPr rtlCol="0" anchor="ctr"/>
           <a:lstStyle/>
           <a:p>
-            <a:pPr marL="0" marR="0" lvl="0" indent="0" algn="ctr" defTabSz="457200" rtl="0" eaLnBrk="1" fontAlgn="auto" latinLnBrk="0" hangingPunct="1">
-              <a:lnSpc>
-                <a:spcPct val="100000"/>
-              </a:lnSpc>
-              <a:spcBef>
-                <a:spcPts val="0"/>
-              </a:spcBef>
-              <a:spcAft>
-                <a:spcPts val="0"/>
-              </a:spcAft>
+            <a:pPr algn="ctr" defTabSz="457200">
               <a:buClrTx/>
-              <a:buSzTx/>
-              <a:buFontTx/>
-              <a:buNone/>
-              <a:tabLst/>
               <a:defRPr/>
             </a:pPr>
-            <a:endParaRPr kumimoji="0" lang="en-US" sz="1800" b="0" i="0" u="none" strike="noStrike" kern="1200" cap="none" spc="0" normalizeH="0" baseline="0" noProof="0">
-              <a:ln>
-                <a:noFill/>
-              </a:ln>
+            <a:endParaRPr lang="en-US" sz="1800" kern="1200">
               <a:solidFill>
                 <a:prstClr val="white"/>
               </a:solidFill>
-              <a:effectLst/>
-              <a:uLnTx/>
-              <a:uFillTx/>
               <a:latin typeface="Calibri" panose="020F0502020204030204"/>
-              <a:ea typeface="+mn-ea"/>
-              <a:cs typeface="+mn-cs"/>
             </a:endParaRPr>
           </a:p>
         </p:txBody>
@@ -12907,7 +12347,7 @@
         </p:nvSpPr>
         <p:spPr>
           <a:xfrm>
-            <a:off x="12274248" y="4228495"/>
+            <a:off x="12274249" y="1942496"/>
             <a:ext cx="515133" cy="1279675"/>
           </a:xfrm>
           <a:prstGeom prst="rect">
@@ -12942,36 +12382,15 @@
           <a:bodyPr rtlCol="0" anchor="ctr"/>
           <a:lstStyle/>
           <a:p>
-            <a:pPr marL="0" marR="0" lvl="0" indent="0" algn="ctr" defTabSz="457200" rtl="0" eaLnBrk="1" fontAlgn="auto" latinLnBrk="0" hangingPunct="1">
-              <a:lnSpc>
-                <a:spcPct val="100000"/>
-              </a:lnSpc>
-              <a:spcBef>
-                <a:spcPts val="0"/>
-              </a:spcBef>
-              <a:spcAft>
-                <a:spcPts val="0"/>
-              </a:spcAft>
+            <a:pPr algn="ctr" defTabSz="457200">
               <a:buClrTx/>
-              <a:buSzTx/>
-              <a:buFontTx/>
-              <a:buNone/>
-              <a:tabLst/>
               <a:defRPr/>
             </a:pPr>
-            <a:endParaRPr kumimoji="0" lang="en-US" sz="1800" b="0" i="0" u="none" strike="noStrike" kern="1200" cap="none" spc="0" normalizeH="0" baseline="0" noProof="0">
-              <a:ln>
-                <a:noFill/>
-              </a:ln>
+            <a:endParaRPr lang="en-US" sz="1800" kern="1200">
               <a:solidFill>
                 <a:prstClr val="white"/>
               </a:solidFill>
-              <a:effectLst/>
-              <a:uLnTx/>
-              <a:uFillTx/>
               <a:latin typeface="Calibri" panose="020F0502020204030204"/>
-              <a:ea typeface="+mn-ea"/>
-              <a:cs typeface="+mn-cs"/>
             </a:endParaRPr>
           </a:p>
         </p:txBody>
@@ -12990,7 +12409,7 @@
         </p:nvSpPr>
         <p:spPr>
           <a:xfrm>
-            <a:off x="12789380" y="4339441"/>
+            <a:off x="12789381" y="2053441"/>
             <a:ext cx="885403" cy="1088466"/>
           </a:xfrm>
           <a:prstGeom prst="rect">
@@ -13025,36 +12444,15 @@
           <a:bodyPr rtlCol="0" anchor="ctr"/>
           <a:lstStyle/>
           <a:p>
-            <a:pPr marL="0" marR="0" lvl="0" indent="0" algn="ctr" defTabSz="457200" rtl="0" eaLnBrk="1" fontAlgn="auto" latinLnBrk="0" hangingPunct="1">
-              <a:lnSpc>
-                <a:spcPct val="100000"/>
-              </a:lnSpc>
-              <a:spcBef>
-                <a:spcPts val="0"/>
-              </a:spcBef>
-              <a:spcAft>
-                <a:spcPts val="0"/>
-              </a:spcAft>
+            <a:pPr algn="ctr" defTabSz="457200">
               <a:buClrTx/>
-              <a:buSzTx/>
-              <a:buFontTx/>
-              <a:buNone/>
-              <a:tabLst/>
               <a:defRPr/>
             </a:pPr>
-            <a:endParaRPr kumimoji="0" lang="en-US" sz="1800" b="0" i="0" u="none" strike="noStrike" kern="1200" cap="none" spc="0" normalizeH="0" baseline="0" noProof="0">
-              <a:ln>
-                <a:noFill/>
-              </a:ln>
+            <a:endParaRPr lang="en-US" sz="1800" kern="1200">
               <a:solidFill>
                 <a:prstClr val="white"/>
               </a:solidFill>
-              <a:effectLst/>
-              <a:uLnTx/>
-              <a:uFillTx/>
               <a:latin typeface="Calibri" panose="020F0502020204030204"/>
-              <a:ea typeface="+mn-ea"/>
-              <a:cs typeface="+mn-cs"/>
             </a:endParaRPr>
           </a:p>
         </p:txBody>
@@ -13073,7 +12471,7 @@
         </p:nvSpPr>
         <p:spPr>
           <a:xfrm>
-            <a:off x="12439482" y="4398928"/>
+            <a:off x="12439483" y="2112928"/>
             <a:ext cx="548679" cy="960120"/>
           </a:xfrm>
           <a:prstGeom prst="rect">
@@ -13108,36 +12506,15 @@
           <a:bodyPr rtlCol="0" anchor="ctr"/>
           <a:lstStyle/>
           <a:p>
-            <a:pPr marL="0" marR="0" lvl="0" indent="0" algn="ctr" defTabSz="457200" rtl="0" eaLnBrk="1" fontAlgn="auto" latinLnBrk="0" hangingPunct="1">
-              <a:lnSpc>
-                <a:spcPct val="100000"/>
-              </a:lnSpc>
-              <a:spcBef>
-                <a:spcPts val="0"/>
-              </a:spcBef>
-              <a:spcAft>
-                <a:spcPts val="0"/>
-              </a:spcAft>
+            <a:pPr algn="ctr" defTabSz="457200">
               <a:buClrTx/>
-              <a:buSzTx/>
-              <a:buFontTx/>
-              <a:buNone/>
-              <a:tabLst/>
               <a:defRPr/>
             </a:pPr>
-            <a:endParaRPr kumimoji="0" lang="en-US" sz="1800" b="0" i="0" u="none" strike="noStrike" kern="1200" cap="none" spc="0" normalizeH="0" baseline="0" noProof="0">
-              <a:ln>
-                <a:noFill/>
-              </a:ln>
+            <a:endParaRPr lang="en-US" sz="1800" kern="1200">
               <a:solidFill>
                 <a:prstClr val="white"/>
               </a:solidFill>
-              <a:effectLst/>
-              <a:uLnTx/>
-              <a:uFillTx/>
               <a:latin typeface="Calibri" panose="020F0502020204030204"/>
-              <a:ea typeface="+mn-ea"/>
-              <a:cs typeface="+mn-cs"/>
             </a:endParaRPr>
           </a:p>
         </p:txBody>
@@ -13156,7 +12533,7 @@
         </p:nvSpPr>
         <p:spPr>
           <a:xfrm>
-            <a:off x="14881637" y="11855979"/>
+            <a:off x="14881638" y="9569979"/>
             <a:ext cx="419323" cy="726462"/>
           </a:xfrm>
           <a:prstGeom prst="rect">
@@ -13191,36 +12568,15 @@
           <a:bodyPr rtlCol="0" anchor="ctr"/>
           <a:lstStyle/>
           <a:p>
-            <a:pPr marL="0" marR="0" lvl="0" indent="0" algn="ctr" defTabSz="457200" rtl="0" eaLnBrk="1" fontAlgn="auto" latinLnBrk="0" hangingPunct="1">
-              <a:lnSpc>
-                <a:spcPct val="100000"/>
-              </a:lnSpc>
-              <a:spcBef>
-                <a:spcPts val="0"/>
-              </a:spcBef>
-              <a:spcAft>
-                <a:spcPts val="0"/>
-              </a:spcAft>
+            <a:pPr algn="ctr" defTabSz="457200">
               <a:buClrTx/>
-              <a:buSzTx/>
-              <a:buFontTx/>
-              <a:buNone/>
-              <a:tabLst/>
               <a:defRPr/>
             </a:pPr>
-            <a:endParaRPr kumimoji="0" lang="en-US" sz="1800" b="0" i="0" u="none" strike="noStrike" kern="1200" cap="none" spc="0" normalizeH="0" baseline="0" noProof="0">
-              <a:ln>
-                <a:noFill/>
-              </a:ln>
+            <a:endParaRPr lang="en-US" sz="1800" kern="1200">
               <a:solidFill>
                 <a:prstClr val="white"/>
               </a:solidFill>
-              <a:effectLst/>
-              <a:uLnTx/>
-              <a:uFillTx/>
               <a:latin typeface="Calibri" panose="020F0502020204030204"/>
-              <a:ea typeface="+mn-ea"/>
-              <a:cs typeface="+mn-cs"/>
             </a:endParaRPr>
           </a:p>
         </p:txBody>
@@ -13239,7 +12595,7 @@
         </p:nvSpPr>
         <p:spPr>
           <a:xfrm>
-            <a:off x="11261606" y="10226633"/>
+            <a:off x="11261606" y="7940634"/>
             <a:ext cx="2821606" cy="769441"/>
           </a:xfrm>
           <a:prstGeom prst="rect">
@@ -13298,7 +12654,7 @@
         </p:nvSpPr>
         <p:spPr>
           <a:xfrm>
-            <a:off x="9758894" y="5290506"/>
+            <a:off x="9758895" y="3004506"/>
             <a:ext cx="2250937" cy="707886"/>
           </a:xfrm>
           <a:prstGeom prst="rect">
@@ -13357,7 +12713,7 @@
         </p:nvSpPr>
         <p:spPr>
           <a:xfrm>
-            <a:off x="5021439" y="8074822"/>
+            <a:off x="5021439" y="5788822"/>
             <a:ext cx="1483098" cy="400110"/>
           </a:xfrm>
           <a:prstGeom prst="rect">
@@ -13397,7 +12753,7 @@
         </p:nvSpPr>
         <p:spPr>
           <a:xfrm>
-            <a:off x="11861387" y="13459438"/>
+            <a:off x="11861387" y="11173439"/>
             <a:ext cx="1483098" cy="646331"/>
           </a:xfrm>
           <a:prstGeom prst="rect">
@@ -13438,7 +12794,7 @@
         </p:nvSpPr>
         <p:spPr>
           <a:xfrm>
-            <a:off x="15701960" y="4339441"/>
+            <a:off x="15701961" y="2053442"/>
             <a:ext cx="515133" cy="575459"/>
           </a:xfrm>
           <a:prstGeom prst="rect">
@@ -13461,34 +12817,14 @@
           <a:bodyPr rtlCol="0" anchor="ctr"/>
           <a:lstStyle/>
           <a:p>
-            <a:pPr marL="0" marR="0" lvl="0" indent="0" algn="ctr" defTabSz="914400" eaLnBrk="1" fontAlgn="auto" latinLnBrk="0" hangingPunct="1">
-              <a:lnSpc>
-                <a:spcPct val="100000"/>
-              </a:lnSpc>
-              <a:spcBef>
-                <a:spcPts val="0"/>
-              </a:spcBef>
-              <a:spcAft>
-                <a:spcPts val="0"/>
-              </a:spcAft>
+            <a:pPr algn="ctr">
               <a:buClrTx/>
-              <a:buSzTx/>
-              <a:buFontTx/>
-              <a:buNone/>
-              <a:tabLst/>
               <a:defRPr/>
             </a:pPr>
-            <a:endParaRPr kumimoji="0" lang="en-US" sz="1800" b="0" i="0" u="none" strike="noStrike" kern="0" cap="none" spc="0" normalizeH="0" baseline="0" noProof="0">
-              <a:ln>
-                <a:noFill/>
-              </a:ln>
+            <a:endParaRPr lang="en-US" sz="1800">
               <a:solidFill>
                 <a:srgbClr val="FFE183"/>
               </a:solidFill>
-              <a:effectLst/>
-              <a:uLnTx/>
-              <a:uFillTx/>
-              <a:latin typeface="Arial"/>
               <a:ea typeface="+mn-ea"/>
               <a:cs typeface="+mn-cs"/>
             </a:endParaRPr>
@@ -13509,7 +12845,7 @@
         </p:nvSpPr>
         <p:spPr>
           <a:xfrm>
-            <a:off x="15701960" y="4920948"/>
+            <a:off x="15701961" y="2634949"/>
             <a:ext cx="515133" cy="575459"/>
           </a:xfrm>
           <a:prstGeom prst="rect">
@@ -13532,34 +12868,14 @@
           <a:bodyPr rtlCol="0" anchor="ctr"/>
           <a:lstStyle/>
           <a:p>
-            <a:pPr marL="0" marR="0" lvl="0" indent="0" algn="ctr" defTabSz="914400" eaLnBrk="1" fontAlgn="auto" latinLnBrk="0" hangingPunct="1">
-              <a:lnSpc>
-                <a:spcPct val="100000"/>
-              </a:lnSpc>
-              <a:spcBef>
-                <a:spcPts val="0"/>
-              </a:spcBef>
-              <a:spcAft>
-                <a:spcPts val="0"/>
-              </a:spcAft>
+            <a:pPr algn="ctr">
               <a:buClrTx/>
-              <a:buSzTx/>
-              <a:buFontTx/>
-              <a:buNone/>
-              <a:tabLst/>
               <a:defRPr/>
             </a:pPr>
-            <a:endParaRPr kumimoji="0" lang="en-US" sz="1800" b="0" i="0" u="none" strike="noStrike" kern="0" cap="none" spc="0" normalizeH="0" baseline="0" noProof="0">
-              <a:ln>
-                <a:noFill/>
-              </a:ln>
+            <a:endParaRPr lang="en-US" sz="1800">
               <a:solidFill>
                 <a:srgbClr val="FFE183"/>
               </a:solidFill>
-              <a:effectLst/>
-              <a:uLnTx/>
-              <a:uFillTx/>
-              <a:latin typeface="Arial"/>
               <a:ea typeface="+mn-ea"/>
               <a:cs typeface="+mn-cs"/>
             </a:endParaRPr>
@@ -13580,7 +12896,7 @@
         </p:nvSpPr>
         <p:spPr>
           <a:xfrm>
-            <a:off x="15701960" y="5505812"/>
+            <a:off x="15701961" y="3219813"/>
             <a:ext cx="515133" cy="575459"/>
           </a:xfrm>
           <a:prstGeom prst="rect">
@@ -13603,34 +12919,14 @@
           <a:bodyPr rtlCol="0" anchor="ctr"/>
           <a:lstStyle/>
           <a:p>
-            <a:pPr marL="0" marR="0" lvl="0" indent="0" algn="ctr" defTabSz="914400" eaLnBrk="1" fontAlgn="auto" latinLnBrk="0" hangingPunct="1">
-              <a:lnSpc>
-                <a:spcPct val="100000"/>
-              </a:lnSpc>
-              <a:spcBef>
-                <a:spcPts val="0"/>
-              </a:spcBef>
-              <a:spcAft>
-                <a:spcPts val="0"/>
-              </a:spcAft>
+            <a:pPr algn="ctr">
               <a:buClrTx/>
-              <a:buSzTx/>
-              <a:buFontTx/>
-              <a:buNone/>
-              <a:tabLst/>
               <a:defRPr/>
             </a:pPr>
-            <a:endParaRPr kumimoji="0" lang="en-US" sz="1800" b="0" i="0" u="none" strike="noStrike" kern="0" cap="none" spc="0" normalizeH="0" baseline="0" noProof="0">
-              <a:ln>
-                <a:noFill/>
-              </a:ln>
+            <a:endParaRPr lang="en-US" sz="1800">
               <a:solidFill>
                 <a:srgbClr val="FFE183"/>
               </a:solidFill>
-              <a:effectLst/>
-              <a:uLnTx/>
-              <a:uFillTx/>
-              <a:latin typeface="Arial"/>
               <a:ea typeface="+mn-ea"/>
               <a:cs typeface="+mn-cs"/>
             </a:endParaRPr>
@@ -13651,7 +12947,7 @@
         </p:nvSpPr>
         <p:spPr>
           <a:xfrm>
-            <a:off x="15702065" y="6848318"/>
+            <a:off x="15702066" y="4562319"/>
             <a:ext cx="916783" cy="540143"/>
           </a:xfrm>
           <a:prstGeom prst="rect">
@@ -13674,34 +12970,14 @@
           <a:bodyPr rtlCol="0" anchor="ctr"/>
           <a:lstStyle/>
           <a:p>
-            <a:pPr marL="0" marR="0" lvl="0" indent="0" algn="ctr" defTabSz="914400" eaLnBrk="1" fontAlgn="auto" latinLnBrk="0" hangingPunct="1">
-              <a:lnSpc>
-                <a:spcPct val="100000"/>
-              </a:lnSpc>
-              <a:spcBef>
-                <a:spcPts val="0"/>
-              </a:spcBef>
-              <a:spcAft>
-                <a:spcPts val="0"/>
-              </a:spcAft>
+            <a:pPr algn="ctr">
               <a:buClrTx/>
-              <a:buSzTx/>
-              <a:buFontTx/>
-              <a:buNone/>
-              <a:tabLst/>
               <a:defRPr/>
             </a:pPr>
-            <a:endParaRPr kumimoji="0" lang="en-US" sz="1800" b="0" i="0" u="none" strike="noStrike" kern="0" cap="none" spc="0" normalizeH="0" baseline="0" noProof="0">
-              <a:ln>
-                <a:noFill/>
-              </a:ln>
+            <a:endParaRPr lang="en-US" sz="1800">
               <a:solidFill>
                 <a:srgbClr val="FFE183"/>
               </a:solidFill>
-              <a:effectLst/>
-              <a:uLnTx/>
-              <a:uFillTx/>
-              <a:latin typeface="Arial"/>
               <a:ea typeface="+mn-ea"/>
               <a:cs typeface="+mn-cs"/>
             </a:endParaRPr>
@@ -13722,7 +12998,7 @@
         </p:nvSpPr>
         <p:spPr>
           <a:xfrm>
-            <a:off x="904789" y="9323331"/>
+            <a:off x="904790" y="7037332"/>
             <a:ext cx="5599747" cy="2895879"/>
           </a:xfrm>
           <a:prstGeom prst="rect">
@@ -13745,40 +13021,10 @@
           <a:bodyPr rtlCol="0" anchor="t"/>
           <a:lstStyle/>
           <a:p>
-            <a:pPr marL="0" marR="0" lvl="0" indent="0" defTabSz="914400" eaLnBrk="1" fontAlgn="auto" latinLnBrk="0" hangingPunct="1">
-              <a:lnSpc>
-                <a:spcPct val="100000"/>
-              </a:lnSpc>
-              <a:spcBef>
-                <a:spcPts val="0"/>
-              </a:spcBef>
-              <a:spcAft>
-                <a:spcPts val="0"/>
-              </a:spcAft>
+            <a:pPr>
               <a:buClrTx/>
-              <a:buSzTx/>
-              <a:buFontTx/>
-              <a:buNone/>
-              <a:tabLst/>
               <a:defRPr/>
             </a:pPr>
-            <a:r>
-              <a:rPr kumimoji="0" lang="en-US" sz="2800" b="1" i="0" u="sng" strike="noStrike" kern="0" cap="none" spc="0" normalizeH="0" baseline="0" noProof="0" dirty="0">
-                <a:ln>
-                  <a:noFill/>
-                </a:ln>
-                <a:solidFill>
-                  <a:schemeClr val="bg1"/>
-                </a:solidFill>
-                <a:effectLst/>
-                <a:uLnTx/>
-                <a:uFillTx/>
-                <a:latin typeface="Exo 2" panose="020B0604020202020204" charset="0"/>
-                <a:ea typeface="+mn-ea"/>
-                <a:cs typeface="+mn-cs"/>
-              </a:rPr>
-              <a:t>Raff</a:t>
-            </a:r>
             <a:r>
               <a:rPr lang="en-US" sz="2800" b="1" u="sng" dirty="0">
                 <a:solidFill>
@@ -13788,25 +13034,12 @@
                 <a:ea typeface="+mn-ea"/>
                 <a:cs typeface="+mn-cs"/>
               </a:rPr>
-              <a:t>le Rooms</a:t>
+              <a:t>Raffle Rooms</a:t>
             </a:r>
           </a:p>
           <a:p>
-            <a:pPr marL="0" marR="0" lvl="0" indent="0" defTabSz="914400" eaLnBrk="1" fontAlgn="auto" latinLnBrk="0" hangingPunct="1">
-              <a:lnSpc>
-                <a:spcPct val="100000"/>
-              </a:lnSpc>
-              <a:spcBef>
-                <a:spcPts val="0"/>
-              </a:spcBef>
-              <a:spcAft>
-                <a:spcPts val="0"/>
-              </a:spcAft>
+            <a:pPr>
               <a:buClrTx/>
-              <a:buSzTx/>
-              <a:buFontTx/>
-              <a:buNone/>
-              <a:tabLst/>
               <a:defRPr/>
             </a:pPr>
             <a:r>
@@ -13822,21 +13055,8 @@
             </a:r>
           </a:p>
           <a:p>
-            <a:pPr marL="0" marR="0" lvl="0" indent="0" defTabSz="914400" eaLnBrk="1" fontAlgn="auto" latinLnBrk="0" hangingPunct="1">
-              <a:lnSpc>
-                <a:spcPct val="100000"/>
-              </a:lnSpc>
-              <a:spcBef>
-                <a:spcPts val="0"/>
-              </a:spcBef>
-              <a:spcAft>
-                <a:spcPts val="0"/>
-              </a:spcAft>
+            <a:pPr>
               <a:buClrTx/>
-              <a:buSzTx/>
-              <a:buFontTx/>
-              <a:buNone/>
-              <a:tabLst/>
               <a:defRPr/>
             </a:pPr>
             <a:r>
@@ -13852,21 +13072,8 @@
             </a:r>
           </a:p>
           <a:p>
-            <a:pPr marL="0" marR="0" lvl="0" indent="0" defTabSz="914400" eaLnBrk="1" fontAlgn="auto" latinLnBrk="0" hangingPunct="1">
-              <a:lnSpc>
-                <a:spcPct val="100000"/>
-              </a:lnSpc>
-              <a:spcBef>
-                <a:spcPts val="0"/>
-              </a:spcBef>
-              <a:spcAft>
-                <a:spcPts val="0"/>
-              </a:spcAft>
+            <a:pPr>
               <a:buClrTx/>
-              <a:buSzTx/>
-              <a:buFontTx/>
-              <a:buNone/>
-              <a:tabLst/>
               <a:defRPr/>
             </a:pPr>
             <a:r>
@@ -13882,21 +13089,8 @@
             </a:r>
           </a:p>
           <a:p>
-            <a:pPr marL="0" marR="0" lvl="0" indent="0" defTabSz="914400" eaLnBrk="1" fontAlgn="auto" latinLnBrk="0" hangingPunct="1">
-              <a:lnSpc>
-                <a:spcPct val="100000"/>
-              </a:lnSpc>
-              <a:spcBef>
-                <a:spcPts val="0"/>
-              </a:spcBef>
-              <a:spcAft>
-                <a:spcPts val="0"/>
-              </a:spcAft>
+            <a:pPr>
               <a:buClrTx/>
-              <a:buSzTx/>
-              <a:buFontTx/>
-              <a:buNone/>
-              <a:tabLst/>
               <a:defRPr/>
             </a:pPr>
             <a:r>
@@ -13912,21 +13106,8 @@
             </a:r>
           </a:p>
           <a:p>
-            <a:pPr marL="0" marR="0" lvl="0" indent="0" defTabSz="914400" eaLnBrk="1" fontAlgn="auto" latinLnBrk="0" hangingPunct="1">
-              <a:lnSpc>
-                <a:spcPct val="100000"/>
-              </a:lnSpc>
-              <a:spcBef>
-                <a:spcPts val="0"/>
-              </a:spcBef>
-              <a:spcAft>
-                <a:spcPts val="0"/>
-              </a:spcAft>
+            <a:pPr>
               <a:buClrTx/>
-              <a:buSzTx/>
-              <a:buFontTx/>
-              <a:buNone/>
-              <a:tabLst/>
               <a:defRPr/>
             </a:pPr>
             <a:r>
@@ -13942,21 +13123,8 @@
             </a:r>
           </a:p>
           <a:p>
-            <a:pPr marL="0" marR="0" lvl="0" indent="0" defTabSz="914400" eaLnBrk="1" fontAlgn="auto" latinLnBrk="0" hangingPunct="1">
-              <a:lnSpc>
-                <a:spcPct val="100000"/>
-              </a:lnSpc>
-              <a:spcBef>
-                <a:spcPts val="0"/>
-              </a:spcBef>
-              <a:spcAft>
-                <a:spcPts val="0"/>
-              </a:spcAft>
+            <a:pPr>
               <a:buClrTx/>
-              <a:buSzTx/>
-              <a:buFontTx/>
-              <a:buNone/>
-              <a:tabLst/>
               <a:defRPr/>
             </a:pPr>
             <a:r>
@@ -13972,21 +13140,8 @@
             </a:r>
           </a:p>
           <a:p>
-            <a:pPr marL="0" marR="0" lvl="0" indent="0" defTabSz="914400" eaLnBrk="1" fontAlgn="auto" latinLnBrk="0" hangingPunct="1">
-              <a:lnSpc>
-                <a:spcPct val="100000"/>
-              </a:lnSpc>
-              <a:spcBef>
-                <a:spcPts val="0"/>
-              </a:spcBef>
-              <a:spcAft>
-                <a:spcPts val="0"/>
-              </a:spcAft>
+            <a:pPr>
               <a:buClrTx/>
-              <a:buSzTx/>
-              <a:buFontTx/>
-              <a:buNone/>
-              <a:tabLst/>
               <a:defRPr/>
             </a:pPr>
             <a:endParaRPr lang="en-US" sz="2400" dirty="0">
@@ -13999,33 +13154,14 @@
             </a:endParaRPr>
           </a:p>
           <a:p>
-            <a:pPr marL="0" marR="0" lvl="0" indent="0" defTabSz="914400" eaLnBrk="1" fontAlgn="auto" latinLnBrk="0" hangingPunct="1">
-              <a:lnSpc>
-                <a:spcPct val="100000"/>
-              </a:lnSpc>
-              <a:spcBef>
-                <a:spcPts val="0"/>
-              </a:spcBef>
-              <a:spcAft>
-                <a:spcPts val="0"/>
-              </a:spcAft>
+            <a:pPr>
               <a:buClrTx/>
-              <a:buSzTx/>
-              <a:buFontTx/>
-              <a:buNone/>
-              <a:tabLst/>
               <a:defRPr/>
             </a:pPr>
-            <a:endParaRPr kumimoji="0" lang="en-US" sz="2800" b="1" i="0" u="sng" strike="noStrike" kern="0" cap="none" spc="0" normalizeH="0" baseline="0" noProof="0" dirty="0">
-              <a:ln>
-                <a:noFill/>
-              </a:ln>
+            <a:endParaRPr lang="en-US" sz="2800" b="1" u="sng" dirty="0">
               <a:solidFill>
                 <a:schemeClr val="bg1"/>
               </a:solidFill>
-              <a:effectLst/>
-              <a:uLnTx/>
-              <a:uFillTx/>
               <a:latin typeface="Exo 2" panose="020B0604020202020204" charset="0"/>
               <a:ea typeface="+mn-ea"/>
               <a:cs typeface="+mn-cs"/>
@@ -14047,7 +13183,7 @@
         </p:nvSpPr>
         <p:spPr>
           <a:xfrm>
-            <a:off x="12931209" y="8186447"/>
+            <a:off x="12931209" y="5900447"/>
             <a:ext cx="1350050" cy="400110"/>
           </a:xfrm>
           <a:prstGeom prst="rect">
@@ -14091,7 +13227,7 @@
         </p:nvSpPr>
         <p:spPr>
           <a:xfrm>
-            <a:off x="8656579" y="12027440"/>
+            <a:off x="8656580" y="9741440"/>
             <a:ext cx="1479893" cy="707886"/>
           </a:xfrm>
           <a:prstGeom prst="rect">
@@ -14150,7 +13286,7 @@
         </p:nvSpPr>
         <p:spPr>
           <a:xfrm rot="18746860">
-            <a:off x="15239262" y="12631673"/>
+            <a:off x="15239262" y="10345673"/>
             <a:ext cx="1479892" cy="400110"/>
           </a:xfrm>
           <a:prstGeom prst="rect">
@@ -14194,7 +13330,7 @@
         </p:nvSpPr>
         <p:spPr>
           <a:xfrm>
-            <a:off x="15931302" y="10754536"/>
+            <a:off x="15931302" y="8468536"/>
             <a:ext cx="1220206" cy="338554"/>
           </a:xfrm>
           <a:prstGeom prst="rect">
@@ -14238,7 +13374,7 @@
         </p:nvSpPr>
         <p:spPr>
           <a:xfrm>
-            <a:off x="12563578" y="11965884"/>
+            <a:off x="12563579" y="9679885"/>
             <a:ext cx="1087397" cy="830997"/>
           </a:xfrm>
           <a:prstGeom prst="rect">
@@ -14279,7 +13415,7 @@
         </p:nvSpPr>
         <p:spPr>
           <a:xfrm>
-            <a:off x="12214018" y="15141644"/>
+            <a:off x="12214019" y="12855644"/>
             <a:ext cx="916783" cy="550132"/>
           </a:xfrm>
           <a:prstGeom prst="rect">
@@ -14314,34 +13450,15 @@
           <a:bodyPr rtlCol="0" anchor="ctr"/>
           <a:lstStyle/>
           <a:p>
-            <a:pPr marL="0" marR="0" lvl="0" indent="0" algn="ctr" defTabSz="457200" rtl="0" eaLnBrk="1" fontAlgn="auto" latinLnBrk="0" hangingPunct="1">
-              <a:lnSpc>
-                <a:spcPct val="100000"/>
-              </a:lnSpc>
-              <a:spcBef>
-                <a:spcPts val="0"/>
-              </a:spcBef>
-              <a:spcAft>
-                <a:spcPts val="0"/>
-              </a:spcAft>
+            <a:pPr algn="ctr" defTabSz="457200">
               <a:buClrTx/>
-              <a:buSzTx/>
-              <a:buFontTx/>
-              <a:buNone/>
-              <a:tabLst/>
               <a:defRPr/>
             </a:pPr>
             <a:r>
-              <a:rPr kumimoji="0" lang="en-US" sz="1600" b="1" i="0" u="none" strike="noStrike" kern="1200" cap="none" spc="0" normalizeH="0" baseline="0" noProof="0" dirty="0">
-                <a:ln>
-                  <a:noFill/>
-                </a:ln>
+              <a:rPr lang="en-US" sz="1600" b="1" kern="1200" dirty="0">
                 <a:solidFill>
                   <a:prstClr val="white"/>
                 </a:solidFill>
-                <a:effectLst/>
-                <a:uLnTx/>
-                <a:uFillTx/>
                 <a:latin typeface="Exo 2" panose="020B0604020202020204" charset="0"/>
               </a:rPr>
               <a:t>Break Room</a:t>
@@ -14363,7 +13480,7 @@
         </p:nvSpPr>
         <p:spPr>
           <a:xfrm>
-            <a:off x="11184393" y="14768326"/>
+            <a:off x="11184394" y="12482326"/>
             <a:ext cx="696107" cy="684092"/>
           </a:xfrm>
           <a:prstGeom prst="rect">
@@ -14382,34 +13499,14 @@
           <a:bodyPr rtlCol="0" anchor="ctr"/>
           <a:lstStyle/>
           <a:p>
-            <a:pPr marL="0" marR="0" lvl="0" indent="0" algn="ctr" defTabSz="914400" eaLnBrk="1" fontAlgn="auto" latinLnBrk="0" hangingPunct="1">
-              <a:lnSpc>
-                <a:spcPct val="100000"/>
-              </a:lnSpc>
-              <a:spcBef>
-                <a:spcPts val="0"/>
-              </a:spcBef>
-              <a:spcAft>
-                <a:spcPts val="0"/>
-              </a:spcAft>
+            <a:pPr algn="ctr">
               <a:buClrTx/>
-              <a:buSzTx/>
-              <a:buFontTx/>
-              <a:buNone/>
-              <a:tabLst/>
               <a:defRPr/>
             </a:pPr>
-            <a:endParaRPr kumimoji="0" lang="en-US" sz="1800" b="0" i="0" u="none" strike="noStrike" kern="0" cap="none" spc="0" normalizeH="0" baseline="0" noProof="0">
-              <a:ln>
-                <a:noFill/>
-              </a:ln>
+            <a:endParaRPr lang="en-US" sz="1800">
               <a:solidFill>
                 <a:srgbClr val="FFE183"/>
               </a:solidFill>
-              <a:effectLst/>
-              <a:uLnTx/>
-              <a:uFillTx/>
-              <a:latin typeface="Arial"/>
               <a:ea typeface="+mn-ea"/>
               <a:cs typeface="+mn-cs"/>
             </a:endParaRPr>
@@ -14430,7 +13527,7 @@
         </p:nvSpPr>
         <p:spPr>
           <a:xfrm rot="10800000">
-            <a:off x="10908821" y="14560994"/>
+            <a:off x="10908821" y="12274995"/>
             <a:ext cx="649516" cy="620997"/>
           </a:xfrm>
           <a:prstGeom prst="snip1Rect">
@@ -14486,7 +13583,7 @@
         </p:nvSpPr>
         <p:spPr>
           <a:xfrm rot="5400000">
-            <a:off x="13636716" y="14536968"/>
+            <a:off x="13636716" y="12250969"/>
             <a:ext cx="649516" cy="620997"/>
           </a:xfrm>
           <a:prstGeom prst="snip1Rect">
@@ -14542,7 +13639,7 @@
         </p:nvSpPr>
         <p:spPr>
           <a:xfrm>
-            <a:off x="898620" y="14614640"/>
+            <a:off x="898620" y="12328640"/>
             <a:ext cx="5599746" cy="833170"/>
           </a:xfrm>
           <a:prstGeom prst="rect">
@@ -14577,34 +13674,15 @@
           <a:bodyPr rtlCol="0" anchor="ctr"/>
           <a:lstStyle/>
           <a:p>
-            <a:pPr marL="0" marR="0" lvl="0" indent="0" algn="ctr" defTabSz="457200" rtl="0" eaLnBrk="1" fontAlgn="auto" latinLnBrk="0" hangingPunct="1">
-              <a:lnSpc>
-                <a:spcPct val="100000"/>
-              </a:lnSpc>
-              <a:spcBef>
-                <a:spcPts val="0"/>
-              </a:spcBef>
-              <a:spcAft>
-                <a:spcPts val="0"/>
-              </a:spcAft>
+            <a:pPr algn="ctr" defTabSz="457200">
               <a:buClrTx/>
-              <a:buSzTx/>
-              <a:buFontTx/>
-              <a:buNone/>
-              <a:tabLst/>
               <a:defRPr/>
             </a:pPr>
             <a:r>
-              <a:rPr kumimoji="0" lang="en-US" sz="2800" b="1" i="0" u="none" strike="noStrike" kern="1200" cap="none" spc="0" normalizeH="0" baseline="0" noProof="0" dirty="0">
-                <a:ln>
-                  <a:noFill/>
-                </a:ln>
+              <a:rPr lang="en-US" sz="2800" b="1" kern="1200" dirty="0">
                 <a:solidFill>
                   <a:schemeClr val="tx1"/>
                 </a:solidFill>
-                <a:effectLst/>
-                <a:uLnTx/>
-                <a:uFillTx/>
                 <a:latin typeface="Exo 2" panose="020B0604020202020204" charset="0"/>
               </a:rPr>
               <a:t>Quiet Rooms</a:t>
@@ -14626,7 +13704,7 @@
         </p:nvSpPr>
         <p:spPr>
           <a:xfrm>
-            <a:off x="12362803" y="11309592"/>
+            <a:off x="12362804" y="9023592"/>
             <a:ext cx="1042273" cy="369332"/>
           </a:xfrm>
           <a:prstGeom prst="rect">
@@ -14666,7 +13744,7 @@
         </p:nvSpPr>
         <p:spPr>
           <a:xfrm>
-            <a:off x="904790" y="12687661"/>
+            <a:off x="904790" y="10401661"/>
             <a:ext cx="5599746" cy="1401162"/>
           </a:xfrm>
           <a:prstGeom prst="rect">
@@ -14701,89 +13779,38 @@
           <a:bodyPr rtlCol="0" anchor="t"/>
           <a:lstStyle/>
           <a:p>
-            <a:pPr marL="0" marR="0" lvl="0" indent="0" defTabSz="457200" rtl="0" eaLnBrk="1" fontAlgn="auto" latinLnBrk="0" hangingPunct="1">
-              <a:lnSpc>
-                <a:spcPct val="100000"/>
-              </a:lnSpc>
-              <a:spcBef>
-                <a:spcPts val="0"/>
-              </a:spcBef>
-              <a:spcAft>
-                <a:spcPts val="0"/>
-              </a:spcAft>
+            <a:pPr defTabSz="457200">
               <a:buClrTx/>
-              <a:buSzTx/>
-              <a:buFontTx/>
-              <a:buNone/>
-              <a:tabLst/>
               <a:defRPr/>
             </a:pPr>
             <a:r>
-              <a:rPr kumimoji="0" lang="en-US" sz="2800" b="1" i="0" u="sng" strike="noStrike" kern="1200" cap="none" spc="0" normalizeH="0" baseline="0" noProof="0" dirty="0">
-                <a:ln>
-                  <a:noFill/>
-                </a:ln>
+              <a:rPr lang="en-US" sz="2800" b="1" u="sng" kern="1200" dirty="0">
                 <a:solidFill>
                   <a:prstClr val="white"/>
                 </a:solidFill>
-                <a:effectLst/>
-                <a:uLnTx/>
-                <a:uFillTx/>
                 <a:latin typeface="Exo 2" panose="020B0604020202020204" charset="0"/>
               </a:rPr>
               <a:t>Mentor Rooms</a:t>
             </a:r>
           </a:p>
           <a:p>
-            <a:pPr marL="0" marR="0" lvl="0" indent="0" defTabSz="457200" rtl="0" eaLnBrk="1" fontAlgn="auto" latinLnBrk="0" hangingPunct="1">
-              <a:lnSpc>
-                <a:spcPct val="100000"/>
-              </a:lnSpc>
-              <a:spcBef>
-                <a:spcPts val="0"/>
-              </a:spcBef>
-              <a:spcAft>
-                <a:spcPts val="0"/>
-              </a:spcAft>
+            <a:pPr defTabSz="457200">
               <a:buClrTx/>
-              <a:buSzTx/>
-              <a:buFontTx/>
-              <a:buNone/>
-              <a:tabLst/>
               <a:defRPr/>
             </a:pPr>
             <a:r>
-              <a:rPr kumimoji="0" lang="en-US" sz="2400" i="0" strike="noStrike" kern="1200" cap="none" spc="0" normalizeH="0" baseline="0" noProof="0" dirty="0">
-                <a:ln>
-                  <a:noFill/>
-                </a:ln>
+              <a:rPr lang="en-US" sz="2400" kern="1200" dirty="0">
                 <a:solidFill>
                   <a:prstClr val="white"/>
                 </a:solidFill>
-                <a:effectLst/>
-                <a:uLnTx/>
-                <a:uFillTx/>
                 <a:latin typeface="Exo 2" panose="020B0604020202020204" charset="0"/>
               </a:rPr>
               <a:t>Ohio University</a:t>
             </a:r>
           </a:p>
           <a:p>
-            <a:pPr marL="0" marR="0" lvl="0" indent="0" defTabSz="457200" rtl="0" eaLnBrk="1" fontAlgn="auto" latinLnBrk="0" hangingPunct="1">
-              <a:lnSpc>
-                <a:spcPct val="100000"/>
-              </a:lnSpc>
-              <a:spcBef>
-                <a:spcPts val="0"/>
-              </a:spcBef>
-              <a:spcAft>
-                <a:spcPts val="0"/>
-              </a:spcAft>
+            <a:pPr defTabSz="457200">
               <a:buClrTx/>
-              <a:buSzTx/>
-              <a:buFontTx/>
-              <a:buNone/>
-              <a:tabLst/>
               <a:defRPr/>
             </a:pPr>
             <a:r>
@@ -14795,18 +13822,6 @@
               </a:rPr>
               <a:t>Youngstown State University</a:t>
             </a:r>
-            <a:endParaRPr kumimoji="0" lang="en-US" sz="2400" i="0" strike="noStrike" kern="1200" cap="none" spc="0" normalizeH="0" baseline="0" noProof="0" dirty="0">
-              <a:ln>
-                <a:noFill/>
-              </a:ln>
-              <a:solidFill>
-                <a:prstClr val="white"/>
-              </a:solidFill>
-              <a:effectLst/>
-              <a:uLnTx/>
-              <a:uFillTx/>
-              <a:latin typeface="Exo 2" panose="020B0604020202020204" charset="0"/>
-            </a:endParaRPr>
           </a:p>
         </p:txBody>
       </p:sp>
@@ -14824,7 +13839,7 @@
         </p:nvSpPr>
         <p:spPr>
           <a:xfrm>
-            <a:off x="898620" y="7060517"/>
+            <a:off x="898621" y="4774518"/>
             <a:ext cx="5605917" cy="1809121"/>
           </a:xfrm>
           <a:prstGeom prst="rect">
@@ -14921,7 +13936,7 @@
         </p:nvSpPr>
         <p:spPr>
           <a:xfrm>
-            <a:off x="12751112" y="5946128"/>
+            <a:off x="12751113" y="3660128"/>
             <a:ext cx="1216975" cy="1342556"/>
           </a:xfrm>
           <a:prstGeom prst="rect">
@@ -14956,36 +13971,15 @@
           <a:bodyPr rtlCol="0" anchor="ctr"/>
           <a:lstStyle/>
           <a:p>
-            <a:pPr marL="0" marR="0" lvl="0" indent="0" algn="ctr" defTabSz="457200" rtl="0" eaLnBrk="1" fontAlgn="auto" latinLnBrk="0" hangingPunct="1">
-              <a:lnSpc>
-                <a:spcPct val="100000"/>
-              </a:lnSpc>
-              <a:spcBef>
-                <a:spcPts val="0"/>
-              </a:spcBef>
-              <a:spcAft>
-                <a:spcPts val="0"/>
-              </a:spcAft>
+            <a:pPr algn="ctr" defTabSz="457200">
               <a:buClrTx/>
-              <a:buSzTx/>
-              <a:buFontTx/>
-              <a:buNone/>
-              <a:tabLst/>
               <a:defRPr/>
             </a:pPr>
-            <a:endParaRPr kumimoji="0" lang="en-US" sz="1800" b="0" i="0" u="none" strike="noStrike" kern="1200" cap="none" spc="0" normalizeH="0" baseline="0" noProof="0">
-              <a:ln>
-                <a:noFill/>
-              </a:ln>
+            <a:endParaRPr lang="en-US" sz="1800" kern="1200">
               <a:solidFill>
                 <a:prstClr val="white"/>
               </a:solidFill>
-              <a:effectLst/>
-              <a:uLnTx/>
-              <a:uFillTx/>
               <a:latin typeface="Calibri" panose="020F0502020204030204"/>
-              <a:ea typeface="+mn-ea"/>
-              <a:cs typeface="+mn-cs"/>
             </a:endParaRPr>
           </a:p>
         </p:txBody>
@@ -15004,7 +13998,7 @@
         </p:nvSpPr>
         <p:spPr>
           <a:xfrm>
-            <a:off x="13973954" y="5946128"/>
+            <a:off x="13973955" y="3660128"/>
             <a:ext cx="1151451" cy="1342556"/>
           </a:xfrm>
           <a:prstGeom prst="rect">
@@ -15039,36 +14033,15 @@
           <a:bodyPr rtlCol="0" anchor="ctr"/>
           <a:lstStyle/>
           <a:p>
-            <a:pPr marL="0" marR="0" lvl="0" indent="0" algn="ctr" defTabSz="457200" rtl="0" eaLnBrk="1" fontAlgn="auto" latinLnBrk="0" hangingPunct="1">
-              <a:lnSpc>
-                <a:spcPct val="100000"/>
-              </a:lnSpc>
-              <a:spcBef>
-                <a:spcPts val="0"/>
-              </a:spcBef>
-              <a:spcAft>
-                <a:spcPts val="0"/>
-              </a:spcAft>
+            <a:pPr algn="ctr" defTabSz="457200">
               <a:buClrTx/>
-              <a:buSzTx/>
-              <a:buFontTx/>
-              <a:buNone/>
-              <a:tabLst/>
               <a:defRPr/>
             </a:pPr>
-            <a:endParaRPr kumimoji="0" lang="en-US" sz="1800" b="0" i="0" u="none" strike="noStrike" kern="1200" cap="none" spc="0" normalizeH="0" baseline="0" noProof="0">
-              <a:ln>
-                <a:noFill/>
-              </a:ln>
+            <a:endParaRPr lang="en-US" sz="1800" kern="1200">
               <a:solidFill>
                 <a:prstClr val="white"/>
               </a:solidFill>
-              <a:effectLst/>
-              <a:uLnTx/>
-              <a:uFillTx/>
               <a:latin typeface="Calibri" panose="020F0502020204030204"/>
-              <a:ea typeface="+mn-ea"/>
-              <a:cs typeface="+mn-cs"/>
             </a:endParaRPr>
           </a:p>
         </p:txBody>
@@ -15087,7 +14060,7 @@
         </p:nvSpPr>
         <p:spPr>
           <a:xfrm>
-            <a:off x="13722730" y="14619248"/>
+            <a:off x="13722731" y="12333249"/>
             <a:ext cx="401215" cy="345429"/>
           </a:xfrm>
           <a:prstGeom prst="rect">
@@ -15110,34 +14083,15 @@
           <a:bodyPr rtlCol="0" anchor="ctr"/>
           <a:lstStyle/>
           <a:p>
-            <a:pPr marL="0" marR="0" lvl="0" indent="0" algn="ctr" defTabSz="914400" eaLnBrk="1" fontAlgn="auto" latinLnBrk="0" hangingPunct="1">
-              <a:lnSpc>
-                <a:spcPct val="100000"/>
-              </a:lnSpc>
-              <a:spcBef>
-                <a:spcPts val="0"/>
-              </a:spcBef>
-              <a:spcAft>
-                <a:spcPts val="0"/>
-              </a:spcAft>
+            <a:pPr algn="ctr">
               <a:buClrTx/>
-              <a:buSzTx/>
-              <a:buFontTx/>
-              <a:buNone/>
-              <a:tabLst/>
               <a:defRPr/>
             </a:pPr>
             <a:r>
-              <a:rPr kumimoji="0" lang="en-US" sz="1400" b="1" i="0" u="none" strike="noStrike" kern="0" cap="none" spc="0" normalizeH="0" baseline="0" noProof="0" dirty="0">
-                <a:ln>
-                  <a:noFill/>
-                </a:ln>
+              <a:rPr lang="en-US" sz="1400" b="1" dirty="0">
                 <a:solidFill>
                   <a:srgbClr val="FFE183"/>
                 </a:solidFill>
-                <a:effectLst/>
-                <a:uLnTx/>
-                <a:uFillTx/>
                 <a:latin typeface="Exo 2" panose="020B0604020202020204" charset="0"/>
                 <a:ea typeface="+mn-ea"/>
                 <a:cs typeface="+mn-cs"/>
@@ -15161,7 +14115,7 @@
         </p:nvSpPr>
         <p:spPr>
           <a:xfrm>
-            <a:off x="915847" y="5832641"/>
+            <a:off x="915848" y="3546641"/>
             <a:ext cx="5582519" cy="833170"/>
           </a:xfrm>
           <a:prstGeom prst="rect">
@@ -15184,34 +14138,15 @@
           <a:bodyPr rtlCol="0" anchor="ctr"/>
           <a:lstStyle/>
           <a:p>
-            <a:pPr marL="0" marR="0" lvl="0" indent="0" algn="ctr" defTabSz="914400" eaLnBrk="1" fontAlgn="auto" latinLnBrk="0" hangingPunct="1">
-              <a:lnSpc>
-                <a:spcPct val="100000"/>
-              </a:lnSpc>
-              <a:spcBef>
-                <a:spcPts val="0"/>
-              </a:spcBef>
-              <a:spcAft>
-                <a:spcPts val="0"/>
-              </a:spcAft>
+            <a:pPr algn="ctr">
               <a:buClrTx/>
-              <a:buSzTx/>
-              <a:buFontTx/>
-              <a:buNone/>
-              <a:tabLst/>
               <a:defRPr/>
             </a:pPr>
             <a:r>
-              <a:rPr kumimoji="0" lang="en-US" sz="2800" b="1" i="0" u="none" strike="noStrike" kern="0" cap="none" spc="0" normalizeH="0" baseline="0" noProof="0" dirty="0">
-                <a:ln>
-                  <a:noFill/>
-                </a:ln>
+              <a:rPr lang="en-US" sz="2800" b="1" dirty="0">
                 <a:solidFill>
                   <a:srgbClr val="FFE183"/>
                 </a:solidFill>
-                <a:effectLst/>
-                <a:uLnTx/>
-                <a:uFillTx/>
                 <a:latin typeface="Exo 2" panose="020B0604020202020204" charset="0"/>
                 <a:ea typeface="+mn-ea"/>
                 <a:cs typeface="+mn-cs"/>
@@ -15235,7 +14170,7 @@
         </p:nvSpPr>
         <p:spPr>
           <a:xfrm>
-            <a:off x="12406659" y="4486257"/>
+            <a:off x="12406660" y="2200258"/>
             <a:ext cx="401215" cy="345429"/>
           </a:xfrm>
           <a:prstGeom prst="rect">
@@ -15258,21 +14193,8 @@
           <a:bodyPr rtlCol="0" anchor="ctr"/>
           <a:lstStyle/>
           <a:p>
-            <a:pPr marL="0" marR="0" lvl="0" indent="0" algn="ctr" defTabSz="914400" eaLnBrk="1" fontAlgn="auto" latinLnBrk="0" hangingPunct="1">
-              <a:lnSpc>
-                <a:spcPct val="100000"/>
-              </a:lnSpc>
-              <a:spcBef>
-                <a:spcPts val="0"/>
-              </a:spcBef>
-              <a:spcAft>
-                <a:spcPts val="0"/>
-              </a:spcAft>
+            <a:pPr algn="ctr">
               <a:buClrTx/>
-              <a:buSzTx/>
-              <a:buFontTx/>
-              <a:buNone/>
-              <a:tabLst/>
               <a:defRPr/>
             </a:pPr>
             <a:r>
@@ -15286,20 +14208,6 @@
               </a:rPr>
               <a:t>1</a:t>
             </a:r>
-            <a:endParaRPr kumimoji="0" lang="en-US" sz="1400" b="1" i="0" u="none" strike="noStrike" kern="0" cap="none" spc="0" normalizeH="0" baseline="0" noProof="0" dirty="0">
-              <a:ln>
-                <a:noFill/>
-              </a:ln>
-              <a:solidFill>
-                <a:srgbClr val="FFE183"/>
-              </a:solidFill>
-              <a:effectLst/>
-              <a:uLnTx/>
-              <a:uFillTx/>
-              <a:latin typeface="Exo 2" panose="020B0604020202020204" charset="0"/>
-              <a:ea typeface="+mn-ea"/>
-              <a:cs typeface="+mn-cs"/>
-            </a:endParaRPr>
           </a:p>
         </p:txBody>
       </p:sp>
@@ -15317,7 +14225,7 @@
         </p:nvSpPr>
         <p:spPr>
           <a:xfrm>
-            <a:off x="13007747" y="4486257"/>
+            <a:off x="13007748" y="2200258"/>
             <a:ext cx="401215" cy="345429"/>
           </a:xfrm>
           <a:prstGeom prst="rect">
@@ -15340,34 +14248,15 @@
           <a:bodyPr rtlCol="0" anchor="ctr"/>
           <a:lstStyle/>
           <a:p>
-            <a:pPr marL="0" marR="0" lvl="0" indent="0" algn="ctr" defTabSz="914400" eaLnBrk="1" fontAlgn="auto" latinLnBrk="0" hangingPunct="1">
-              <a:lnSpc>
-                <a:spcPct val="100000"/>
-              </a:lnSpc>
-              <a:spcBef>
-                <a:spcPts val="0"/>
-              </a:spcBef>
-              <a:spcAft>
-                <a:spcPts val="0"/>
-              </a:spcAft>
+            <a:pPr algn="ctr">
               <a:buClrTx/>
-              <a:buSzTx/>
-              <a:buFontTx/>
-              <a:buNone/>
-              <a:tabLst/>
               <a:defRPr/>
             </a:pPr>
             <a:r>
-              <a:rPr kumimoji="0" lang="en-US" sz="1400" b="1" i="0" u="none" strike="noStrike" kern="0" cap="none" spc="0" normalizeH="0" baseline="0" noProof="0" dirty="0">
-                <a:ln>
-                  <a:noFill/>
-                </a:ln>
+              <a:rPr lang="en-US" sz="1400" b="1" dirty="0">
                 <a:solidFill>
                   <a:srgbClr val="FFE183"/>
                 </a:solidFill>
-                <a:effectLst/>
-                <a:uLnTx/>
-                <a:uFillTx/>
                 <a:latin typeface="Exo 2" panose="020B0604020202020204" charset="0"/>
                 <a:ea typeface="+mn-ea"/>
                 <a:cs typeface="+mn-cs"/>
@@ -15391,7 +14280,7 @@
         </p:nvSpPr>
         <p:spPr>
           <a:xfrm>
-            <a:off x="12405627" y="4942805"/>
+            <a:off x="12405628" y="2656806"/>
             <a:ext cx="401215" cy="345429"/>
           </a:xfrm>
           <a:prstGeom prst="rect">
@@ -15414,21 +14303,8 @@
           <a:bodyPr rtlCol="0" anchor="ctr"/>
           <a:lstStyle/>
           <a:p>
-            <a:pPr marL="0" marR="0" lvl="0" indent="0" algn="ctr" defTabSz="914400" eaLnBrk="1" fontAlgn="auto" latinLnBrk="0" hangingPunct="1">
-              <a:lnSpc>
-                <a:spcPct val="100000"/>
-              </a:lnSpc>
-              <a:spcBef>
-                <a:spcPts val="0"/>
-              </a:spcBef>
-              <a:spcAft>
-                <a:spcPts val="0"/>
-              </a:spcAft>
+            <a:pPr algn="ctr">
               <a:buClrTx/>
-              <a:buSzTx/>
-              <a:buFontTx/>
-              <a:buNone/>
-              <a:tabLst/>
               <a:defRPr/>
             </a:pPr>
             <a:r>
@@ -15442,20 +14318,6 @@
               </a:rPr>
               <a:t>3</a:t>
             </a:r>
-            <a:endParaRPr kumimoji="0" lang="en-US" sz="1400" b="1" i="0" u="none" strike="noStrike" kern="0" cap="none" spc="0" normalizeH="0" baseline="0" noProof="0" dirty="0">
-              <a:ln>
-                <a:noFill/>
-              </a:ln>
-              <a:solidFill>
-                <a:srgbClr val="FFE183"/>
-              </a:solidFill>
-              <a:effectLst/>
-              <a:uLnTx/>
-              <a:uFillTx/>
-              <a:latin typeface="Exo 2" panose="020B0604020202020204" charset="0"/>
-              <a:ea typeface="+mn-ea"/>
-              <a:cs typeface="+mn-cs"/>
-            </a:endParaRPr>
           </a:p>
         </p:txBody>
       </p:sp>
@@ -15473,7 +14335,7 @@
         </p:nvSpPr>
         <p:spPr>
           <a:xfrm>
-            <a:off x="13006028" y="4953376"/>
+            <a:off x="13006029" y="2667377"/>
             <a:ext cx="401215" cy="345429"/>
           </a:xfrm>
           <a:prstGeom prst="rect">
@@ -15496,34 +14358,15 @@
           <a:bodyPr rtlCol="0" anchor="ctr"/>
           <a:lstStyle/>
           <a:p>
-            <a:pPr marL="0" marR="0" lvl="0" indent="0" algn="ctr" defTabSz="914400" eaLnBrk="1" fontAlgn="auto" latinLnBrk="0" hangingPunct="1">
-              <a:lnSpc>
-                <a:spcPct val="100000"/>
-              </a:lnSpc>
-              <a:spcBef>
-                <a:spcPts val="0"/>
-              </a:spcBef>
-              <a:spcAft>
-                <a:spcPts val="0"/>
-              </a:spcAft>
+            <a:pPr algn="ctr">
               <a:buClrTx/>
-              <a:buSzTx/>
-              <a:buFontTx/>
-              <a:buNone/>
-              <a:tabLst/>
               <a:defRPr/>
             </a:pPr>
             <a:r>
-              <a:rPr kumimoji="0" lang="en-US" sz="1400" b="1" i="0" u="none" strike="noStrike" kern="0" cap="none" spc="0" normalizeH="0" baseline="0" noProof="0" dirty="0">
-                <a:ln>
-                  <a:noFill/>
-                </a:ln>
+              <a:rPr lang="en-US" sz="1400" b="1" dirty="0">
                 <a:solidFill>
                   <a:srgbClr val="FFE183"/>
                 </a:solidFill>
-                <a:effectLst/>
-                <a:uLnTx/>
-                <a:uFillTx/>
                 <a:latin typeface="Exo 2" panose="020B0604020202020204" charset="0"/>
                 <a:ea typeface="+mn-ea"/>
                 <a:cs typeface="+mn-cs"/>
@@ -15547,7 +14390,7 @@
         </p:nvSpPr>
         <p:spPr>
           <a:xfrm>
-            <a:off x="13073184" y="5461469"/>
+            <a:off x="13073185" y="3175470"/>
             <a:ext cx="401215" cy="345429"/>
           </a:xfrm>
           <a:prstGeom prst="rect">
@@ -15570,21 +14413,8 @@
           <a:bodyPr rtlCol="0" anchor="ctr"/>
           <a:lstStyle/>
           <a:p>
-            <a:pPr marL="0" marR="0" lvl="0" indent="0" algn="ctr" defTabSz="914400" eaLnBrk="1" fontAlgn="auto" latinLnBrk="0" hangingPunct="1">
-              <a:lnSpc>
-                <a:spcPct val="100000"/>
-              </a:lnSpc>
-              <a:spcBef>
-                <a:spcPts val="0"/>
-              </a:spcBef>
-              <a:spcAft>
-                <a:spcPts val="0"/>
-              </a:spcAft>
+            <a:pPr algn="ctr">
               <a:buClrTx/>
-              <a:buSzTx/>
-              <a:buFontTx/>
-              <a:buNone/>
-              <a:tabLst/>
               <a:defRPr/>
             </a:pPr>
             <a:r>
@@ -15598,20 +14428,6 @@
               </a:rPr>
               <a:t>5</a:t>
             </a:r>
-            <a:endParaRPr kumimoji="0" lang="en-US" sz="1400" b="1" i="0" u="none" strike="noStrike" kern="0" cap="none" spc="0" normalizeH="0" baseline="0" noProof="0" dirty="0">
-              <a:ln>
-                <a:noFill/>
-              </a:ln>
-              <a:solidFill>
-                <a:srgbClr val="FFE183"/>
-              </a:solidFill>
-              <a:effectLst/>
-              <a:uLnTx/>
-              <a:uFillTx/>
-              <a:latin typeface="Exo 2" panose="020B0604020202020204" charset="0"/>
-              <a:ea typeface="+mn-ea"/>
-              <a:cs typeface="+mn-cs"/>
-            </a:endParaRPr>
           </a:p>
         </p:txBody>
       </p:sp>
@@ -15629,7 +14445,7 @@
         </p:nvSpPr>
         <p:spPr>
           <a:xfrm>
-            <a:off x="14538800" y="5427997"/>
+            <a:off x="14538801" y="3141998"/>
             <a:ext cx="401215" cy="345429"/>
           </a:xfrm>
           <a:prstGeom prst="rect">
@@ -15652,21 +14468,8 @@
           <a:bodyPr rtlCol="0" anchor="ctr"/>
           <a:lstStyle/>
           <a:p>
-            <a:pPr marL="0" marR="0" lvl="0" indent="0" algn="ctr" defTabSz="914400" eaLnBrk="1" fontAlgn="auto" latinLnBrk="0" hangingPunct="1">
-              <a:lnSpc>
-                <a:spcPct val="100000"/>
-              </a:lnSpc>
-              <a:spcBef>
-                <a:spcPts val="0"/>
-              </a:spcBef>
-              <a:spcAft>
-                <a:spcPts val="0"/>
-              </a:spcAft>
+            <a:pPr algn="ctr">
               <a:buClrTx/>
-              <a:buSzTx/>
-              <a:buFontTx/>
-              <a:buNone/>
-              <a:tabLst/>
               <a:defRPr/>
             </a:pPr>
             <a:r>
@@ -15680,20 +14483,6 @@
               </a:rPr>
               <a:t>6</a:t>
             </a:r>
-            <a:endParaRPr kumimoji="0" lang="en-US" sz="1400" b="1" i="0" u="none" strike="noStrike" kern="0" cap="none" spc="0" normalizeH="0" baseline="0" noProof="0" dirty="0">
-              <a:ln>
-                <a:noFill/>
-              </a:ln>
-              <a:solidFill>
-                <a:srgbClr val="FFE183"/>
-              </a:solidFill>
-              <a:effectLst/>
-              <a:uLnTx/>
-              <a:uFillTx/>
-              <a:latin typeface="Exo 2" panose="020B0604020202020204" charset="0"/>
-              <a:ea typeface="+mn-ea"/>
-              <a:cs typeface="+mn-cs"/>
-            </a:endParaRPr>
           </a:p>
         </p:txBody>
       </p:sp>
@@ -15711,7 +14500,7 @@
         </p:nvSpPr>
         <p:spPr>
           <a:xfrm>
-            <a:off x="15758918" y="4437493"/>
+            <a:off x="15758919" y="2151494"/>
             <a:ext cx="401215" cy="345429"/>
           </a:xfrm>
           <a:prstGeom prst="rect">
@@ -15734,34 +14523,15 @@
           <a:bodyPr rtlCol="0" anchor="ctr"/>
           <a:lstStyle/>
           <a:p>
-            <a:pPr marL="0" marR="0" lvl="0" indent="0" algn="ctr" defTabSz="914400" eaLnBrk="1" fontAlgn="auto" latinLnBrk="0" hangingPunct="1">
-              <a:lnSpc>
-                <a:spcPct val="100000"/>
-              </a:lnSpc>
-              <a:spcBef>
-                <a:spcPts val="0"/>
-              </a:spcBef>
-              <a:spcAft>
-                <a:spcPts val="0"/>
-              </a:spcAft>
+            <a:pPr algn="ctr">
               <a:buClrTx/>
-              <a:buSzTx/>
-              <a:buFontTx/>
-              <a:buNone/>
-              <a:tabLst/>
               <a:defRPr/>
             </a:pPr>
             <a:r>
-              <a:rPr kumimoji="0" lang="en-US" sz="1400" b="1" i="0" u="none" strike="noStrike" kern="0" cap="none" spc="0" normalizeH="0" baseline="0" noProof="0" dirty="0">
-                <a:ln>
-                  <a:noFill/>
-                </a:ln>
+              <a:rPr lang="en-US" sz="1400" b="1" dirty="0">
                 <a:solidFill>
                   <a:srgbClr val="FFE183"/>
                 </a:solidFill>
-                <a:effectLst/>
-                <a:uLnTx/>
-                <a:uFillTx/>
                 <a:latin typeface="Exo 2" panose="020B0604020202020204" charset="0"/>
                 <a:ea typeface="+mn-ea"/>
                 <a:cs typeface="+mn-cs"/>
@@ -15785,7 +14555,7 @@
         </p:nvSpPr>
         <p:spPr>
           <a:xfrm>
-            <a:off x="15758917" y="5032338"/>
+            <a:off x="15758918" y="2746339"/>
             <a:ext cx="401215" cy="345429"/>
           </a:xfrm>
           <a:prstGeom prst="rect">
@@ -15808,21 +14578,8 @@
           <a:bodyPr rtlCol="0" anchor="ctr"/>
           <a:lstStyle/>
           <a:p>
-            <a:pPr marL="0" marR="0" lvl="0" indent="0" algn="ctr" defTabSz="914400" eaLnBrk="1" fontAlgn="auto" latinLnBrk="0" hangingPunct="1">
-              <a:lnSpc>
-                <a:spcPct val="100000"/>
-              </a:lnSpc>
-              <a:spcBef>
-                <a:spcPts val="0"/>
-              </a:spcBef>
-              <a:spcAft>
-                <a:spcPts val="0"/>
-              </a:spcAft>
+            <a:pPr algn="ctr">
               <a:buClrTx/>
-              <a:buSzTx/>
-              <a:buFontTx/>
-              <a:buNone/>
-              <a:tabLst/>
               <a:defRPr/>
             </a:pPr>
             <a:r>
@@ -15836,20 +14593,6 @@
               </a:rPr>
               <a:t>8</a:t>
             </a:r>
-            <a:endParaRPr kumimoji="0" lang="en-US" sz="1400" b="1" i="0" u="none" strike="noStrike" kern="0" cap="none" spc="0" normalizeH="0" baseline="0" noProof="0" dirty="0">
-              <a:ln>
-                <a:noFill/>
-              </a:ln>
-              <a:solidFill>
-                <a:srgbClr val="FFE183"/>
-              </a:solidFill>
-              <a:effectLst/>
-              <a:uLnTx/>
-              <a:uFillTx/>
-              <a:latin typeface="Exo 2" panose="020B0604020202020204" charset="0"/>
-              <a:ea typeface="+mn-ea"/>
-              <a:cs typeface="+mn-cs"/>
-            </a:endParaRPr>
           </a:p>
         </p:txBody>
       </p:sp>
@@ -15867,7 +14610,7 @@
         </p:nvSpPr>
         <p:spPr>
           <a:xfrm>
-            <a:off x="15758917" y="5602720"/>
+            <a:off x="15758918" y="3316721"/>
             <a:ext cx="401215" cy="345429"/>
           </a:xfrm>
           <a:prstGeom prst="rect">
@@ -15890,21 +14633,8 @@
           <a:bodyPr rtlCol="0" anchor="ctr"/>
           <a:lstStyle/>
           <a:p>
-            <a:pPr marL="0" marR="0" lvl="0" indent="0" algn="ctr" defTabSz="914400" eaLnBrk="1" fontAlgn="auto" latinLnBrk="0" hangingPunct="1">
-              <a:lnSpc>
-                <a:spcPct val="100000"/>
-              </a:lnSpc>
-              <a:spcBef>
-                <a:spcPts val="0"/>
-              </a:spcBef>
-              <a:spcAft>
-                <a:spcPts val="0"/>
-              </a:spcAft>
+            <a:pPr algn="ctr">
               <a:buClrTx/>
-              <a:buSzTx/>
-              <a:buFontTx/>
-              <a:buNone/>
-              <a:tabLst/>
               <a:defRPr/>
             </a:pPr>
             <a:r>
@@ -15918,20 +14648,6 @@
               </a:rPr>
               <a:t>9</a:t>
             </a:r>
-            <a:endParaRPr kumimoji="0" lang="en-US" sz="1400" b="1" i="0" u="none" strike="noStrike" kern="0" cap="none" spc="0" normalizeH="0" baseline="0" noProof="0" dirty="0">
-              <a:ln>
-                <a:noFill/>
-              </a:ln>
-              <a:solidFill>
-                <a:srgbClr val="FFE183"/>
-              </a:solidFill>
-              <a:effectLst/>
-              <a:uLnTx/>
-              <a:uFillTx/>
-              <a:latin typeface="Exo 2" panose="020B0604020202020204" charset="0"/>
-              <a:ea typeface="+mn-ea"/>
-              <a:cs typeface="+mn-cs"/>
-            </a:endParaRPr>
           </a:p>
         </p:txBody>
       </p:sp>
@@ -15949,7 +14665,7 @@
         </p:nvSpPr>
         <p:spPr>
           <a:xfrm>
-            <a:off x="12877898" y="6215828"/>
+            <a:off x="12877899" y="3929829"/>
             <a:ext cx="401215" cy="345429"/>
           </a:xfrm>
           <a:prstGeom prst="rect">
@@ -15972,34 +14688,15 @@
           <a:bodyPr rtlCol="0" anchor="ctr"/>
           <a:lstStyle/>
           <a:p>
-            <a:pPr marL="0" marR="0" lvl="0" indent="0" algn="ctr" defTabSz="914400" eaLnBrk="1" fontAlgn="auto" latinLnBrk="0" hangingPunct="1">
-              <a:lnSpc>
-                <a:spcPct val="100000"/>
-              </a:lnSpc>
-              <a:spcBef>
-                <a:spcPts val="0"/>
-              </a:spcBef>
-              <a:spcAft>
-                <a:spcPts val="0"/>
-              </a:spcAft>
+            <a:pPr algn="ctr">
               <a:buClrTx/>
-              <a:buSzTx/>
-              <a:buFontTx/>
-              <a:buNone/>
-              <a:tabLst/>
               <a:defRPr/>
             </a:pPr>
             <a:r>
-              <a:rPr kumimoji="0" lang="en-US" sz="1400" b="1" i="0" u="none" strike="noStrike" kern="0" cap="none" spc="0" normalizeH="0" baseline="0" noProof="0" dirty="0">
-                <a:ln>
-                  <a:noFill/>
-                </a:ln>
+              <a:rPr lang="en-US" sz="1400" b="1" dirty="0">
                 <a:solidFill>
                   <a:srgbClr val="FFE183"/>
                 </a:solidFill>
-                <a:effectLst/>
-                <a:uLnTx/>
-                <a:uFillTx/>
                 <a:latin typeface="Exo 2" panose="020B0604020202020204" charset="0"/>
                 <a:ea typeface="+mn-ea"/>
                 <a:cs typeface="+mn-cs"/>
@@ -16023,7 +14720,7 @@
         </p:nvSpPr>
         <p:spPr>
           <a:xfrm>
-            <a:off x="13426765" y="6210415"/>
+            <a:off x="13426766" y="3924416"/>
             <a:ext cx="401215" cy="345429"/>
           </a:xfrm>
           <a:prstGeom prst="rect">
@@ -16046,40 +14743,10 @@
           <a:bodyPr rtlCol="0" anchor="ctr"/>
           <a:lstStyle/>
           <a:p>
-            <a:pPr marL="0" marR="0" lvl="0" indent="0" algn="ctr" defTabSz="914400" eaLnBrk="1" fontAlgn="auto" latinLnBrk="0" hangingPunct="1">
-              <a:lnSpc>
-                <a:spcPct val="100000"/>
-              </a:lnSpc>
-              <a:spcBef>
-                <a:spcPts val="0"/>
-              </a:spcBef>
-              <a:spcAft>
-                <a:spcPts val="0"/>
-              </a:spcAft>
+            <a:pPr algn="ctr">
               <a:buClrTx/>
-              <a:buSzTx/>
-              <a:buFontTx/>
-              <a:buNone/>
-              <a:tabLst/>
               <a:defRPr/>
             </a:pPr>
-            <a:r>
-              <a:rPr kumimoji="0" lang="en-US" sz="1400" b="1" i="0" u="none" strike="noStrike" kern="0" cap="none" spc="0" normalizeH="0" baseline="0" noProof="0" dirty="0">
-                <a:ln>
-                  <a:noFill/>
-                </a:ln>
-                <a:solidFill>
-                  <a:srgbClr val="FFE183"/>
-                </a:solidFill>
-                <a:effectLst/>
-                <a:uLnTx/>
-                <a:uFillTx/>
-                <a:latin typeface="Exo 2" panose="020B0604020202020204" charset="0"/>
-                <a:ea typeface="+mn-ea"/>
-                <a:cs typeface="+mn-cs"/>
-              </a:rPr>
-              <a:t>1</a:t>
-            </a:r>
             <a:r>
               <a:rPr lang="en-US" sz="1400" b="1" dirty="0">
                 <a:solidFill>
@@ -16089,22 +14756,8 @@
                 <a:ea typeface="+mn-ea"/>
                 <a:cs typeface="+mn-cs"/>
               </a:rPr>
-              <a:t>1</a:t>
+              <a:t>11</a:t>
             </a:r>
-            <a:endParaRPr kumimoji="0" lang="en-US" sz="1400" b="1" i="0" u="none" strike="noStrike" kern="0" cap="none" spc="0" normalizeH="0" baseline="0" noProof="0" dirty="0">
-              <a:ln>
-                <a:noFill/>
-              </a:ln>
-              <a:solidFill>
-                <a:srgbClr val="FFE183"/>
-              </a:solidFill>
-              <a:effectLst/>
-              <a:uLnTx/>
-              <a:uFillTx/>
-              <a:latin typeface="Exo 2" panose="020B0604020202020204" charset="0"/>
-              <a:ea typeface="+mn-ea"/>
-              <a:cs typeface="+mn-cs"/>
-            </a:endParaRPr>
           </a:p>
         </p:txBody>
       </p:sp>
@@ -16122,7 +14775,7 @@
         </p:nvSpPr>
         <p:spPr>
           <a:xfrm>
-            <a:off x="12880647" y="6788072"/>
+            <a:off x="12880648" y="4502073"/>
             <a:ext cx="401215" cy="345429"/>
           </a:xfrm>
           <a:prstGeom prst="rect">
@@ -16145,34 +14798,15 @@
           <a:bodyPr rtlCol="0" anchor="ctr"/>
           <a:lstStyle/>
           <a:p>
-            <a:pPr marL="0" marR="0" lvl="0" indent="0" algn="ctr" defTabSz="914400" eaLnBrk="1" fontAlgn="auto" latinLnBrk="0" hangingPunct="1">
-              <a:lnSpc>
-                <a:spcPct val="100000"/>
-              </a:lnSpc>
-              <a:spcBef>
-                <a:spcPts val="0"/>
-              </a:spcBef>
-              <a:spcAft>
-                <a:spcPts val="0"/>
-              </a:spcAft>
+            <a:pPr algn="ctr">
               <a:buClrTx/>
-              <a:buSzTx/>
-              <a:buFontTx/>
-              <a:buNone/>
-              <a:tabLst/>
               <a:defRPr/>
             </a:pPr>
             <a:r>
-              <a:rPr kumimoji="0" lang="en-US" sz="1400" b="1" i="0" u="none" strike="noStrike" kern="0" cap="none" spc="0" normalizeH="0" baseline="0" noProof="0" dirty="0">
-                <a:ln>
-                  <a:noFill/>
-                </a:ln>
+              <a:rPr lang="en-US" sz="1400" b="1" dirty="0">
                 <a:solidFill>
                   <a:srgbClr val="FFE183"/>
                 </a:solidFill>
-                <a:effectLst/>
-                <a:uLnTx/>
-                <a:uFillTx/>
                 <a:latin typeface="Exo 2" panose="020B0604020202020204" charset="0"/>
                 <a:ea typeface="+mn-ea"/>
                 <a:cs typeface="+mn-cs"/>
@@ -16196,7 +14830,7 @@
         </p:nvSpPr>
         <p:spPr>
           <a:xfrm>
-            <a:off x="13434879" y="6788073"/>
+            <a:off x="13434880" y="4502074"/>
             <a:ext cx="401215" cy="345429"/>
           </a:xfrm>
           <a:prstGeom prst="rect">
@@ -16219,40 +14853,10 @@
           <a:bodyPr rtlCol="0" anchor="ctr"/>
           <a:lstStyle/>
           <a:p>
-            <a:pPr marL="0" marR="0" lvl="0" indent="0" algn="ctr" defTabSz="914400" eaLnBrk="1" fontAlgn="auto" latinLnBrk="0" hangingPunct="1">
-              <a:lnSpc>
-                <a:spcPct val="100000"/>
-              </a:lnSpc>
-              <a:spcBef>
-                <a:spcPts val="0"/>
-              </a:spcBef>
-              <a:spcAft>
-                <a:spcPts val="0"/>
-              </a:spcAft>
+            <a:pPr algn="ctr">
               <a:buClrTx/>
-              <a:buSzTx/>
-              <a:buFontTx/>
-              <a:buNone/>
-              <a:tabLst/>
               <a:defRPr/>
             </a:pPr>
-            <a:r>
-              <a:rPr kumimoji="0" lang="en-US" sz="1400" b="1" i="0" u="none" strike="noStrike" kern="0" cap="none" spc="0" normalizeH="0" baseline="0" noProof="0" dirty="0">
-                <a:ln>
-                  <a:noFill/>
-                </a:ln>
-                <a:solidFill>
-                  <a:srgbClr val="FFE183"/>
-                </a:solidFill>
-                <a:effectLst/>
-                <a:uLnTx/>
-                <a:uFillTx/>
-                <a:latin typeface="Exo 2" panose="020B0604020202020204" charset="0"/>
-                <a:ea typeface="+mn-ea"/>
-                <a:cs typeface="+mn-cs"/>
-              </a:rPr>
-              <a:t>1</a:t>
-            </a:r>
             <a:r>
               <a:rPr lang="en-US" sz="1400" b="1" dirty="0">
                 <a:solidFill>
@@ -16262,22 +14866,8 @@
                 <a:ea typeface="+mn-ea"/>
                 <a:cs typeface="+mn-cs"/>
               </a:rPr>
-              <a:t>3</a:t>
+              <a:t>13</a:t>
             </a:r>
-            <a:endParaRPr kumimoji="0" lang="en-US" sz="1400" b="1" i="0" u="none" strike="noStrike" kern="0" cap="none" spc="0" normalizeH="0" baseline="0" noProof="0" dirty="0">
-              <a:ln>
-                <a:noFill/>
-              </a:ln>
-              <a:solidFill>
-                <a:srgbClr val="FFE183"/>
-              </a:solidFill>
-              <a:effectLst/>
-              <a:uLnTx/>
-              <a:uFillTx/>
-              <a:latin typeface="Exo 2" panose="020B0604020202020204" charset="0"/>
-              <a:ea typeface="+mn-ea"/>
-              <a:cs typeface="+mn-cs"/>
-            </a:endParaRPr>
           </a:p>
         </p:txBody>
       </p:sp>
@@ -16295,7 +14885,7 @@
         </p:nvSpPr>
         <p:spPr>
           <a:xfrm>
-            <a:off x="14089980" y="6217559"/>
+            <a:off x="14089981" y="3931560"/>
             <a:ext cx="401215" cy="345429"/>
           </a:xfrm>
           <a:prstGeom prst="rect">
@@ -16318,40 +14908,10 @@
           <a:bodyPr rtlCol="0" anchor="ctr"/>
           <a:lstStyle/>
           <a:p>
-            <a:pPr marL="0" marR="0" lvl="0" indent="0" algn="ctr" defTabSz="914400" eaLnBrk="1" fontAlgn="auto" latinLnBrk="0" hangingPunct="1">
-              <a:lnSpc>
-                <a:spcPct val="100000"/>
-              </a:lnSpc>
-              <a:spcBef>
-                <a:spcPts val="0"/>
-              </a:spcBef>
-              <a:spcAft>
-                <a:spcPts val="0"/>
-              </a:spcAft>
+            <a:pPr algn="ctr">
               <a:buClrTx/>
-              <a:buSzTx/>
-              <a:buFontTx/>
-              <a:buNone/>
-              <a:tabLst/>
               <a:defRPr/>
             </a:pPr>
-            <a:r>
-              <a:rPr kumimoji="0" lang="en-US" sz="1400" b="1" i="0" u="none" strike="noStrike" kern="0" cap="none" spc="0" normalizeH="0" baseline="0" noProof="0" dirty="0">
-                <a:ln>
-                  <a:noFill/>
-                </a:ln>
-                <a:solidFill>
-                  <a:srgbClr val="FFE183"/>
-                </a:solidFill>
-                <a:effectLst/>
-                <a:uLnTx/>
-                <a:uFillTx/>
-                <a:latin typeface="Exo 2" panose="020B0604020202020204" charset="0"/>
-                <a:ea typeface="+mn-ea"/>
-                <a:cs typeface="+mn-cs"/>
-              </a:rPr>
-              <a:t>1</a:t>
-            </a:r>
             <a:r>
               <a:rPr lang="en-US" sz="1400" b="1" dirty="0">
                 <a:solidFill>
@@ -16361,22 +14921,8 @@
                 <a:ea typeface="+mn-ea"/>
                 <a:cs typeface="+mn-cs"/>
               </a:rPr>
-              <a:t>4</a:t>
+              <a:t>14</a:t>
             </a:r>
-            <a:endParaRPr kumimoji="0" lang="en-US" sz="1400" b="1" i="0" u="none" strike="noStrike" kern="0" cap="none" spc="0" normalizeH="0" baseline="0" noProof="0" dirty="0">
-              <a:ln>
-                <a:noFill/>
-              </a:ln>
-              <a:solidFill>
-                <a:srgbClr val="FFE183"/>
-              </a:solidFill>
-              <a:effectLst/>
-              <a:uLnTx/>
-              <a:uFillTx/>
-              <a:latin typeface="Exo 2" panose="020B0604020202020204" charset="0"/>
-              <a:ea typeface="+mn-ea"/>
-              <a:cs typeface="+mn-cs"/>
-            </a:endParaRPr>
           </a:p>
         </p:txBody>
       </p:sp>
@@ -16394,7 +14940,7 @@
         </p:nvSpPr>
         <p:spPr>
           <a:xfrm>
-            <a:off x="14638847" y="6212146"/>
+            <a:off x="14638848" y="3926147"/>
             <a:ext cx="401215" cy="345429"/>
           </a:xfrm>
           <a:prstGeom prst="rect">
@@ -16417,34 +14963,15 @@
           <a:bodyPr rtlCol="0" anchor="ctr"/>
           <a:lstStyle/>
           <a:p>
-            <a:pPr marL="0" marR="0" lvl="0" indent="0" algn="ctr" defTabSz="914400" eaLnBrk="1" fontAlgn="auto" latinLnBrk="0" hangingPunct="1">
-              <a:lnSpc>
-                <a:spcPct val="100000"/>
-              </a:lnSpc>
-              <a:spcBef>
-                <a:spcPts val="0"/>
-              </a:spcBef>
-              <a:spcAft>
-                <a:spcPts val="0"/>
-              </a:spcAft>
+            <a:pPr algn="ctr">
               <a:buClrTx/>
-              <a:buSzTx/>
-              <a:buFontTx/>
-              <a:buNone/>
-              <a:tabLst/>
               <a:defRPr/>
             </a:pPr>
             <a:r>
-              <a:rPr kumimoji="0" lang="en-US" sz="1400" b="1" i="0" u="none" strike="noStrike" kern="0" cap="none" spc="0" normalizeH="0" baseline="0" noProof="0" dirty="0">
-                <a:ln>
-                  <a:noFill/>
-                </a:ln>
+              <a:rPr lang="en-US" sz="1400" b="1" dirty="0">
                 <a:solidFill>
                   <a:srgbClr val="FFE183"/>
                 </a:solidFill>
-                <a:effectLst/>
-                <a:uLnTx/>
-                <a:uFillTx/>
                 <a:latin typeface="Exo 2" panose="020B0604020202020204" charset="0"/>
                 <a:ea typeface="+mn-ea"/>
                 <a:cs typeface="+mn-cs"/>
@@ -16468,7 +14995,7 @@
         </p:nvSpPr>
         <p:spPr>
           <a:xfrm>
-            <a:off x="14092729" y="6789803"/>
+            <a:off x="14092730" y="4503804"/>
             <a:ext cx="401215" cy="345429"/>
           </a:xfrm>
           <a:prstGeom prst="rect">
@@ -16491,40 +15018,10 @@
           <a:bodyPr rtlCol="0" anchor="ctr"/>
           <a:lstStyle/>
           <a:p>
-            <a:pPr marL="0" marR="0" lvl="0" indent="0" algn="ctr" defTabSz="914400" eaLnBrk="1" fontAlgn="auto" latinLnBrk="0" hangingPunct="1">
-              <a:lnSpc>
-                <a:spcPct val="100000"/>
-              </a:lnSpc>
-              <a:spcBef>
-                <a:spcPts val="0"/>
-              </a:spcBef>
-              <a:spcAft>
-                <a:spcPts val="0"/>
-              </a:spcAft>
+            <a:pPr algn="ctr">
               <a:buClrTx/>
-              <a:buSzTx/>
-              <a:buFontTx/>
-              <a:buNone/>
-              <a:tabLst/>
               <a:defRPr/>
             </a:pPr>
-            <a:r>
-              <a:rPr kumimoji="0" lang="en-US" sz="1400" b="1" i="0" u="none" strike="noStrike" kern="0" cap="none" spc="0" normalizeH="0" baseline="0" noProof="0" dirty="0">
-                <a:ln>
-                  <a:noFill/>
-                </a:ln>
-                <a:solidFill>
-                  <a:srgbClr val="FFE183"/>
-                </a:solidFill>
-                <a:effectLst/>
-                <a:uLnTx/>
-                <a:uFillTx/>
-                <a:latin typeface="Exo 2" panose="020B0604020202020204" charset="0"/>
-                <a:ea typeface="+mn-ea"/>
-                <a:cs typeface="+mn-cs"/>
-              </a:rPr>
-              <a:t>1</a:t>
-            </a:r>
             <a:r>
               <a:rPr lang="en-US" sz="1400" b="1" dirty="0">
                 <a:solidFill>
@@ -16534,22 +15031,8 @@
                 <a:ea typeface="+mn-ea"/>
                 <a:cs typeface="+mn-cs"/>
               </a:rPr>
-              <a:t>6</a:t>
+              <a:t>16</a:t>
             </a:r>
-            <a:endParaRPr kumimoji="0" lang="en-US" sz="1400" b="1" i="0" u="none" strike="noStrike" kern="0" cap="none" spc="0" normalizeH="0" baseline="0" noProof="0" dirty="0">
-              <a:ln>
-                <a:noFill/>
-              </a:ln>
-              <a:solidFill>
-                <a:srgbClr val="FFE183"/>
-              </a:solidFill>
-              <a:effectLst/>
-              <a:uLnTx/>
-              <a:uFillTx/>
-              <a:latin typeface="Exo 2" panose="020B0604020202020204" charset="0"/>
-              <a:ea typeface="+mn-ea"/>
-              <a:cs typeface="+mn-cs"/>
-            </a:endParaRPr>
           </a:p>
         </p:txBody>
       </p:sp>
@@ -16567,7 +15050,7 @@
         </p:nvSpPr>
         <p:spPr>
           <a:xfrm>
-            <a:off x="14646961" y="6789804"/>
+            <a:off x="14646962" y="4503805"/>
             <a:ext cx="401215" cy="345429"/>
           </a:xfrm>
           <a:prstGeom prst="rect">
@@ -16590,34 +15073,15 @@
           <a:bodyPr rtlCol="0" anchor="ctr"/>
           <a:lstStyle/>
           <a:p>
-            <a:pPr marL="0" marR="0" lvl="0" indent="0" algn="ctr" defTabSz="914400" eaLnBrk="1" fontAlgn="auto" latinLnBrk="0" hangingPunct="1">
-              <a:lnSpc>
-                <a:spcPct val="100000"/>
-              </a:lnSpc>
-              <a:spcBef>
-                <a:spcPts val="0"/>
-              </a:spcBef>
-              <a:spcAft>
-                <a:spcPts val="0"/>
-              </a:spcAft>
+            <a:pPr algn="ctr">
               <a:buClrTx/>
-              <a:buSzTx/>
-              <a:buFontTx/>
-              <a:buNone/>
-              <a:tabLst/>
               <a:defRPr/>
             </a:pPr>
             <a:r>
-              <a:rPr kumimoji="0" lang="en-US" sz="1400" b="1" i="0" u="none" strike="noStrike" kern="0" cap="none" spc="0" normalizeH="0" baseline="0" noProof="0" dirty="0">
-                <a:ln>
-                  <a:noFill/>
-                </a:ln>
+              <a:rPr lang="en-US" sz="1400" b="1" dirty="0">
                 <a:solidFill>
                   <a:srgbClr val="FFE183"/>
                 </a:solidFill>
-                <a:effectLst/>
-                <a:uLnTx/>
-                <a:uFillTx/>
                 <a:latin typeface="Exo 2" panose="020B0604020202020204" charset="0"/>
                 <a:ea typeface="+mn-ea"/>
                 <a:cs typeface="+mn-cs"/>
@@ -16641,7 +15105,7 @@
         </p:nvSpPr>
         <p:spPr>
           <a:xfrm>
-            <a:off x="15135795" y="5919548"/>
+            <a:off x="15135795" y="3633548"/>
             <a:ext cx="116026" cy="1342556"/>
           </a:xfrm>
           <a:prstGeom prst="rect">
@@ -16693,7 +15157,7 @@
         </p:nvSpPr>
         <p:spPr>
           <a:xfrm>
-            <a:off x="15127705" y="6927006"/>
+            <a:off x="15127706" y="4641007"/>
             <a:ext cx="401215" cy="345429"/>
           </a:xfrm>
           <a:prstGeom prst="rect">
@@ -16716,34 +15180,15 @@
           <a:bodyPr rtlCol="0" anchor="ctr"/>
           <a:lstStyle/>
           <a:p>
-            <a:pPr marL="0" marR="0" lvl="0" indent="0" algn="ctr" defTabSz="914400" eaLnBrk="1" fontAlgn="auto" latinLnBrk="0" hangingPunct="1">
-              <a:lnSpc>
-                <a:spcPct val="100000"/>
-              </a:lnSpc>
-              <a:spcBef>
-                <a:spcPts val="0"/>
-              </a:spcBef>
-              <a:spcAft>
-                <a:spcPts val="0"/>
-              </a:spcAft>
+            <a:pPr algn="ctr">
               <a:buClrTx/>
-              <a:buSzTx/>
-              <a:buFontTx/>
-              <a:buNone/>
-              <a:tabLst/>
               <a:defRPr/>
             </a:pPr>
             <a:r>
-              <a:rPr kumimoji="0" lang="en-US" sz="1400" b="1" i="0" u="none" strike="noStrike" kern="0" cap="none" spc="0" normalizeH="0" baseline="0" noProof="0" dirty="0">
-                <a:ln>
-                  <a:noFill/>
-                </a:ln>
+              <a:rPr lang="en-US" sz="1400" b="1" dirty="0">
                 <a:solidFill>
                   <a:srgbClr val="FFE183"/>
                 </a:solidFill>
-                <a:effectLst/>
-                <a:uLnTx/>
-                <a:uFillTx/>
                 <a:latin typeface="Exo 2" panose="020B0604020202020204" charset="0"/>
                 <a:ea typeface="+mn-ea"/>
                 <a:cs typeface="+mn-cs"/>
@@ -16767,7 +15212,7 @@
         </p:nvSpPr>
         <p:spPr>
           <a:xfrm>
-            <a:off x="15753400" y="6949838"/>
+            <a:off x="15753401" y="4663839"/>
             <a:ext cx="401215" cy="345429"/>
           </a:xfrm>
           <a:prstGeom prst="rect">
@@ -16790,34 +15235,15 @@
           <a:bodyPr rtlCol="0" anchor="ctr"/>
           <a:lstStyle/>
           <a:p>
-            <a:pPr marL="0" marR="0" lvl="0" indent="0" algn="ctr" defTabSz="914400" eaLnBrk="1" fontAlgn="auto" latinLnBrk="0" hangingPunct="1">
-              <a:lnSpc>
-                <a:spcPct val="100000"/>
-              </a:lnSpc>
-              <a:spcBef>
-                <a:spcPts val="0"/>
-              </a:spcBef>
-              <a:spcAft>
-                <a:spcPts val="0"/>
-              </a:spcAft>
+            <a:pPr algn="ctr">
               <a:buClrTx/>
-              <a:buSzTx/>
-              <a:buFontTx/>
-              <a:buNone/>
-              <a:tabLst/>
               <a:defRPr/>
             </a:pPr>
             <a:r>
-              <a:rPr kumimoji="0" lang="en-US" sz="1400" b="1" i="0" u="none" strike="noStrike" kern="0" cap="none" spc="0" normalizeH="0" baseline="0" noProof="0" dirty="0">
-                <a:ln>
-                  <a:noFill/>
-                </a:ln>
+              <a:rPr lang="en-US" sz="1400" b="1" dirty="0">
                 <a:solidFill>
                   <a:srgbClr val="FFE183"/>
                 </a:solidFill>
-                <a:effectLst/>
-                <a:uLnTx/>
-                <a:uFillTx/>
                 <a:latin typeface="Exo 2" panose="020B0604020202020204" charset="0"/>
                 <a:ea typeface="+mn-ea"/>
                 <a:cs typeface="+mn-cs"/>
@@ -16841,7 +15267,7 @@
         </p:nvSpPr>
         <p:spPr>
           <a:xfrm>
-            <a:off x="16162797" y="6949072"/>
+            <a:off x="16162798" y="4663073"/>
             <a:ext cx="401215" cy="345429"/>
           </a:xfrm>
           <a:prstGeom prst="rect">
@@ -16864,34 +15290,15 @@
           <a:bodyPr rtlCol="0" anchor="ctr"/>
           <a:lstStyle/>
           <a:p>
-            <a:pPr marL="0" marR="0" lvl="0" indent="0" algn="ctr" defTabSz="914400" eaLnBrk="1" fontAlgn="auto" latinLnBrk="0" hangingPunct="1">
-              <a:lnSpc>
-                <a:spcPct val="100000"/>
-              </a:lnSpc>
-              <a:spcBef>
-                <a:spcPts val="0"/>
-              </a:spcBef>
-              <a:spcAft>
-                <a:spcPts val="0"/>
-              </a:spcAft>
+            <a:pPr algn="ctr">
               <a:buClrTx/>
-              <a:buSzTx/>
-              <a:buFontTx/>
-              <a:buNone/>
-              <a:tabLst/>
               <a:defRPr/>
             </a:pPr>
             <a:r>
-              <a:rPr kumimoji="0" lang="en-US" sz="1400" b="1" i="0" u="none" strike="noStrike" kern="0" cap="none" spc="0" normalizeH="0" baseline="0" noProof="0" dirty="0">
-                <a:ln>
-                  <a:noFill/>
-                </a:ln>
+              <a:rPr lang="en-US" sz="1400" b="1" dirty="0">
                 <a:solidFill>
                   <a:srgbClr val="FFE183"/>
                 </a:solidFill>
-                <a:effectLst/>
-                <a:uLnTx/>
-                <a:uFillTx/>
                 <a:latin typeface="Exo 2" panose="020B0604020202020204" charset="0"/>
                 <a:ea typeface="+mn-ea"/>
                 <a:cs typeface="+mn-cs"/>
@@ -16915,7 +15322,7 @@
         </p:nvSpPr>
         <p:spPr>
           <a:xfrm>
-            <a:off x="16304169" y="7402638"/>
+            <a:off x="16304170" y="5116639"/>
             <a:ext cx="401215" cy="345429"/>
           </a:xfrm>
           <a:prstGeom prst="rect">
@@ -16938,34 +15345,15 @@
           <a:bodyPr rtlCol="0" anchor="ctr"/>
           <a:lstStyle/>
           <a:p>
-            <a:pPr marL="0" marR="0" lvl="0" indent="0" algn="ctr" defTabSz="914400" eaLnBrk="1" fontAlgn="auto" latinLnBrk="0" hangingPunct="1">
-              <a:lnSpc>
-                <a:spcPct val="100000"/>
-              </a:lnSpc>
-              <a:spcBef>
-                <a:spcPts val="0"/>
-              </a:spcBef>
-              <a:spcAft>
-                <a:spcPts val="0"/>
-              </a:spcAft>
+            <a:pPr algn="ctr">
               <a:buClrTx/>
-              <a:buSzTx/>
-              <a:buFontTx/>
-              <a:buNone/>
-              <a:tabLst/>
               <a:defRPr/>
             </a:pPr>
             <a:r>
-              <a:rPr kumimoji="0" lang="en-US" sz="1400" b="1" i="0" u="none" strike="noStrike" kern="0" cap="none" spc="0" normalizeH="0" baseline="0" noProof="0" dirty="0">
-                <a:ln>
-                  <a:noFill/>
-                </a:ln>
+              <a:rPr lang="en-US" sz="1400" b="1" dirty="0">
                 <a:solidFill>
                   <a:srgbClr val="FFE183"/>
                 </a:solidFill>
-                <a:effectLst/>
-                <a:uLnTx/>
-                <a:uFillTx/>
                 <a:latin typeface="Exo 2" panose="020B0604020202020204" charset="0"/>
                 <a:ea typeface="+mn-ea"/>
                 <a:cs typeface="+mn-cs"/>
@@ -16989,7 +15377,7 @@
         </p:nvSpPr>
         <p:spPr>
           <a:xfrm>
-            <a:off x="16028078" y="7801390"/>
+            <a:off x="16028079" y="5515391"/>
             <a:ext cx="401215" cy="345429"/>
           </a:xfrm>
           <a:prstGeom prst="rect">
@@ -17012,34 +15400,15 @@
           <a:bodyPr rtlCol="0" anchor="ctr"/>
           <a:lstStyle/>
           <a:p>
-            <a:pPr marL="0" marR="0" lvl="0" indent="0" algn="ctr" defTabSz="914400" eaLnBrk="1" fontAlgn="auto" latinLnBrk="0" hangingPunct="1">
-              <a:lnSpc>
-                <a:spcPct val="100000"/>
-              </a:lnSpc>
-              <a:spcBef>
-                <a:spcPts val="0"/>
-              </a:spcBef>
-              <a:spcAft>
-                <a:spcPts val="0"/>
-              </a:spcAft>
+            <a:pPr algn="ctr">
               <a:buClrTx/>
-              <a:buSzTx/>
-              <a:buFontTx/>
-              <a:buNone/>
-              <a:tabLst/>
               <a:defRPr/>
             </a:pPr>
             <a:r>
-              <a:rPr kumimoji="0" lang="en-US" sz="1400" b="1" i="0" u="none" strike="noStrike" kern="0" cap="none" spc="0" normalizeH="0" baseline="0" noProof="0" dirty="0">
-                <a:ln>
-                  <a:noFill/>
-                </a:ln>
+              <a:rPr lang="en-US" sz="1400" b="1" dirty="0">
                 <a:solidFill>
                   <a:srgbClr val="FFE183"/>
                 </a:solidFill>
-                <a:effectLst/>
-                <a:uLnTx/>
-                <a:uFillTx/>
                 <a:latin typeface="Exo 2" panose="020B0604020202020204" charset="0"/>
                 <a:ea typeface="+mn-ea"/>
                 <a:cs typeface="+mn-cs"/>
@@ -17063,7 +15432,7 @@
         </p:nvSpPr>
         <p:spPr>
           <a:xfrm>
-            <a:off x="16705384" y="7817224"/>
+            <a:off x="16705385" y="5531225"/>
             <a:ext cx="401215" cy="345429"/>
           </a:xfrm>
           <a:prstGeom prst="rect">
@@ -17086,34 +15455,15 @@
           <a:bodyPr rtlCol="0" anchor="ctr"/>
           <a:lstStyle/>
           <a:p>
-            <a:pPr marL="0" marR="0" lvl="0" indent="0" algn="ctr" defTabSz="914400" eaLnBrk="1" fontAlgn="auto" latinLnBrk="0" hangingPunct="1">
-              <a:lnSpc>
-                <a:spcPct val="100000"/>
-              </a:lnSpc>
-              <a:spcBef>
-                <a:spcPts val="0"/>
-              </a:spcBef>
-              <a:spcAft>
-                <a:spcPts val="0"/>
-              </a:spcAft>
+            <a:pPr algn="ctr">
               <a:buClrTx/>
-              <a:buSzTx/>
-              <a:buFontTx/>
-              <a:buNone/>
-              <a:tabLst/>
               <a:defRPr/>
             </a:pPr>
             <a:r>
-              <a:rPr kumimoji="0" lang="en-US" sz="1400" b="1" i="0" u="none" strike="noStrike" kern="0" cap="none" spc="0" normalizeH="0" baseline="0" noProof="0" dirty="0">
-                <a:ln>
-                  <a:noFill/>
-                </a:ln>
+              <a:rPr lang="en-US" sz="1400" b="1" dirty="0">
                 <a:solidFill>
                   <a:srgbClr val="FFE183"/>
                 </a:solidFill>
-                <a:effectLst/>
-                <a:uLnTx/>
-                <a:uFillTx/>
                 <a:latin typeface="Exo 2" panose="020B0604020202020204" charset="0"/>
                 <a:ea typeface="+mn-ea"/>
                 <a:cs typeface="+mn-cs"/>
@@ -17137,7 +15487,7 @@
         </p:nvSpPr>
         <p:spPr>
           <a:xfrm>
-            <a:off x="12029340" y="13080224"/>
+            <a:off x="12029341" y="10794225"/>
             <a:ext cx="401215" cy="345429"/>
           </a:xfrm>
           <a:prstGeom prst="rect">
@@ -17160,34 +15510,15 @@
           <a:bodyPr rtlCol="0" anchor="ctr"/>
           <a:lstStyle/>
           <a:p>
-            <a:pPr marL="0" marR="0" lvl="0" indent="0" algn="ctr" defTabSz="914400" eaLnBrk="1" fontAlgn="auto" latinLnBrk="0" hangingPunct="1">
-              <a:lnSpc>
-                <a:spcPct val="100000"/>
-              </a:lnSpc>
-              <a:spcBef>
-                <a:spcPts val="0"/>
-              </a:spcBef>
-              <a:spcAft>
-                <a:spcPts val="0"/>
-              </a:spcAft>
+            <a:pPr algn="ctr">
               <a:buClrTx/>
-              <a:buSzTx/>
-              <a:buFontTx/>
-              <a:buNone/>
-              <a:tabLst/>
               <a:defRPr/>
             </a:pPr>
             <a:r>
-              <a:rPr kumimoji="0" lang="en-US" sz="1400" b="1" i="0" u="none" strike="noStrike" kern="0" cap="none" spc="0" normalizeH="0" baseline="0" noProof="0" dirty="0">
-                <a:ln>
-                  <a:noFill/>
-                </a:ln>
+              <a:rPr lang="en-US" sz="1400" b="1" dirty="0">
                 <a:solidFill>
                   <a:srgbClr val="FFE183"/>
                 </a:solidFill>
-                <a:effectLst/>
-                <a:uLnTx/>
-                <a:uFillTx/>
                 <a:latin typeface="Exo 2" panose="020B0604020202020204" charset="0"/>
                 <a:ea typeface="+mn-ea"/>
                 <a:cs typeface="+mn-cs"/>
@@ -17211,7 +15542,7 @@
         </p:nvSpPr>
         <p:spPr>
           <a:xfrm>
-            <a:off x="12872576" y="13088623"/>
+            <a:off x="12872577" y="10802624"/>
             <a:ext cx="401215" cy="345429"/>
           </a:xfrm>
           <a:prstGeom prst="rect">
@@ -17234,34 +15565,15 @@
           <a:bodyPr rtlCol="0" anchor="ctr"/>
           <a:lstStyle/>
           <a:p>
-            <a:pPr marL="0" marR="0" lvl="0" indent="0" algn="ctr" defTabSz="914400" eaLnBrk="1" fontAlgn="auto" latinLnBrk="0" hangingPunct="1">
-              <a:lnSpc>
-                <a:spcPct val="100000"/>
-              </a:lnSpc>
-              <a:spcBef>
-                <a:spcPts val="0"/>
-              </a:spcBef>
-              <a:spcAft>
-                <a:spcPts val="0"/>
-              </a:spcAft>
+            <a:pPr algn="ctr">
               <a:buClrTx/>
-              <a:buSzTx/>
-              <a:buFontTx/>
-              <a:buNone/>
-              <a:tabLst/>
               <a:defRPr/>
             </a:pPr>
             <a:r>
-              <a:rPr kumimoji="0" lang="en-US" sz="1400" b="1" i="0" u="none" strike="noStrike" kern="0" cap="none" spc="0" normalizeH="0" baseline="0" noProof="0" dirty="0">
-                <a:ln>
-                  <a:noFill/>
-                </a:ln>
+              <a:rPr lang="en-US" sz="1400" b="1" dirty="0">
                 <a:solidFill>
                   <a:srgbClr val="FFE183"/>
                 </a:solidFill>
-                <a:effectLst/>
-                <a:uLnTx/>
-                <a:uFillTx/>
                 <a:latin typeface="Exo 2" panose="020B0604020202020204" charset="0"/>
                 <a:ea typeface="+mn-ea"/>
                 <a:cs typeface="+mn-cs"/>
@@ -17285,7 +15597,7 @@
         </p:nvSpPr>
         <p:spPr>
           <a:xfrm>
-            <a:off x="11320629" y="13456981"/>
+            <a:off x="11320630" y="11170982"/>
             <a:ext cx="401215" cy="345429"/>
           </a:xfrm>
           <a:prstGeom prst="rect">
@@ -17308,34 +15620,15 @@
           <a:bodyPr rtlCol="0" anchor="ctr"/>
           <a:lstStyle/>
           <a:p>
-            <a:pPr marL="0" marR="0" lvl="0" indent="0" algn="ctr" defTabSz="914400" eaLnBrk="1" fontAlgn="auto" latinLnBrk="0" hangingPunct="1">
-              <a:lnSpc>
-                <a:spcPct val="100000"/>
-              </a:lnSpc>
-              <a:spcBef>
-                <a:spcPts val="0"/>
-              </a:spcBef>
-              <a:spcAft>
-                <a:spcPts val="0"/>
-              </a:spcAft>
+            <a:pPr algn="ctr">
               <a:buClrTx/>
-              <a:buSzTx/>
-              <a:buFontTx/>
-              <a:buNone/>
-              <a:tabLst/>
               <a:defRPr/>
             </a:pPr>
             <a:r>
-              <a:rPr kumimoji="0" lang="en-US" sz="1400" b="1" i="0" u="none" strike="noStrike" kern="0" cap="none" spc="0" normalizeH="0" baseline="0" noProof="0" dirty="0">
-                <a:ln>
-                  <a:noFill/>
-                </a:ln>
+              <a:rPr lang="en-US" sz="1400" b="1" dirty="0">
                 <a:solidFill>
                   <a:srgbClr val="FFE183"/>
                 </a:solidFill>
-                <a:effectLst/>
-                <a:uLnTx/>
-                <a:uFillTx/>
                 <a:latin typeface="Exo 2" panose="020B0604020202020204" charset="0"/>
                 <a:ea typeface="+mn-ea"/>
                 <a:cs typeface="+mn-cs"/>
@@ -17359,7 +15652,7 @@
         </p:nvSpPr>
         <p:spPr>
           <a:xfrm>
-            <a:off x="13450367" y="13473165"/>
+            <a:off x="13450368" y="11187166"/>
             <a:ext cx="401215" cy="345429"/>
           </a:xfrm>
           <a:prstGeom prst="rect">
@@ -17382,34 +15675,15 @@
           <a:bodyPr rtlCol="0" anchor="ctr"/>
           <a:lstStyle/>
           <a:p>
-            <a:pPr marL="0" marR="0" lvl="0" indent="0" algn="ctr" defTabSz="914400" eaLnBrk="1" fontAlgn="auto" latinLnBrk="0" hangingPunct="1">
-              <a:lnSpc>
-                <a:spcPct val="100000"/>
-              </a:lnSpc>
-              <a:spcBef>
-                <a:spcPts val="0"/>
-              </a:spcBef>
-              <a:spcAft>
-                <a:spcPts val="0"/>
-              </a:spcAft>
+            <a:pPr algn="ctr">
               <a:buClrTx/>
-              <a:buSzTx/>
-              <a:buFontTx/>
-              <a:buNone/>
-              <a:tabLst/>
               <a:defRPr/>
             </a:pPr>
             <a:r>
-              <a:rPr kumimoji="0" lang="en-US" sz="1400" b="1" i="0" u="none" strike="noStrike" kern="0" cap="none" spc="0" normalizeH="0" baseline="0" noProof="0" dirty="0">
-                <a:ln>
-                  <a:noFill/>
-                </a:ln>
+              <a:rPr lang="en-US" sz="1400" b="1" dirty="0">
                 <a:solidFill>
                   <a:srgbClr val="FFE183"/>
                 </a:solidFill>
-                <a:effectLst/>
-                <a:uLnTx/>
-                <a:uFillTx/>
                 <a:latin typeface="Exo 2" panose="020B0604020202020204" charset="0"/>
                 <a:ea typeface="+mn-ea"/>
                 <a:cs typeface="+mn-cs"/>
@@ -17433,7 +15707,7 @@
         </p:nvSpPr>
         <p:spPr>
           <a:xfrm>
-            <a:off x="11321254" y="13934023"/>
+            <a:off x="11321255" y="11648024"/>
             <a:ext cx="401215" cy="345429"/>
           </a:xfrm>
           <a:prstGeom prst="rect">
@@ -17456,34 +15730,15 @@
           <a:bodyPr rtlCol="0" anchor="ctr"/>
           <a:lstStyle/>
           <a:p>
-            <a:pPr marL="0" marR="0" lvl="0" indent="0" algn="ctr" defTabSz="914400" eaLnBrk="1" fontAlgn="auto" latinLnBrk="0" hangingPunct="1">
-              <a:lnSpc>
-                <a:spcPct val="100000"/>
-              </a:lnSpc>
-              <a:spcBef>
-                <a:spcPts val="0"/>
-              </a:spcBef>
-              <a:spcAft>
-                <a:spcPts val="0"/>
-              </a:spcAft>
+            <a:pPr algn="ctr">
               <a:buClrTx/>
-              <a:buSzTx/>
-              <a:buFontTx/>
-              <a:buNone/>
-              <a:tabLst/>
               <a:defRPr/>
             </a:pPr>
             <a:r>
-              <a:rPr kumimoji="0" lang="en-US" sz="1400" b="1" i="0" u="none" strike="noStrike" kern="0" cap="none" spc="0" normalizeH="0" baseline="0" noProof="0" dirty="0">
-                <a:ln>
-                  <a:noFill/>
-                </a:ln>
+              <a:rPr lang="en-US" sz="1400" b="1" dirty="0">
                 <a:solidFill>
                   <a:srgbClr val="FFE183"/>
                 </a:solidFill>
-                <a:effectLst/>
-                <a:uLnTx/>
-                <a:uFillTx/>
                 <a:latin typeface="Exo 2" panose="020B0604020202020204" charset="0"/>
                 <a:ea typeface="+mn-ea"/>
                 <a:cs typeface="+mn-cs"/>
@@ -17507,7 +15762,7 @@
         </p:nvSpPr>
         <p:spPr>
           <a:xfrm>
-            <a:off x="13450366" y="13948690"/>
+            <a:off x="13450367" y="11662691"/>
             <a:ext cx="401215" cy="345429"/>
           </a:xfrm>
           <a:prstGeom prst="rect">
@@ -17530,34 +15785,15 @@
           <a:bodyPr rtlCol="0" anchor="ctr"/>
           <a:lstStyle/>
           <a:p>
-            <a:pPr marL="0" marR="0" lvl="0" indent="0" algn="ctr" defTabSz="914400" eaLnBrk="1" fontAlgn="auto" latinLnBrk="0" hangingPunct="1">
-              <a:lnSpc>
-                <a:spcPct val="100000"/>
-              </a:lnSpc>
-              <a:spcBef>
-                <a:spcPts val="0"/>
-              </a:spcBef>
-              <a:spcAft>
-                <a:spcPts val="0"/>
-              </a:spcAft>
+            <a:pPr algn="ctr">
               <a:buClrTx/>
-              <a:buSzTx/>
-              <a:buFontTx/>
-              <a:buNone/>
-              <a:tabLst/>
               <a:defRPr/>
             </a:pPr>
             <a:r>
-              <a:rPr kumimoji="0" lang="en-US" sz="1400" b="1" i="0" u="none" strike="noStrike" kern="0" cap="none" spc="0" normalizeH="0" baseline="0" noProof="0" dirty="0">
-                <a:ln>
-                  <a:noFill/>
-                </a:ln>
+              <a:rPr lang="en-US" sz="1400" b="1" dirty="0">
                 <a:solidFill>
                   <a:srgbClr val="FFE183"/>
                 </a:solidFill>
-                <a:effectLst/>
-                <a:uLnTx/>
-                <a:uFillTx/>
                 <a:latin typeface="Exo 2" panose="020B0604020202020204" charset="0"/>
                 <a:ea typeface="+mn-ea"/>
                 <a:cs typeface="+mn-cs"/>
@@ -17581,7 +15817,7 @@
         </p:nvSpPr>
         <p:spPr>
           <a:xfrm>
-            <a:off x="10342181" y="13603261"/>
+            <a:off x="10342182" y="11317262"/>
             <a:ext cx="401215" cy="345429"/>
           </a:xfrm>
           <a:prstGeom prst="rect">
@@ -17604,21 +15840,8 @@
           <a:bodyPr rtlCol="0" anchor="ctr"/>
           <a:lstStyle/>
           <a:p>
-            <a:pPr marL="0" marR="0" lvl="0" indent="0" algn="ctr" defTabSz="914400" eaLnBrk="1" fontAlgn="auto" latinLnBrk="0" hangingPunct="1">
-              <a:lnSpc>
-                <a:spcPct val="100000"/>
-              </a:lnSpc>
-              <a:spcBef>
-                <a:spcPts val="0"/>
-              </a:spcBef>
-              <a:spcAft>
-                <a:spcPts val="0"/>
-              </a:spcAft>
+            <a:pPr algn="ctr">
               <a:buClrTx/>
-              <a:buSzTx/>
-              <a:buFontTx/>
-              <a:buNone/>
-              <a:tabLst/>
               <a:defRPr/>
             </a:pPr>
             <a:r>
@@ -17632,20 +15855,6 @@
               </a:rPr>
               <a:t>30</a:t>
             </a:r>
-            <a:endParaRPr kumimoji="0" lang="en-US" sz="1400" b="1" i="0" u="none" strike="noStrike" kern="0" cap="none" spc="0" normalizeH="0" baseline="0" noProof="0" dirty="0">
-              <a:ln>
-                <a:noFill/>
-              </a:ln>
-              <a:solidFill>
-                <a:srgbClr val="FFE183"/>
-              </a:solidFill>
-              <a:effectLst/>
-              <a:uLnTx/>
-              <a:uFillTx/>
-              <a:latin typeface="Exo 2" panose="020B0604020202020204" charset="0"/>
-              <a:ea typeface="+mn-ea"/>
-              <a:cs typeface="+mn-cs"/>
-            </a:endParaRPr>
           </a:p>
         </p:txBody>
       </p:sp>
@@ -17663,7 +15872,7 @@
         </p:nvSpPr>
         <p:spPr>
           <a:xfrm>
-            <a:off x="14480422" y="13645879"/>
+            <a:off x="14480423" y="11359880"/>
             <a:ext cx="401215" cy="345429"/>
           </a:xfrm>
           <a:prstGeom prst="rect">
@@ -17686,21 +15895,8 @@
           <a:bodyPr rtlCol="0" anchor="ctr"/>
           <a:lstStyle/>
           <a:p>
-            <a:pPr marL="0" marR="0" lvl="0" indent="0" algn="ctr" defTabSz="914400" eaLnBrk="1" fontAlgn="auto" latinLnBrk="0" hangingPunct="1">
-              <a:lnSpc>
-                <a:spcPct val="100000"/>
-              </a:lnSpc>
-              <a:spcBef>
-                <a:spcPts val="0"/>
-              </a:spcBef>
-              <a:spcAft>
-                <a:spcPts val="0"/>
-              </a:spcAft>
+            <a:pPr algn="ctr">
               <a:buClrTx/>
-              <a:buSzTx/>
-              <a:buFontTx/>
-              <a:buNone/>
-              <a:tabLst/>
               <a:defRPr/>
             </a:pPr>
             <a:r>
@@ -17714,20 +15910,6 @@
               </a:rPr>
               <a:t>31</a:t>
             </a:r>
-            <a:endParaRPr kumimoji="0" lang="en-US" sz="1400" b="1" i="0" u="none" strike="noStrike" kern="0" cap="none" spc="0" normalizeH="0" baseline="0" noProof="0" dirty="0">
-              <a:ln>
-                <a:noFill/>
-              </a:ln>
-              <a:solidFill>
-                <a:srgbClr val="FFE183"/>
-              </a:solidFill>
-              <a:effectLst/>
-              <a:uLnTx/>
-              <a:uFillTx/>
-              <a:latin typeface="Exo 2" panose="020B0604020202020204" charset="0"/>
-              <a:ea typeface="+mn-ea"/>
-              <a:cs typeface="+mn-cs"/>
-            </a:endParaRPr>
           </a:p>
         </p:txBody>
       </p:sp>
@@ -17745,7 +15927,7 @@
         </p:nvSpPr>
         <p:spPr>
           <a:xfrm>
-            <a:off x="11060998" y="14674751"/>
+            <a:off x="11060999" y="12388752"/>
             <a:ext cx="401215" cy="345429"/>
           </a:xfrm>
           <a:prstGeom prst="rect">
@@ -17768,34 +15950,15 @@
           <a:bodyPr rtlCol="0" anchor="ctr"/>
           <a:lstStyle/>
           <a:p>
-            <a:pPr marL="0" marR="0" lvl="0" indent="0" algn="ctr" defTabSz="914400" eaLnBrk="1" fontAlgn="auto" latinLnBrk="0" hangingPunct="1">
-              <a:lnSpc>
-                <a:spcPct val="100000"/>
-              </a:lnSpc>
-              <a:spcBef>
-                <a:spcPts val="0"/>
-              </a:spcBef>
-              <a:spcAft>
-                <a:spcPts val="0"/>
-              </a:spcAft>
+            <a:pPr algn="ctr">
               <a:buClrTx/>
-              <a:buSzTx/>
-              <a:buFontTx/>
-              <a:buNone/>
-              <a:tabLst/>
               <a:defRPr/>
             </a:pPr>
             <a:r>
-              <a:rPr kumimoji="0" lang="en-US" sz="1400" b="1" i="0" u="none" strike="noStrike" kern="0" cap="none" spc="0" normalizeH="0" baseline="0" noProof="0" dirty="0">
-                <a:ln>
-                  <a:noFill/>
-                </a:ln>
+              <a:rPr lang="en-US" sz="1400" b="1" dirty="0">
                 <a:solidFill>
                   <a:srgbClr val="FFE183"/>
                 </a:solidFill>
-                <a:effectLst/>
-                <a:uLnTx/>
-                <a:uFillTx/>
                 <a:latin typeface="Exo 2" panose="020B0604020202020204" charset="0"/>
                 <a:ea typeface="+mn-ea"/>
                 <a:cs typeface="+mn-cs"/>
@@ -17843,7 +16006,7 @@
         </p:nvGrpSpPr>
         <p:grpSpPr>
           <a:xfrm>
-            <a:off x="6131011" y="5260525"/>
+            <a:off x="6131011" y="2974525"/>
             <a:ext cx="6025966" cy="4674714"/>
             <a:chOff x="952025" y="1149000"/>
             <a:chExt cx="2054400" cy="1593725"/>
@@ -22624,7 +20787,7 @@
         </p:nvSpPr>
         <p:spPr>
           <a:xfrm>
-            <a:off x="4544100" y="11615850"/>
+            <a:off x="4544100" y="9329850"/>
             <a:ext cx="9199800" cy="962400"/>
           </a:xfrm>
           <a:prstGeom prst="roundRect">
@@ -22670,7 +20833,7 @@
         </p:nvSpPr>
         <p:spPr>
           <a:xfrm>
-            <a:off x="4800000" y="11621136"/>
+            <a:off x="4800000" y="9335136"/>
             <a:ext cx="8688000" cy="951600"/>
           </a:xfrm>
           <a:prstGeom prst="rect">
@@ -22700,7 +20863,7 @@
         </p:nvSpPr>
         <p:spPr>
           <a:xfrm>
-            <a:off x="5383774" y="8677450"/>
+            <a:off x="5383774" y="6391450"/>
             <a:ext cx="7520452" cy="1628500"/>
           </a:xfrm>
           <a:prstGeom prst="rect">
@@ -22772,7 +20935,7 @@
         </p:nvSpPr>
         <p:spPr>
           <a:xfrm>
-            <a:off x="1837200" y="9653600"/>
+            <a:off x="1837200" y="7367600"/>
             <a:ext cx="14613600" cy="1866000"/>
           </a:xfrm>
           <a:prstGeom prst="rect">

--- a/MainEvents/Map.pptx
+++ b/MainEvents/Map.pptx
@@ -1390,7 +1390,7 @@
           <a:p>
             <a:fld id="{864DD136-2D4D-487D-88CA-EF10B8895367}" type="datetimeFigureOut">
               <a:rPr lang="en-US" smtClean="0"/>
-              <a:t>1/4/2023</a:t>
+              <a:t>1/6/2023</a:t>
             </a:fld>
             <a:endParaRPr lang="en-US"/>
           </a:p>
@@ -1485,7 +1485,7 @@
           <a:p>
             <a:fld id="{864DD136-2D4D-487D-88CA-EF10B8895367}" type="datetimeFigureOut">
               <a:rPr lang="en-US" smtClean="0"/>
-              <a:t>1/4/2023</a:t>
+              <a:t>1/6/2023</a:t>
             </a:fld>
             <a:endParaRPr lang="en-US"/>
           </a:p>
@@ -1762,7 +1762,7 @@
           <a:p>
             <a:fld id="{864DD136-2D4D-487D-88CA-EF10B8895367}" type="datetimeFigureOut">
               <a:rPr lang="en-US" smtClean="0"/>
-              <a:t>1/4/2023</a:t>
+              <a:t>1/6/2023</a:t>
             </a:fld>
             <a:endParaRPr lang="en-US"/>
           </a:p>
@@ -2019,7 +2019,7 @@
           <a:p>
             <a:fld id="{864DD136-2D4D-487D-88CA-EF10B8895367}" type="datetimeFigureOut">
               <a:rPr lang="en-US" smtClean="0"/>
-              <a:t>1/4/2023</a:t>
+              <a:t>1/6/2023</a:t>
             </a:fld>
             <a:endParaRPr lang="en-US"/>
           </a:p>
@@ -2189,7 +2189,7 @@
           <a:p>
             <a:fld id="{864DD136-2D4D-487D-88CA-EF10B8895367}" type="datetimeFigureOut">
               <a:rPr lang="en-US" smtClean="0"/>
-              <a:t>1/4/2023</a:t>
+              <a:t>1/6/2023</a:t>
             </a:fld>
             <a:endParaRPr lang="en-US"/>
           </a:p>
@@ -2369,7 +2369,7 @@
           <a:p>
             <a:fld id="{864DD136-2D4D-487D-88CA-EF10B8895367}" type="datetimeFigureOut">
               <a:rPr lang="en-US" smtClean="0"/>
-              <a:t>1/4/2023</a:t>
+              <a:t>1/6/2023</a:t>
             </a:fld>
             <a:endParaRPr lang="en-US"/>
           </a:p>
@@ -2561,7 +2561,7 @@
           <a:p>
             <a:fld id="{864DD136-2D4D-487D-88CA-EF10B8895367}" type="datetimeFigureOut">
               <a:rPr lang="en-US" smtClean="0"/>
-              <a:t>1/4/2023</a:t>
+              <a:t>1/6/2023</a:t>
             </a:fld>
             <a:endParaRPr lang="en-US"/>
           </a:p>
@@ -2731,7 +2731,7 @@
           <a:p>
             <a:fld id="{864DD136-2D4D-487D-88CA-EF10B8895367}" type="datetimeFigureOut">
               <a:rPr lang="en-US" smtClean="0"/>
-              <a:t>1/4/2023</a:t>
+              <a:t>1/6/2023</a:t>
             </a:fld>
             <a:endParaRPr lang="en-US"/>
           </a:p>
@@ -2975,7 +2975,7 @@
           <a:p>
             <a:fld id="{864DD136-2D4D-487D-88CA-EF10B8895367}" type="datetimeFigureOut">
               <a:rPr lang="en-US" smtClean="0"/>
-              <a:t>1/4/2023</a:t>
+              <a:t>1/6/2023</a:t>
             </a:fld>
             <a:endParaRPr lang="en-US"/>
           </a:p>
@@ -3207,7 +3207,7 @@
           <a:p>
             <a:fld id="{864DD136-2D4D-487D-88CA-EF10B8895367}" type="datetimeFigureOut">
               <a:rPr lang="en-US" smtClean="0"/>
-              <a:t>1/4/2023</a:t>
+              <a:t>1/6/2023</a:t>
             </a:fld>
             <a:endParaRPr lang="en-US"/>
           </a:p>
@@ -3607,7 +3607,7 @@
           <a:p>
             <a:fld id="{864DD136-2D4D-487D-88CA-EF10B8895367}" type="datetimeFigureOut">
               <a:rPr lang="en-US" smtClean="0"/>
-              <a:t>1/4/2023</a:t>
+              <a:t>1/6/2023</a:t>
             </a:fld>
             <a:endParaRPr lang="en-US"/>
           </a:p>
@@ -3725,7 +3725,7 @@
           <a:p>
             <a:fld id="{864DD136-2D4D-487D-88CA-EF10B8895367}" type="datetimeFigureOut">
               <a:rPr lang="en-US" smtClean="0"/>
-              <a:t>1/4/2023</a:t>
+              <a:t>1/6/2023</a:t>
             </a:fld>
             <a:endParaRPr lang="en-US"/>
           </a:p>
@@ -3820,7 +3820,7 @@
           <a:p>
             <a:fld id="{864DD136-2D4D-487D-88CA-EF10B8895367}" type="datetimeFigureOut">
               <a:rPr lang="en-US" smtClean="0"/>
-              <a:t>1/4/2023</a:t>
+              <a:t>1/6/2023</a:t>
             </a:fld>
             <a:endParaRPr lang="en-US"/>
           </a:p>
@@ -4097,7 +4097,7 @@
           <a:p>
             <a:fld id="{864DD136-2D4D-487D-88CA-EF10B8895367}" type="datetimeFigureOut">
               <a:rPr lang="en-US" smtClean="0"/>
-              <a:t>1/4/2023</a:t>
+              <a:t>1/6/2023</a:t>
             </a:fld>
             <a:endParaRPr lang="en-US"/>
           </a:p>
@@ -4354,7 +4354,7 @@
           <a:p>
             <a:fld id="{864DD136-2D4D-487D-88CA-EF10B8895367}" type="datetimeFigureOut">
               <a:rPr lang="en-US" smtClean="0"/>
-              <a:t>1/4/2023</a:t>
+              <a:t>1/6/2023</a:t>
             </a:fld>
             <a:endParaRPr lang="en-US"/>
           </a:p>
@@ -4524,7 +4524,7 @@
           <a:p>
             <a:fld id="{864DD136-2D4D-487D-88CA-EF10B8895367}" type="datetimeFigureOut">
               <a:rPr lang="en-US" smtClean="0"/>
-              <a:t>1/4/2023</a:t>
+              <a:t>1/6/2023</a:t>
             </a:fld>
             <a:endParaRPr lang="en-US"/>
           </a:p>
@@ -4704,7 +4704,7 @@
           <a:p>
             <a:fld id="{864DD136-2D4D-487D-88CA-EF10B8895367}" type="datetimeFigureOut">
               <a:rPr lang="en-US" smtClean="0"/>
-              <a:t>1/4/2023</a:t>
+              <a:t>1/6/2023</a:t>
             </a:fld>
             <a:endParaRPr lang="en-US"/>
           </a:p>
@@ -5334,7 +5334,7 @@
           <a:p>
             <a:fld id="{864DD136-2D4D-487D-88CA-EF10B8895367}" type="datetimeFigureOut">
               <a:rPr lang="en-US" smtClean="0"/>
-              <a:t>1/4/2023</a:t>
+              <a:t>1/6/2023</a:t>
             </a:fld>
             <a:endParaRPr lang="en-US"/>
           </a:p>
@@ -5504,7 +5504,7 @@
           <a:p>
             <a:fld id="{864DD136-2D4D-487D-88CA-EF10B8895367}" type="datetimeFigureOut">
               <a:rPr lang="en-US" smtClean="0"/>
-              <a:t>1/4/2023</a:t>
+              <a:t>1/6/2023</a:t>
             </a:fld>
             <a:endParaRPr lang="en-US"/>
           </a:p>
@@ -5748,7 +5748,7 @@
           <a:p>
             <a:fld id="{864DD136-2D4D-487D-88CA-EF10B8895367}" type="datetimeFigureOut">
               <a:rPr lang="en-US" smtClean="0"/>
-              <a:t>1/4/2023</a:t>
+              <a:t>1/6/2023</a:t>
             </a:fld>
             <a:endParaRPr lang="en-US"/>
           </a:p>
@@ -5980,7 +5980,7 @@
           <a:p>
             <a:fld id="{864DD136-2D4D-487D-88CA-EF10B8895367}" type="datetimeFigureOut">
               <a:rPr lang="en-US" smtClean="0"/>
-              <a:t>1/4/2023</a:t>
+              <a:t>1/6/2023</a:t>
             </a:fld>
             <a:endParaRPr lang="en-US"/>
           </a:p>
@@ -6347,7 +6347,7 @@
           <a:p>
             <a:fld id="{864DD136-2D4D-487D-88CA-EF10B8895367}" type="datetimeFigureOut">
               <a:rPr lang="en-US" smtClean="0"/>
-              <a:t>1/4/2023</a:t>
+              <a:t>1/6/2023</a:t>
             </a:fld>
             <a:endParaRPr lang="en-US"/>
           </a:p>
@@ -7806,7 +7806,7 @@
           <a:p>
             <a:fld id="{C764DE79-268F-4C1A-8933-263129D2AF90}" type="datetimeFigureOut">
               <a:rPr lang="en-US" dirty="0"/>
-              <a:t>1/4/2023</a:t>
+              <a:t>1/6/2023</a:t>
             </a:fld>
             <a:endParaRPr lang="en-US" dirty="0"/>
           </a:p>
@@ -8347,7 +8347,7 @@
           <a:p>
             <a:fld id="{C764DE79-268F-4C1A-8933-263129D2AF90}" type="datetimeFigureOut">
               <a:rPr lang="en-US" dirty="0"/>
-              <a:t>1/4/2023</a:t>
+              <a:t>1/6/2023</a:t>
             </a:fld>
             <a:endParaRPr lang="en-US" dirty="0"/>
           </a:p>
@@ -13102,7 +13102,7 @@
                 <a:ea typeface="+mn-ea"/>
                 <a:cs typeface="+mn-cs"/>
               </a:rPr>
-              <a:t>Miami University: 10, 11</a:t>
+              <a:t>Miami University: 19, 20</a:t>
             </a:r>
           </a:p>
           <a:p>
